--- a/dia2/lecture2_bayes.pptx
+++ b/dia2/lecture2_bayes.pptx
@@ -243,7 +243,7 @@
           <a:p>
             <a:fld id="{9EC8F33C-A7AA-43A7-BCA9-F081EA0B4664}" type="datetimeFigureOut">
               <a:rPr lang="en-US" smtClean="0"/>
-              <a:t>1/13/2019</a:t>
+              <a:t>1/14/2019</a:t>
             </a:fld>
             <a:endParaRPr lang="en-US"/>
           </a:p>
@@ -592,7 +592,7 @@
           </a:ln>
           <a:extLst>
             <a:ext uri="{909E8E84-426E-40dd-AFC4-6F175D3DCCD1}">
-              <a14:hiddenFill xmlns:a14="http://schemas.microsoft.com/office/drawing/2010/main" xmlns="">
+              <a14:hiddenFill xmlns="" xmlns:a14="http://schemas.microsoft.com/office/drawing/2010/main">
                 <a:solidFill>
                   <a:srgbClr val="FFFFFF"/>
                 </a:solidFill>
@@ -635,7 +635,7 @@
           </a:ln>
           <a:extLst>
             <a:ext uri="{909E8E84-426E-40dd-AFC4-6F175D3DCCD1}">
-              <a14:hiddenFill xmlns:a14="http://schemas.microsoft.com/office/drawing/2010/main" xmlns="">
+              <a14:hiddenFill xmlns="" xmlns:a14="http://schemas.microsoft.com/office/drawing/2010/main">
                 <a:noFill/>
               </a14:hiddenFill>
             </a:ext>
@@ -734,7 +734,7 @@
           <a:p>
             <a:fld id="{9A356AEA-056F-417E-9B38-4BA8743FE6C4}" type="datetime1">
               <a:rPr lang="en-US" smtClean="0"/>
-              <a:t>1/13/2019</a:t>
+              <a:t>1/14/2019</a:t>
             </a:fld>
             <a:endParaRPr lang="en-US"/>
           </a:p>
@@ -921,7 +921,7 @@
           <a:p>
             <a:fld id="{09867F7C-1948-4907-9EBC-DD38682B5188}" type="datetime1">
               <a:rPr lang="en-US" smtClean="0"/>
-              <a:t>1/13/2019</a:t>
+              <a:t>1/14/2019</a:t>
             </a:fld>
             <a:endParaRPr lang="en-US"/>
           </a:p>
@@ -1117,7 +1117,7 @@
           <a:p>
             <a:fld id="{A5996870-3492-4879-A20C-50CF7F25E309}" type="datetime1">
               <a:rPr lang="en-US" smtClean="0"/>
-              <a:t>1/13/2019</a:t>
+              <a:t>1/14/2019</a:t>
             </a:fld>
             <a:endParaRPr lang="en-US"/>
           </a:p>
@@ -1369,7 +1369,7 @@
           <a:p>
             <a:fld id="{3339509F-2835-4D20-8448-C5CCD453FC4A}" type="datetime1">
               <a:rPr lang="en-US" smtClean="0"/>
-              <a:t>1/13/2019</a:t>
+              <a:t>1/14/2019</a:t>
             </a:fld>
             <a:endParaRPr lang="en-US"/>
           </a:p>
@@ -1593,7 +1593,7 @@
           <a:p>
             <a:fld id="{7A6EDDDE-DBE4-4114-B865-EC3A2920782E}" type="datetime1">
               <a:rPr lang="en-US" smtClean="0"/>
-              <a:t>1/13/2019</a:t>
+              <a:t>1/14/2019</a:t>
             </a:fld>
             <a:endParaRPr lang="en-US"/>
           </a:p>
@@ -1901,7 +1901,7 @@
           <a:p>
             <a:fld id="{8DA96907-43AE-4B1E-B5FF-6853ADDA5697}" type="datetime1">
               <a:rPr lang="en-US" smtClean="0"/>
-              <a:t>1/13/2019</a:t>
+              <a:t>1/14/2019</a:t>
             </a:fld>
             <a:endParaRPr lang="en-US"/>
           </a:p>
@@ -2069,7 +2069,7 @@
           <a:p>
             <a:fld id="{2E65DF97-DE0F-4515-8F8D-0E1C627BC4E9}" type="datetime1">
               <a:rPr lang="en-US" smtClean="0"/>
-              <a:t>1/13/2019</a:t>
+              <a:t>1/14/2019</a:t>
             </a:fld>
             <a:endParaRPr lang="en-US"/>
           </a:p>
@@ -2381,7 +2381,7 @@
           <a:p>
             <a:fld id="{23B9FD00-80D5-4EA7-B536-8F4F2C3959C9}" type="datetime1">
               <a:rPr lang="en-US" smtClean="0"/>
-              <a:t>1/13/2019</a:t>
+              <a:t>1/14/2019</a:t>
             </a:fld>
             <a:endParaRPr lang="en-US"/>
           </a:p>
@@ -2693,7 +2693,7 @@
           <a:p>
             <a:fld id="{DAC77084-4DB4-4A23-9870-BF49183ACB4C}" type="datetime1">
               <a:rPr lang="en-US" smtClean="0"/>
-              <a:t>1/13/2019</a:t>
+              <a:t>1/14/2019</a:t>
             </a:fld>
             <a:endParaRPr lang="en-US"/>
           </a:p>
@@ -2879,7 +2879,7 @@
           <a:p>
             <a:fld id="{6E487ECE-0D8C-4AFB-BD35-997F06E0971C}" type="datetime1">
               <a:rPr lang="en-US" smtClean="0"/>
-              <a:t>1/13/2019</a:t>
+              <a:t>1/14/2019</a:t>
             </a:fld>
             <a:endParaRPr lang="en-US"/>
           </a:p>
@@ -3088,7 +3088,7 @@
           <a:p>
             <a:fld id="{D4F6DC8D-78A1-49CC-B033-F77D87B04958}" type="datetime1">
               <a:rPr lang="en-US" smtClean="0"/>
-              <a:t>1/13/2019</a:t>
+              <a:t>1/14/2019</a:t>
             </a:fld>
             <a:endParaRPr lang="en-US"/>
           </a:p>
@@ -3391,7 +3391,7 @@
           <a:p>
             <a:fld id="{3BCF4A7C-A413-48DA-9211-5240CAEE1DD4}" type="datetime1">
               <a:rPr lang="en-US" smtClean="0"/>
-              <a:t>1/13/2019</a:t>
+              <a:t>1/14/2019</a:t>
             </a:fld>
             <a:endParaRPr lang="en-US"/>
           </a:p>
@@ -3833,7 +3833,7 @@
           <a:p>
             <a:fld id="{AAE887C4-8D00-4515-BD6B-6D6B646F02F7}" type="datetime1">
               <a:rPr lang="en-US" smtClean="0"/>
-              <a:t>1/13/2019</a:t>
+              <a:t>1/14/2019</a:t>
             </a:fld>
             <a:endParaRPr lang="en-US"/>
           </a:p>
@@ -3968,7 +3968,7 @@
           <a:p>
             <a:fld id="{10C13C5A-776A-4D2B-A91E-2ACB7D90E7CC}" type="datetime1">
               <a:rPr lang="en-US" smtClean="0"/>
-              <a:t>1/13/2019</a:t>
+              <a:t>1/14/2019</a:t>
             </a:fld>
             <a:endParaRPr lang="en-US"/>
           </a:p>
@@ -4081,7 +4081,7 @@
           <a:p>
             <a:fld id="{00A5D59F-6FC3-492C-BAE3-F50C9D1FBA31}" type="datetime1">
               <a:rPr lang="en-US" smtClean="0"/>
-              <a:t>1/13/2019</a:t>
+              <a:t>1/14/2019</a:t>
             </a:fld>
             <a:endParaRPr lang="en-US"/>
           </a:p>
@@ -4374,7 +4374,7 @@
           <a:p>
             <a:fld id="{CD78B45F-E474-4F2F-801A-58FC9FE22655}" type="datetime1">
               <a:rPr lang="en-US" smtClean="0"/>
-              <a:t>1/13/2019</a:t>
+              <a:t>1/14/2019</a:t>
             </a:fld>
             <a:endParaRPr lang="en-US"/>
           </a:p>
@@ -4648,7 +4648,7 @@
           <a:p>
             <a:fld id="{FDF35450-A835-4587-8F84-782057674F92}" type="datetime1">
               <a:rPr lang="en-US" smtClean="0"/>
-              <a:t>1/13/2019</a:t>
+              <a:t>1/14/2019</a:t>
             </a:fld>
             <a:endParaRPr lang="en-US"/>
           </a:p>
@@ -4770,17 +4770,17 @@
           </a:ln>
           <a:extLst>
             <a:ext uri="{FAA26D3D-D897-4be2-8F04-BA451C77F1D7}">
-              <ma14:placeholderFlag xmlns:ma14="http://schemas.microsoft.com/office/mac/drawingml/2011/main" xmlns="" val="1"/>
+              <ma14:placeholderFlag xmlns="" xmlns:ma14="http://schemas.microsoft.com/office/mac/drawingml/2011/main" val="1"/>
             </a:ext>
             <a:ext uri="{909E8E84-426E-40dd-AFC4-6F175D3DCCD1}">
-              <a14:hiddenFill xmlns:a14="http://schemas.microsoft.com/office/drawing/2010/main" xmlns="">
+              <a14:hiddenFill xmlns="" xmlns:a14="http://schemas.microsoft.com/office/drawing/2010/main">
                 <a:solidFill>
                   <a:srgbClr val="FFFFFF"/>
                 </a:solidFill>
               </a14:hiddenFill>
             </a:ext>
             <a:ext uri="{91240B29-F687-4f45-9708-019B960494DF}">
-              <a14:hiddenLine xmlns:a14="http://schemas.microsoft.com/office/drawing/2010/main" xmlns="" w="9525">
+              <a14:hiddenLine xmlns="" xmlns:a14="http://schemas.microsoft.com/office/drawing/2010/main" w="9525">
                 <a:solidFill>
                   <a:srgbClr val="000000"/>
                 </a:solidFill>
@@ -4832,17 +4832,17 @@
           </a:ln>
           <a:extLst>
             <a:ext uri="{FAA26D3D-D897-4be2-8F04-BA451C77F1D7}">
-              <ma14:placeholderFlag xmlns:ma14="http://schemas.microsoft.com/office/mac/drawingml/2011/main" xmlns="" val="1"/>
+              <ma14:placeholderFlag xmlns="" xmlns:ma14="http://schemas.microsoft.com/office/mac/drawingml/2011/main" val="1"/>
             </a:ext>
             <a:ext uri="{909E8E84-426E-40dd-AFC4-6F175D3DCCD1}">
-              <a14:hiddenFill xmlns:a14="http://schemas.microsoft.com/office/drawing/2010/main" xmlns="">
+              <a14:hiddenFill xmlns="" xmlns:a14="http://schemas.microsoft.com/office/drawing/2010/main">
                 <a:solidFill>
                   <a:srgbClr val="FFFFFF"/>
                 </a:solidFill>
               </a14:hiddenFill>
             </a:ext>
             <a:ext uri="{91240B29-F687-4f45-9708-019B960494DF}">
-              <a14:hiddenLine xmlns:a14="http://schemas.microsoft.com/office/drawing/2010/main" xmlns="" w="9525">
+              <a14:hiddenLine xmlns="" xmlns:a14="http://schemas.microsoft.com/office/drawing/2010/main" w="9525">
                 <a:solidFill>
                   <a:srgbClr val="000000"/>
                 </a:solidFill>
@@ -4942,7 +4942,7 @@
           <a:p>
             <a:fld id="{F6803E09-2A09-4EEA-8E99-292225B5EDFC}" type="datetime1">
               <a:rPr lang="en-US" smtClean="0"/>
-              <a:t>1/13/2019</a:t>
+              <a:t>1/14/2019</a:t>
             </a:fld>
             <a:endParaRPr lang="en-US"/>
           </a:p>
@@ -5110,7 +5110,7 @@
           </a:ln>
           <a:extLst>
             <a:ext uri="{909E8E84-426E-40dd-AFC4-6F175D3DCCD1}">
-              <a14:hiddenFill xmlns:a14="http://schemas.microsoft.com/office/drawing/2010/main" xmlns="">
+              <a14:hiddenFill xmlns="" xmlns:a14="http://schemas.microsoft.com/office/drawing/2010/main">
                 <a:solidFill>
                   <a:srgbClr val="FFFFFF"/>
                 </a:solidFill>
@@ -5153,7 +5153,7 @@
           </a:ln>
           <a:extLst>
             <a:ext uri="{909E8E84-426E-40dd-AFC4-6F175D3DCCD1}">
-              <a14:hiddenFill xmlns:a14="http://schemas.microsoft.com/office/drawing/2010/main" xmlns="">
+              <a14:hiddenFill xmlns="" xmlns:a14="http://schemas.microsoft.com/office/drawing/2010/main">
                 <a:noFill/>
               </a14:hiddenFill>
             </a:ext>
@@ -5638,7 +5638,7 @@
           <p:cNvPr id="2" name="Title 1">
             <a:extLst>
               <a:ext uri="{FF2B5EF4-FFF2-40B4-BE49-F238E27FC236}">
-                <a16:creationId xmlns:a16="http://schemas.microsoft.com/office/drawing/2014/main" xmlns="" id="{4819A39B-28BB-4873-9914-8FEE18891DD4}"/>
+                <a16:creationId xmlns="" xmlns:a16="http://schemas.microsoft.com/office/drawing/2014/main" id="{4819A39B-28BB-4873-9914-8FEE18891DD4}"/>
               </a:ext>
             </a:extLst>
           </p:cNvPr>
@@ -5669,7 +5669,7 @@
           <p:cNvPr id="5" name="Subtitle 2">
             <a:extLst>
               <a:ext uri="{FF2B5EF4-FFF2-40B4-BE49-F238E27FC236}">
-                <a16:creationId xmlns:a16="http://schemas.microsoft.com/office/drawing/2014/main" xmlns="" id="{2BECD79D-0B3A-44C2-A155-03EC2A6A5D3B}"/>
+                <a16:creationId xmlns="" xmlns:a16="http://schemas.microsoft.com/office/drawing/2014/main" id="{2BECD79D-0B3A-44C2-A155-03EC2A6A5D3B}"/>
               </a:ext>
             </a:extLst>
           </p:cNvPr>
@@ -5692,17 +5692,17 @@
           </a:ln>
           <a:extLst>
             <a:ext uri="{FAA26D3D-D897-4be2-8F04-BA451C77F1D7}">
-              <ma14:placeholderFlag xmlns:ma14="http://schemas.microsoft.com/office/mac/drawingml/2011/main" xmlns="" val="1"/>
+              <ma14:placeholderFlag xmlns="" xmlns:ma14="http://schemas.microsoft.com/office/mac/drawingml/2011/main" val="1"/>
             </a:ext>
             <a:ext uri="{909E8E84-426E-40dd-AFC4-6F175D3DCCD1}">
-              <a14:hiddenFill xmlns:a14="http://schemas.microsoft.com/office/drawing/2010/main" xmlns="">
+              <a14:hiddenFill xmlns="" xmlns:a14="http://schemas.microsoft.com/office/drawing/2010/main">
                 <a:solidFill>
                   <a:srgbClr val="FFFFFF"/>
                 </a:solidFill>
               </a14:hiddenFill>
             </a:ext>
             <a:ext uri="{91240B29-F687-4f45-9708-019B960494DF}">
-              <a14:hiddenLine xmlns:a14="http://schemas.microsoft.com/office/drawing/2010/main" xmlns="" w="9525">
+              <a14:hiddenLine xmlns="" xmlns:a14="http://schemas.microsoft.com/office/drawing/2010/main" w="9525">
                 <a:solidFill>
                   <a:srgbClr val="000000"/>
                 </a:solidFill>
@@ -6000,7 +6000,7 @@
           <p:cNvPr id="2" name="Title 1">
             <a:extLst>
               <a:ext uri="{FF2B5EF4-FFF2-40B4-BE49-F238E27FC236}">
-                <a16:creationId xmlns:a16="http://schemas.microsoft.com/office/drawing/2014/main" xmlns="" id="{E58841CB-F12A-49AE-A0F6-FC905252F346}"/>
+                <a16:creationId xmlns="" xmlns:a16="http://schemas.microsoft.com/office/drawing/2014/main" id="{E58841CB-F12A-49AE-A0F6-FC905252F346}"/>
               </a:ext>
             </a:extLst>
           </p:cNvPr>
@@ -6029,7 +6029,7 @@
           <p:cNvPr id="3" name="Content Placeholder 2">
             <a:extLst>
               <a:ext uri="{FF2B5EF4-FFF2-40B4-BE49-F238E27FC236}">
-                <a16:creationId xmlns:a16="http://schemas.microsoft.com/office/drawing/2014/main" xmlns="" id="{2BAA9235-4720-4EA9-AAB8-5711BE621A8E}"/>
+                <a16:creationId xmlns="" xmlns:a16="http://schemas.microsoft.com/office/drawing/2014/main" id="{2BAA9235-4720-4EA9-AAB8-5711BE621A8E}"/>
               </a:ext>
             </a:extLst>
           </p:cNvPr>
@@ -6218,52 +6218,9 @@
           </a:p>
           <a:p>
             <a:r>
-              <a:rPr lang="es-419" noProof="0" dirty="0" err="1" smtClean="0"/>
-              <a:t>We</a:t>
-            </a:r>
-            <a:r>
               <a:rPr lang="es-419" noProof="0" dirty="0" smtClean="0"/>
-              <a:t> </a:t>
-            </a:r>
-            <a:r>
-              <a:rPr lang="es-419" noProof="0" dirty="0" err="1" smtClean="0"/>
-              <a:t>will</a:t>
-            </a:r>
-            <a:r>
-              <a:rPr lang="es-419" noProof="0" dirty="0" smtClean="0"/>
-              <a:t> ignore </a:t>
-            </a:r>
-            <a:r>
-              <a:rPr lang="es-419" noProof="0" dirty="0" err="1" smtClean="0"/>
-              <a:t>this</a:t>
-            </a:r>
-            <a:r>
-              <a:rPr lang="es-419" noProof="0" dirty="0" smtClean="0"/>
-              <a:t> and </a:t>
-            </a:r>
-            <a:r>
-              <a:rPr lang="es-419" noProof="0" dirty="0" err="1" smtClean="0"/>
-              <a:t>focus</a:t>
-            </a:r>
-            <a:r>
-              <a:rPr lang="es-419" noProof="0" dirty="0" smtClean="0"/>
-              <a:t> </a:t>
-            </a:r>
-            <a:r>
-              <a:rPr lang="es-419" noProof="0" dirty="0" err="1" smtClean="0"/>
-              <a:t>on</a:t>
-            </a:r>
-            <a:r>
-              <a:rPr lang="es-419" noProof="0" dirty="0" smtClean="0"/>
-              <a:t> </a:t>
-            </a:r>
-            <a:r>
-              <a:rPr lang="es-419" noProof="0" dirty="0" err="1" smtClean="0"/>
-              <a:t>applications</a:t>
-            </a:r>
-            <a:endParaRPr lang="es-419" noProof="0" dirty="0" smtClean="0"/>
-          </a:p>
-          <a:p>
+              <a:t>Vamos a ignorarla y enfocar en aplicaciones </a:t>
+            </a:r>
             <a:endParaRPr lang="es-419" noProof="0" dirty="0"/>
           </a:p>
         </p:txBody>
@@ -6273,7 +6230,7 @@
           <p:cNvPr id="4" name="Slide Number Placeholder 3">
             <a:extLst>
               <a:ext uri="{FF2B5EF4-FFF2-40B4-BE49-F238E27FC236}">
-                <a16:creationId xmlns:a16="http://schemas.microsoft.com/office/drawing/2014/main" xmlns="" id="{28183925-41CE-45AE-9C75-56FB10A283D7}"/>
+                <a16:creationId xmlns="" xmlns:a16="http://schemas.microsoft.com/office/drawing/2014/main" id="{28183925-41CE-45AE-9C75-56FB10A283D7}"/>
               </a:ext>
             </a:extLst>
           </p:cNvPr>
@@ -6421,7 +6378,15 @@
           <a:p>
             <a:r>
               <a:rPr lang="es-419" noProof="0" dirty="0" smtClean="0"/>
-              <a:t>Puede permitir los datos solas guiar la inferencia a través de la verosimilitud </a:t>
+              <a:t>Puede permitir </a:t>
+            </a:r>
+            <a:r>
+              <a:rPr lang="es-419" noProof="0" dirty="0" smtClean="0"/>
+              <a:t>solo los datos guiar </a:t>
+            </a:r>
+            <a:r>
+              <a:rPr lang="es-419" noProof="0" dirty="0" smtClean="0"/>
+              <a:t>la inferencia a través de la verosimilitud </a:t>
             </a:r>
           </a:p>
           <a:p>
@@ -6518,7 +6483,7 @@
           <p:cNvPr id="2" name="Title 1">
             <a:extLst>
               <a:ext uri="{FF2B5EF4-FFF2-40B4-BE49-F238E27FC236}">
-                <a16:creationId xmlns:a16="http://schemas.microsoft.com/office/drawing/2014/main" xmlns="" id="{FD1B3A62-01C0-42BD-98E9-3E6390DF81DF}"/>
+                <a16:creationId xmlns="" xmlns:a16="http://schemas.microsoft.com/office/drawing/2014/main" id="{FD1B3A62-01C0-42BD-98E9-3E6390DF81DF}"/>
               </a:ext>
             </a:extLst>
           </p:cNvPr>
@@ -6560,7 +6525,7 @@
           <p:cNvPr id="3" name="Content Placeholder 2">
             <a:extLst>
               <a:ext uri="{FF2B5EF4-FFF2-40B4-BE49-F238E27FC236}">
-                <a16:creationId xmlns:a16="http://schemas.microsoft.com/office/drawing/2014/main" xmlns="" id="{1A73EBAF-5CC7-4858-9716-3C65EE0DA794}"/>
+                <a16:creationId xmlns="" xmlns:a16="http://schemas.microsoft.com/office/drawing/2014/main" id="{1A73EBAF-5CC7-4858-9716-3C65EE0DA794}"/>
               </a:ext>
             </a:extLst>
           </p:cNvPr>
@@ -6594,7 +6559,7 @@
           <p:cNvPr id="21" name="Group 20">
             <a:extLst>
               <a:ext uri="{FF2B5EF4-FFF2-40B4-BE49-F238E27FC236}">
-                <a16:creationId xmlns:a16="http://schemas.microsoft.com/office/drawing/2014/main" xmlns="" id="{8F921A97-963E-421A-B56B-BD8146171A30}"/>
+                <a16:creationId xmlns="" xmlns:a16="http://schemas.microsoft.com/office/drawing/2014/main" id="{8F921A97-963E-421A-B56B-BD8146171A30}"/>
               </a:ext>
             </a:extLst>
           </p:cNvPr>
@@ -6614,7 +6579,7 @@
             <p:cNvPr id="6" name="Arrow: Curved Left 5">
               <a:extLst>
                 <a:ext uri="{FF2B5EF4-FFF2-40B4-BE49-F238E27FC236}">
-                  <a16:creationId xmlns:a16="http://schemas.microsoft.com/office/drawing/2014/main" xmlns="" id="{09B887B1-DF79-42AF-927C-7AFEB95AE5A5}"/>
+                  <a16:creationId xmlns="" xmlns:a16="http://schemas.microsoft.com/office/drawing/2014/main" id="{09B887B1-DF79-42AF-927C-7AFEB95AE5A5}"/>
                 </a:ext>
               </a:extLst>
             </p:cNvPr>
@@ -6672,7 +6637,7 @@
             <p:cNvPr id="8" name="Arrow: Curved Left 7">
               <a:extLst>
                 <a:ext uri="{FF2B5EF4-FFF2-40B4-BE49-F238E27FC236}">
-                  <a16:creationId xmlns:a16="http://schemas.microsoft.com/office/drawing/2014/main" xmlns="" id="{336D464C-8C3B-47F3-AA22-C184D3DA504A}"/>
+                  <a16:creationId xmlns="" xmlns:a16="http://schemas.microsoft.com/office/drawing/2014/main" id="{336D464C-8C3B-47F3-AA22-C184D3DA504A}"/>
                 </a:ext>
               </a:extLst>
             </p:cNvPr>
@@ -6728,7 +6693,7 @@
             <p:cNvPr id="10" name="Rectangle 9">
               <a:extLst>
                 <a:ext uri="{FF2B5EF4-FFF2-40B4-BE49-F238E27FC236}">
-                  <a16:creationId xmlns:a16="http://schemas.microsoft.com/office/drawing/2014/main" xmlns="" id="{36942E7F-C513-4000-A7D5-7ED847131CA5}"/>
+                  <a16:creationId xmlns="" xmlns:a16="http://schemas.microsoft.com/office/drawing/2014/main" id="{36942E7F-C513-4000-A7D5-7ED847131CA5}"/>
                 </a:ext>
               </a:extLst>
             </p:cNvPr>
@@ -6787,7 +6752,7 @@
             <p:cNvPr id="11" name="Rectangle 10">
               <a:extLst>
                 <a:ext uri="{FF2B5EF4-FFF2-40B4-BE49-F238E27FC236}">
-                  <a16:creationId xmlns:a16="http://schemas.microsoft.com/office/drawing/2014/main" xmlns="" id="{5133CD7D-83B9-467B-AD1B-D84B8739D430}"/>
+                  <a16:creationId xmlns="" xmlns:a16="http://schemas.microsoft.com/office/drawing/2014/main" id="{5133CD7D-83B9-467B-AD1B-D84B8739D430}"/>
                 </a:ext>
               </a:extLst>
             </p:cNvPr>
@@ -6851,7 +6816,7 @@
             <p:cNvPr id="12" name="Rectangle 11">
               <a:extLst>
                 <a:ext uri="{FF2B5EF4-FFF2-40B4-BE49-F238E27FC236}">
-                  <a16:creationId xmlns:a16="http://schemas.microsoft.com/office/drawing/2014/main" xmlns="" id="{B804B82B-E689-492E-BB85-EF39CEAECA91}"/>
+                  <a16:creationId xmlns="" xmlns:a16="http://schemas.microsoft.com/office/drawing/2014/main" id="{B804B82B-E689-492E-BB85-EF39CEAECA91}"/>
                 </a:ext>
               </a:extLst>
             </p:cNvPr>
@@ -6919,7 +6884,7 @@
                 <p:cNvPr id="14" name="TextBox 13">
                   <a:extLst>
                     <a:ext uri="{FF2B5EF4-FFF2-40B4-BE49-F238E27FC236}">
-                      <a16:creationId xmlns:a16="http://schemas.microsoft.com/office/drawing/2014/main" xmlns="" id="{FE7DFB28-6C7F-4CC2-B9A0-E6FCD0B36DB0}"/>
+                      <a16:creationId xmlns="" xmlns:a16="http://schemas.microsoft.com/office/drawing/2014/main" id="{FE7DFB28-6C7F-4CC2-B9A0-E6FCD0B36DB0}"/>
                     </a:ext>
                   </a:extLst>
                 </p:cNvPr>
@@ -7049,7 +7014,7 @@
                 <p:cNvPr id="16" name="TextBox 15">
                   <a:extLst>
                     <a:ext uri="{FF2B5EF4-FFF2-40B4-BE49-F238E27FC236}">
-                      <a16:creationId xmlns:a16="http://schemas.microsoft.com/office/drawing/2014/main" xmlns="" id="{A497C3B0-C6B4-4AF4-B996-10A3B63A35C9}"/>
+                      <a16:creationId xmlns="" xmlns:a16="http://schemas.microsoft.com/office/drawing/2014/main" id="{A497C3B0-C6B4-4AF4-B996-10A3B63A35C9}"/>
                     </a:ext>
                   </a:extLst>
                 </p:cNvPr>
@@ -7151,7 +7116,7 @@
                 <p:cNvPr id="17" name="TextBox 16">
                   <a:extLst>
                     <a:ext uri="{FF2B5EF4-FFF2-40B4-BE49-F238E27FC236}">
-                      <a16:creationId xmlns:a16="http://schemas.microsoft.com/office/drawing/2014/main" xmlns="" id="{D85449E1-91DC-4331-88F6-186931F188FD}"/>
+                      <a16:creationId xmlns="" xmlns:a16="http://schemas.microsoft.com/office/drawing/2014/main" id="{D85449E1-91DC-4331-88F6-186931F188FD}"/>
                     </a:ext>
                   </a:extLst>
                 </p:cNvPr>
@@ -7253,7 +7218,7 @@
                 <p:cNvPr id="18" name="TextBox 17">
                   <a:extLst>
                     <a:ext uri="{FF2B5EF4-FFF2-40B4-BE49-F238E27FC236}">
-                      <a16:creationId xmlns:a16="http://schemas.microsoft.com/office/drawing/2014/main" xmlns="" id="{ACBE0D2A-A958-4220-ACC2-9A15C087815F}"/>
+                      <a16:creationId xmlns="" xmlns:a16="http://schemas.microsoft.com/office/drawing/2014/main" id="{ACBE0D2A-A958-4220-ACC2-9A15C087815F}"/>
                     </a:ext>
                   </a:extLst>
                 </p:cNvPr>
@@ -7383,7 +7348,7 @@
             <p:cNvPr id="19" name="Rectangle 18">
               <a:extLst>
                 <a:ext uri="{FF2B5EF4-FFF2-40B4-BE49-F238E27FC236}">
-                  <a16:creationId xmlns:a16="http://schemas.microsoft.com/office/drawing/2014/main" xmlns="" id="{9CC1A378-EE52-44AA-87A4-6B10CF12423D}"/>
+                  <a16:creationId xmlns="" xmlns:a16="http://schemas.microsoft.com/office/drawing/2014/main" id="{9CC1A378-EE52-44AA-87A4-6B10CF12423D}"/>
                 </a:ext>
               </a:extLst>
             </p:cNvPr>
@@ -7459,7 +7424,7 @@
             <p:cNvPr id="20" name="Rectangle 19">
               <a:extLst>
                 <a:ext uri="{FF2B5EF4-FFF2-40B4-BE49-F238E27FC236}">
-                  <a16:creationId xmlns:a16="http://schemas.microsoft.com/office/drawing/2014/main" xmlns="" id="{7C32FF97-82AB-459F-9A18-E93A14F08605}"/>
+                  <a16:creationId xmlns="" xmlns:a16="http://schemas.microsoft.com/office/drawing/2014/main" id="{7C32FF97-82AB-459F-9A18-E93A14F08605}"/>
                 </a:ext>
               </a:extLst>
             </p:cNvPr>
@@ -7512,7 +7477,7 @@
           <p:cNvPr id="4" name="Slide Number Placeholder 3">
             <a:extLst>
               <a:ext uri="{FF2B5EF4-FFF2-40B4-BE49-F238E27FC236}">
-                <a16:creationId xmlns:a16="http://schemas.microsoft.com/office/drawing/2014/main" xmlns="" id="{E675AE5E-8898-4E79-B312-DCF3854FF1CD}"/>
+                <a16:creationId xmlns="" xmlns:a16="http://schemas.microsoft.com/office/drawing/2014/main" id="{E675AE5E-8898-4E79-B312-DCF3854FF1CD}"/>
               </a:ext>
             </a:extLst>
           </p:cNvPr>
@@ -7571,7 +7536,7 @@
           <p:cNvPr id="2" name="Title 1">
             <a:extLst>
               <a:ext uri="{FF2B5EF4-FFF2-40B4-BE49-F238E27FC236}">
-                <a16:creationId xmlns:a16="http://schemas.microsoft.com/office/drawing/2014/main" xmlns="" id="{832E4AE2-73F3-4A71-A5B1-C4D167002839}"/>
+                <a16:creationId xmlns="" xmlns:a16="http://schemas.microsoft.com/office/drawing/2014/main" id="{832E4AE2-73F3-4A71-A5B1-C4D167002839}"/>
               </a:ext>
             </a:extLst>
           </p:cNvPr>
@@ -7610,7 +7575,7 @@
               <p:cNvPr id="3" name="Content Placeholder 2">
                 <a:extLst>
                   <a:ext uri="{FF2B5EF4-FFF2-40B4-BE49-F238E27FC236}">
-                    <a16:creationId xmlns:a16="http://schemas.microsoft.com/office/drawing/2014/main" xmlns="" id="{FF8BA17E-8FE4-408F-AC39-CBB02FBF5899}"/>
+                    <a16:creationId xmlns="" xmlns:a16="http://schemas.microsoft.com/office/drawing/2014/main" id="{FF8BA17E-8FE4-408F-AC39-CBB02FBF5899}"/>
                   </a:ext>
                 </a:extLst>
               </p:cNvPr>
@@ -8383,7 +8348,7 @@
           <p:cNvPr id="4" name="TextBox 3">
             <a:extLst>
               <a:ext uri="{FF2B5EF4-FFF2-40B4-BE49-F238E27FC236}">
-                <a16:creationId xmlns:a16="http://schemas.microsoft.com/office/drawing/2014/main" xmlns="" id="{7C851503-9ED9-47E6-BB00-56058E135711}"/>
+                <a16:creationId xmlns="" xmlns:a16="http://schemas.microsoft.com/office/drawing/2014/main" id="{7C851503-9ED9-47E6-BB00-56058E135711}"/>
               </a:ext>
             </a:extLst>
           </p:cNvPr>
@@ -8448,7 +8413,7 @@
           <p:cNvPr id="5" name="Slide Number Placeholder 4">
             <a:extLst>
               <a:ext uri="{FF2B5EF4-FFF2-40B4-BE49-F238E27FC236}">
-                <a16:creationId xmlns:a16="http://schemas.microsoft.com/office/drawing/2014/main" xmlns="" id="{687F83C9-054F-44CD-93EB-603CA7CBA1E1}"/>
+                <a16:creationId xmlns="" xmlns:a16="http://schemas.microsoft.com/office/drawing/2014/main" id="{687F83C9-054F-44CD-93EB-603CA7CBA1E1}"/>
               </a:ext>
             </a:extLst>
           </p:cNvPr>
@@ -8585,7 +8550,7 @@
           <p:cNvPr id="2" name="Title 1">
             <a:extLst>
               <a:ext uri="{FF2B5EF4-FFF2-40B4-BE49-F238E27FC236}">
-                <a16:creationId xmlns:a16="http://schemas.microsoft.com/office/drawing/2014/main" xmlns="" id="{3F85E31D-5021-4B9C-A2F6-6670EA453677}"/>
+                <a16:creationId xmlns="" xmlns:a16="http://schemas.microsoft.com/office/drawing/2014/main" id="{3F85E31D-5021-4B9C-A2F6-6670EA453677}"/>
               </a:ext>
             </a:extLst>
           </p:cNvPr>
@@ -8619,7 +8584,7 @@
           <p:cNvPr id="3" name="Content Placeholder 2">
             <a:extLst>
               <a:ext uri="{FF2B5EF4-FFF2-40B4-BE49-F238E27FC236}">
-                <a16:creationId xmlns:a16="http://schemas.microsoft.com/office/drawing/2014/main" xmlns="" id="{28B492CE-B56B-411E-ACCC-F83AC37AA46D}"/>
+                <a16:creationId xmlns="" xmlns:a16="http://schemas.microsoft.com/office/drawing/2014/main" id="{28B492CE-B56B-411E-ACCC-F83AC37AA46D}"/>
               </a:ext>
             </a:extLst>
           </p:cNvPr>
@@ -8664,39 +8629,31 @@
           <a:p>
             <a:r>
               <a:rPr lang="es-419" noProof="0" dirty="0" smtClean="0"/>
-              <a:t>Repetirlo per con y={5,4,7} independiente. </a:t>
+              <a:t>Repetirlo per con y={5,4,7} </a:t>
+            </a:r>
+            <a:r>
+              <a:rPr lang="es-419" noProof="0" dirty="0" smtClean="0"/>
+              <a:t>independiente y </a:t>
             </a:r>
             <a:r>
               <a:rPr lang="es-419" noProof="0" dirty="0" err="1" smtClean="0"/>
-              <a:t>Also</a:t>
+              <a:t>finalment</a:t>
+            </a:r>
+            <a:r>
+              <a:rPr lang="es-419" dirty="0" smtClean="0"/>
+              <a:t>e crea otra versión de la segunda que es un </a:t>
+            </a:r>
+            <a:r>
+              <a:rPr lang="es-419" dirty="0" err="1" smtClean="0"/>
+              <a:t>logoritmo</a:t>
+            </a:r>
+            <a:r>
+              <a:rPr lang="es-419" dirty="0" smtClean="0"/>
+              <a:t> de la verosimilitud</a:t>
             </a:r>
             <a:r>
               <a:rPr lang="es-419" noProof="0" dirty="0" smtClean="0"/>
-              <a:t> </a:t>
-            </a:r>
-            <a:r>
-              <a:rPr lang="es-419" noProof="0" dirty="0" err="1" smtClean="0"/>
-              <a:t>plot</a:t>
-            </a:r>
-            <a:r>
-              <a:rPr lang="es-419" noProof="0" dirty="0" smtClean="0"/>
-              <a:t> </a:t>
-            </a:r>
-            <a:r>
-              <a:rPr lang="es-419" noProof="0" dirty="0" err="1" smtClean="0"/>
-              <a:t>the</a:t>
-            </a:r>
-            <a:r>
-              <a:rPr lang="es-419" noProof="0" dirty="0" smtClean="0"/>
-              <a:t> log(</a:t>
-            </a:r>
-            <a:r>
-              <a:rPr lang="es-419" noProof="0" dirty="0" err="1" smtClean="0"/>
-              <a:t>likelihood</a:t>
-            </a:r>
-            <a:r>
-              <a:rPr lang="es-419" noProof="0" dirty="0" smtClean="0"/>
-              <a:t>).</a:t>
+              <a:t>.</a:t>
             </a:r>
             <a:endParaRPr lang="es-419" noProof="0" dirty="0"/>
           </a:p>
@@ -8707,7 +8664,7 @@
           <p:cNvPr id="4" name="Slide Number Placeholder 3">
             <a:extLst>
               <a:ext uri="{FF2B5EF4-FFF2-40B4-BE49-F238E27FC236}">
-                <a16:creationId xmlns:a16="http://schemas.microsoft.com/office/drawing/2014/main" xmlns="" id="{BD9D5B62-D3A3-4A35-8CF4-6C1E2C7FCA0C}"/>
+                <a16:creationId xmlns="" xmlns:a16="http://schemas.microsoft.com/office/drawing/2014/main" id="{BD9D5B62-D3A3-4A35-8CF4-6C1E2C7FCA0C}"/>
               </a:ext>
             </a:extLst>
           </p:cNvPr>
@@ -8752,8 +8709,8 @@
         </p:blipFill>
         <p:spPr>
           <a:xfrm>
-            <a:off x="122624" y="3604594"/>
-            <a:ext cx="9119699" cy="2511072"/>
+            <a:off x="246421" y="4129549"/>
+            <a:ext cx="8508171" cy="2342690"/>
           </a:xfrm>
           <a:prstGeom prst="rect">
             <a:avLst/>
@@ -8802,7 +8759,7 @@
           <p:cNvPr id="2" name="Title 1">
             <a:extLst>
               <a:ext uri="{FF2B5EF4-FFF2-40B4-BE49-F238E27FC236}">
-                <a16:creationId xmlns:a16="http://schemas.microsoft.com/office/drawing/2014/main" xmlns="" id="{DB3311B8-0CB5-41BD-B9C6-E65BF9B5010E}"/>
+                <a16:creationId xmlns="" xmlns:a16="http://schemas.microsoft.com/office/drawing/2014/main" id="{DB3311B8-0CB5-41BD-B9C6-E65BF9B5010E}"/>
               </a:ext>
             </a:extLst>
           </p:cNvPr>
@@ -8831,7 +8788,7 @@
           <p:cNvPr id="3" name="Content Placeholder 2">
             <a:extLst>
               <a:ext uri="{FF2B5EF4-FFF2-40B4-BE49-F238E27FC236}">
-                <a16:creationId xmlns:a16="http://schemas.microsoft.com/office/drawing/2014/main" xmlns="" id="{DA46C4D9-8E78-46D8-B959-3247D862F22C}"/>
+                <a16:creationId xmlns="" xmlns:a16="http://schemas.microsoft.com/office/drawing/2014/main" id="{DA46C4D9-8E78-46D8-B959-3247D862F22C}"/>
               </a:ext>
             </a:extLst>
           </p:cNvPr>
@@ -8978,7 +8935,7 @@
           <p:cNvPr id="4" name="Slide Number Placeholder 3">
             <a:extLst>
               <a:ext uri="{FF2B5EF4-FFF2-40B4-BE49-F238E27FC236}">
-                <a16:creationId xmlns:a16="http://schemas.microsoft.com/office/drawing/2014/main" xmlns="" id="{4BBD4CAD-4687-4CE2-8031-203165E740F6}"/>
+                <a16:creationId xmlns="" xmlns:a16="http://schemas.microsoft.com/office/drawing/2014/main" id="{4BBD4CAD-4687-4CE2-8031-203165E740F6}"/>
               </a:ext>
             </a:extLst>
           </p:cNvPr>
@@ -9235,7 +9192,7 @@
           <p:cNvPr id="2" name="Title 1">
             <a:extLst>
               <a:ext uri="{FF2B5EF4-FFF2-40B4-BE49-F238E27FC236}">
-                <a16:creationId xmlns:a16="http://schemas.microsoft.com/office/drawing/2014/main" xmlns="" id="{D93C4D9F-B390-4411-A659-8F4C31F35C3D}"/>
+                <a16:creationId xmlns="" xmlns:a16="http://schemas.microsoft.com/office/drawing/2014/main" id="{D93C4D9F-B390-4411-A659-8F4C31F35C3D}"/>
               </a:ext>
             </a:extLst>
           </p:cNvPr>
@@ -9264,7 +9221,7 @@
           <p:cNvPr id="3" name="Content Placeholder 2">
             <a:extLst>
               <a:ext uri="{FF2B5EF4-FFF2-40B4-BE49-F238E27FC236}">
-                <a16:creationId xmlns:a16="http://schemas.microsoft.com/office/drawing/2014/main" xmlns="" id="{4C0195F5-51A8-4953-90B5-7B4796165D32}"/>
+                <a16:creationId xmlns="" xmlns:a16="http://schemas.microsoft.com/office/drawing/2014/main" id="{4C0195F5-51A8-4953-90B5-7B4796165D32}"/>
               </a:ext>
             </a:extLst>
           </p:cNvPr>
@@ -9358,7 +9315,7 @@
           <p:cNvPr id="4" name="Slide Number Placeholder 3">
             <a:extLst>
               <a:ext uri="{FF2B5EF4-FFF2-40B4-BE49-F238E27FC236}">
-                <a16:creationId xmlns:a16="http://schemas.microsoft.com/office/drawing/2014/main" xmlns="" id="{5D16BDA1-6E7A-4204-98A7-E532BAD50AC0}"/>
+                <a16:creationId xmlns="" xmlns:a16="http://schemas.microsoft.com/office/drawing/2014/main" id="{5D16BDA1-6E7A-4204-98A7-E532BAD50AC0}"/>
               </a:ext>
             </a:extLst>
           </p:cNvPr>
@@ -9387,7 +9344,7 @@
           <p:cNvPr id="8" name="Object 7">
             <a:extLst>
               <a:ext uri="{FF2B5EF4-FFF2-40B4-BE49-F238E27FC236}">
-                <a16:creationId xmlns:a16="http://schemas.microsoft.com/office/drawing/2014/main" xmlns="" id="{3D933AA6-3CA4-48B7-8B31-A6372A48D17C}"/>
+                <a16:creationId xmlns="" xmlns:a16="http://schemas.microsoft.com/office/drawing/2014/main" id="{3D933AA6-3CA4-48B7-8B31-A6372A48D17C}"/>
               </a:ext>
             </a:extLst>
           </p:cNvPr>
@@ -9406,7 +9363,7 @@
           <a:graphicData uri="http://schemas.openxmlformats.org/presentationml/2006/ole">
             <mc:AlternateContent xmlns:mc="http://schemas.openxmlformats.org/markup-compatibility/2006">
               <mc:Choice xmlns:v="urn:schemas-microsoft-com:vml" Requires="v">
-                <p:oleObj spid="_x0000_s6230" name="Equation" r:id="rId3" imgW="2831760" imgH="1904760" progId="Equation.DSMT4">
+                <p:oleObj spid="_x0000_s6244" name="Equation" r:id="rId3" imgW="2831760" imgH="1904760" progId="Equation.DSMT4">
                   <p:embed/>
                 </p:oleObj>
               </mc:Choice>
@@ -9418,7 +9375,7 @@
                       <p:cNvPr id="8" name="Object 7">
                         <a:extLst>
                           <a:ext uri="{FF2B5EF4-FFF2-40B4-BE49-F238E27FC236}">
-                            <a16:creationId xmlns:a16="http://schemas.microsoft.com/office/drawing/2014/main" xmlns="" id="{3D933AA6-3CA4-48B7-8B31-A6372A48D17C}"/>
+                            <a16:creationId xmlns="" xmlns:a16="http://schemas.microsoft.com/office/drawing/2014/main" id="{3D933AA6-3CA4-48B7-8B31-A6372A48D17C}"/>
                           </a:ext>
                         </a:extLst>
                       </p:cNvPr>
@@ -9452,7 +9409,7 @@
           <p:cNvPr id="11" name="TextBox 10">
             <a:extLst>
               <a:ext uri="{FF2B5EF4-FFF2-40B4-BE49-F238E27FC236}">
-                <a16:creationId xmlns:a16="http://schemas.microsoft.com/office/drawing/2014/main" xmlns="" id="{F3519081-56D8-4D6D-8914-2508D3432FBF}"/>
+                <a16:creationId xmlns="" xmlns:a16="http://schemas.microsoft.com/office/drawing/2014/main" id="{F3519081-56D8-4D6D-8914-2508D3432FBF}"/>
               </a:ext>
             </a:extLst>
           </p:cNvPr>
@@ -9487,7 +9444,7 @@
           <p:cNvPr id="12" name="Object 11">
             <a:extLst>
               <a:ext uri="{FF2B5EF4-FFF2-40B4-BE49-F238E27FC236}">
-                <a16:creationId xmlns:a16="http://schemas.microsoft.com/office/drawing/2014/main" xmlns="" id="{42F47534-6BB7-482C-BFF7-E22E91606A29}"/>
+                <a16:creationId xmlns="" xmlns:a16="http://schemas.microsoft.com/office/drawing/2014/main" id="{42F47534-6BB7-482C-BFF7-E22E91606A29}"/>
               </a:ext>
             </a:extLst>
           </p:cNvPr>
@@ -9506,7 +9463,7 @@
           <a:graphicData uri="http://schemas.openxmlformats.org/presentationml/2006/ole">
             <mc:AlternateContent xmlns:mc="http://schemas.openxmlformats.org/markup-compatibility/2006">
               <mc:Choice xmlns:v="urn:schemas-microsoft-com:vml" Requires="v">
-                <p:oleObj spid="_x0000_s6231" name="Equation" r:id="rId5" imgW="1028520" imgH="965160" progId="Equation.DSMT4">
+                <p:oleObj spid="_x0000_s6245" name="Equation" r:id="rId5" imgW="1028520" imgH="965160" progId="Equation.DSMT4">
                   <p:embed/>
                 </p:oleObj>
               </mc:Choice>
@@ -9518,7 +9475,7 @@
                       <p:cNvPr id="12" name="Object 11">
                         <a:extLst>
                           <a:ext uri="{FF2B5EF4-FFF2-40B4-BE49-F238E27FC236}">
-                            <a16:creationId xmlns:a16="http://schemas.microsoft.com/office/drawing/2014/main" xmlns="" id="{42F47534-6BB7-482C-BFF7-E22E91606A29}"/>
+                            <a16:creationId xmlns="" xmlns:a16="http://schemas.microsoft.com/office/drawing/2014/main" id="{42F47534-6BB7-482C-BFF7-E22E91606A29}"/>
                           </a:ext>
                         </a:extLst>
                       </p:cNvPr>
@@ -9582,7 +9539,7 @@
           <p:cNvPr id="2" name="Title 1">
             <a:extLst>
               <a:ext uri="{FF2B5EF4-FFF2-40B4-BE49-F238E27FC236}">
-                <a16:creationId xmlns:a16="http://schemas.microsoft.com/office/drawing/2014/main" xmlns="" id="{D93C4D9F-B390-4411-A659-8F4C31F35C3D}"/>
+                <a16:creationId xmlns="" xmlns:a16="http://schemas.microsoft.com/office/drawing/2014/main" id="{D93C4D9F-B390-4411-A659-8F4C31F35C3D}"/>
               </a:ext>
             </a:extLst>
           </p:cNvPr>
@@ -9611,7 +9568,7 @@
           <p:cNvPr id="3" name="Content Placeholder 2">
             <a:extLst>
               <a:ext uri="{FF2B5EF4-FFF2-40B4-BE49-F238E27FC236}">
-                <a16:creationId xmlns:a16="http://schemas.microsoft.com/office/drawing/2014/main" xmlns="" id="{4C0195F5-51A8-4953-90B5-7B4796165D32}"/>
+                <a16:creationId xmlns="" xmlns:a16="http://schemas.microsoft.com/office/drawing/2014/main" id="{4C0195F5-51A8-4953-90B5-7B4796165D32}"/>
               </a:ext>
             </a:extLst>
           </p:cNvPr>
@@ -9756,8 +9713,17 @@
           <a:p>
             <a:r>
               <a:rPr lang="es-419" sz="2400" noProof="0" dirty="0" smtClean="0"/>
-              <a:t>[mostrar en la computadora]</a:t>
-            </a:r>
+              <a:t>[mostrar en </a:t>
+            </a:r>
+            <a:r>
+              <a:rPr lang="es-419" sz="2400" dirty="0"/>
+              <a:t>R</a:t>
+            </a:r>
+            <a:r>
+              <a:rPr lang="es-419" sz="2400" noProof="0" dirty="0" smtClean="0"/>
+              <a:t>: prior, verosimilitud y posterior]</a:t>
+            </a:r>
+            <a:endParaRPr lang="es-419" sz="2400" noProof="0" dirty="0" smtClean="0"/>
           </a:p>
           <a:p>
             <a:endParaRPr lang="es-419" sz="2400" i="1" noProof="0" dirty="0"/>
@@ -9769,7 +9735,7 @@
           <p:cNvPr id="4" name="Slide Number Placeholder 3">
             <a:extLst>
               <a:ext uri="{FF2B5EF4-FFF2-40B4-BE49-F238E27FC236}">
-                <a16:creationId xmlns:a16="http://schemas.microsoft.com/office/drawing/2014/main" xmlns="" id="{5D16BDA1-6E7A-4204-98A7-E532BAD50AC0}"/>
+                <a16:creationId xmlns="" xmlns:a16="http://schemas.microsoft.com/office/drawing/2014/main" id="{5D16BDA1-6E7A-4204-98A7-E532BAD50AC0}"/>
               </a:ext>
             </a:extLst>
           </p:cNvPr>
@@ -9798,7 +9764,7 @@
           <p:cNvPr id="11" name="TextBox 10">
             <a:extLst>
               <a:ext uri="{FF2B5EF4-FFF2-40B4-BE49-F238E27FC236}">
-                <a16:creationId xmlns:a16="http://schemas.microsoft.com/office/drawing/2014/main" xmlns="" id="{F3519081-56D8-4D6D-8914-2508D3432FBF}"/>
+                <a16:creationId xmlns="" xmlns:a16="http://schemas.microsoft.com/office/drawing/2014/main" id="{F3519081-56D8-4D6D-8914-2508D3432FBF}"/>
               </a:ext>
             </a:extLst>
           </p:cNvPr>
@@ -9833,7 +9799,7 @@
           <p:cNvPr id="12" name="Object 11">
             <a:extLst>
               <a:ext uri="{FF2B5EF4-FFF2-40B4-BE49-F238E27FC236}">
-                <a16:creationId xmlns:a16="http://schemas.microsoft.com/office/drawing/2014/main" xmlns="" id="{42F47534-6BB7-482C-BFF7-E22E91606A29}"/>
+                <a16:creationId xmlns="" xmlns:a16="http://schemas.microsoft.com/office/drawing/2014/main" id="{42F47534-6BB7-482C-BFF7-E22E91606A29}"/>
               </a:ext>
             </a:extLst>
           </p:cNvPr>
@@ -9856,7 +9822,7 @@
           <a:graphicData uri="http://schemas.openxmlformats.org/presentationml/2006/ole">
             <mc:AlternateContent xmlns:mc="http://schemas.openxmlformats.org/markup-compatibility/2006">
               <mc:Choice xmlns:v="urn:schemas-microsoft-com:vml" Requires="v">
-                <p:oleObj spid="_x0000_s7254" name="Equation" r:id="rId3" imgW="1028520" imgH="965160" progId="Equation.DSMT4">
+                <p:oleObj spid="_x0000_s7268" name="Equation" r:id="rId3" imgW="1028520" imgH="965160" progId="Equation.DSMT4">
                   <p:embed/>
                 </p:oleObj>
               </mc:Choice>
@@ -9868,7 +9834,7 @@
                       <p:cNvPr id="12" name="Object 11">
                         <a:extLst>
                           <a:ext uri="{FF2B5EF4-FFF2-40B4-BE49-F238E27FC236}">
-                            <a16:creationId xmlns:a16="http://schemas.microsoft.com/office/drawing/2014/main" xmlns="" id="{42F47534-6BB7-482C-BFF7-E22E91606A29}"/>
+                            <a16:creationId xmlns="" xmlns:a16="http://schemas.microsoft.com/office/drawing/2014/main" id="{42F47534-6BB7-482C-BFF7-E22E91606A29}"/>
                           </a:ext>
                         </a:extLst>
                       </p:cNvPr>
@@ -9902,7 +9868,7 @@
           <p:cNvPr id="9" name="Object 8">
             <a:extLst>
               <a:ext uri="{FF2B5EF4-FFF2-40B4-BE49-F238E27FC236}">
-                <a16:creationId xmlns:a16="http://schemas.microsoft.com/office/drawing/2014/main" xmlns="" id="{BBB81E51-8CAC-4532-A30F-E7FA0F55279C}"/>
+                <a16:creationId xmlns="" xmlns:a16="http://schemas.microsoft.com/office/drawing/2014/main" id="{BBB81E51-8CAC-4532-A30F-E7FA0F55279C}"/>
               </a:ext>
             </a:extLst>
           </p:cNvPr>
@@ -9921,7 +9887,7 @@
           <a:graphicData uri="http://schemas.openxmlformats.org/presentationml/2006/ole">
             <mc:AlternateContent xmlns:mc="http://schemas.openxmlformats.org/markup-compatibility/2006">
               <mc:Choice xmlns:v="urn:schemas-microsoft-com:vml" Requires="v">
-                <p:oleObj spid="_x0000_s7255" name="Equation" r:id="rId5" imgW="1739880" imgH="533160" progId="Equation.DSMT4">
+                <p:oleObj spid="_x0000_s7269" name="Equation" r:id="rId5" imgW="1739880" imgH="533160" progId="Equation.DSMT4">
                   <p:embed/>
                 </p:oleObj>
               </mc:Choice>
@@ -9933,7 +9899,7 @@
                       <p:cNvPr id="9" name="Object 8">
                         <a:extLst>
                           <a:ext uri="{FF2B5EF4-FFF2-40B4-BE49-F238E27FC236}">
-                            <a16:creationId xmlns:a16="http://schemas.microsoft.com/office/drawing/2014/main" xmlns="" id="{BBB81E51-8CAC-4532-A30F-E7FA0F55279C}"/>
+                            <a16:creationId xmlns="" xmlns:a16="http://schemas.microsoft.com/office/drawing/2014/main" id="{BBB81E51-8CAC-4532-A30F-E7FA0F55279C}"/>
                           </a:ext>
                         </a:extLst>
                       </p:cNvPr>
@@ -10138,7 +10104,7 @@
           <p:cNvPr id="2" name="Title 1">
             <a:extLst>
               <a:ext uri="{FF2B5EF4-FFF2-40B4-BE49-F238E27FC236}">
-                <a16:creationId xmlns:a16="http://schemas.microsoft.com/office/drawing/2014/main" xmlns="" id="{D93C4D9F-B390-4411-A659-8F4C31F35C3D}"/>
+                <a16:creationId xmlns="" xmlns:a16="http://schemas.microsoft.com/office/drawing/2014/main" id="{D93C4D9F-B390-4411-A659-8F4C31F35C3D}"/>
               </a:ext>
             </a:extLst>
           </p:cNvPr>
@@ -10167,7 +10133,7 @@
           <p:cNvPr id="3" name="Content Placeholder 2">
             <a:extLst>
               <a:ext uri="{FF2B5EF4-FFF2-40B4-BE49-F238E27FC236}">
-                <a16:creationId xmlns:a16="http://schemas.microsoft.com/office/drawing/2014/main" xmlns="" id="{4C0195F5-51A8-4953-90B5-7B4796165D32}"/>
+                <a16:creationId xmlns="" xmlns:a16="http://schemas.microsoft.com/office/drawing/2014/main" id="{4C0195F5-51A8-4953-90B5-7B4796165D32}"/>
               </a:ext>
             </a:extLst>
           </p:cNvPr>
@@ -10224,7 +10190,7 @@
           <p:cNvPr id="4" name="Slide Number Placeholder 3">
             <a:extLst>
               <a:ext uri="{FF2B5EF4-FFF2-40B4-BE49-F238E27FC236}">
-                <a16:creationId xmlns:a16="http://schemas.microsoft.com/office/drawing/2014/main" xmlns="" id="{5D16BDA1-6E7A-4204-98A7-E532BAD50AC0}"/>
+                <a16:creationId xmlns="" xmlns:a16="http://schemas.microsoft.com/office/drawing/2014/main" id="{5D16BDA1-6E7A-4204-98A7-E532BAD50AC0}"/>
               </a:ext>
             </a:extLst>
           </p:cNvPr>
@@ -10253,7 +10219,7 @@
           <p:cNvPr id="7" name="Picture 6">
             <a:extLst>
               <a:ext uri="{FF2B5EF4-FFF2-40B4-BE49-F238E27FC236}">
-                <a16:creationId xmlns:a16="http://schemas.microsoft.com/office/drawing/2014/main" xmlns="" id="{FEA162F8-F1E7-4D75-BBC5-F01A21D554AA}"/>
+                <a16:creationId xmlns="" xmlns:a16="http://schemas.microsoft.com/office/drawing/2014/main" id="{FEA162F8-F1E7-4D75-BBC5-F01A21D554AA}"/>
               </a:ext>
             </a:extLst>
           </p:cNvPr>
@@ -10326,7 +10292,7 @@
           <p:cNvPr id="2" name="Title 1">
             <a:extLst>
               <a:ext uri="{FF2B5EF4-FFF2-40B4-BE49-F238E27FC236}">
-                <a16:creationId xmlns:a16="http://schemas.microsoft.com/office/drawing/2014/main" xmlns="" id="{3F85E31D-5021-4B9C-A2F6-6670EA453677}"/>
+                <a16:creationId xmlns="" xmlns:a16="http://schemas.microsoft.com/office/drawing/2014/main" id="{3F85E31D-5021-4B9C-A2F6-6670EA453677}"/>
               </a:ext>
             </a:extLst>
           </p:cNvPr>
@@ -10355,7 +10321,7 @@
           <p:cNvPr id="3" name="Content Placeholder 2">
             <a:extLst>
               <a:ext uri="{FF2B5EF4-FFF2-40B4-BE49-F238E27FC236}">
-                <a16:creationId xmlns:a16="http://schemas.microsoft.com/office/drawing/2014/main" xmlns="" id="{28B492CE-B56B-411E-ACCC-F83AC37AA46D}"/>
+                <a16:creationId xmlns="" xmlns:a16="http://schemas.microsoft.com/office/drawing/2014/main" id="{28B492CE-B56B-411E-ACCC-F83AC37AA46D}"/>
               </a:ext>
             </a:extLst>
           </p:cNvPr>
@@ -10384,13 +10350,8 @@
           <a:p>
             <a:r>
               <a:rPr lang="es-419" noProof="0" dirty="0" smtClean="0"/>
-              <a:t>Integración</a:t>
-            </a:r>
-            <a:r>
-              <a:rPr lang="es-419" noProof="0" dirty="0" smtClean="0"/>
-              <a:t> analítica es normalmente demasiado difícil</a:t>
-            </a:r>
-            <a:endParaRPr lang="es-419" noProof="0" dirty="0" smtClean="0"/>
+              <a:t>Integración analítica es normalmente demasiado difícil</a:t>
+            </a:r>
           </a:p>
           <a:p>
             <a:r>
@@ -10427,7 +10388,7 @@
           <p:cNvPr id="4" name="Slide Number Placeholder 3">
             <a:extLst>
               <a:ext uri="{FF2B5EF4-FFF2-40B4-BE49-F238E27FC236}">
-                <a16:creationId xmlns:a16="http://schemas.microsoft.com/office/drawing/2014/main" xmlns="" id="{EC538D91-6F8B-42BB-A135-BD948D230469}"/>
+                <a16:creationId xmlns="" xmlns:a16="http://schemas.microsoft.com/office/drawing/2014/main" id="{EC538D91-6F8B-42BB-A135-BD948D230469}"/>
               </a:ext>
             </a:extLst>
           </p:cNvPr>
@@ -10493,7 +10454,7 @@
           <p:cNvPr id="2" name="Title 1">
             <a:extLst>
               <a:ext uri="{FF2B5EF4-FFF2-40B4-BE49-F238E27FC236}">
-                <a16:creationId xmlns:a16="http://schemas.microsoft.com/office/drawing/2014/main" xmlns="" id="{8C2C8A96-85A4-4FC4-B33C-A44B37007557}"/>
+                <a16:creationId xmlns="" xmlns:a16="http://schemas.microsoft.com/office/drawing/2014/main" id="{8C2C8A96-85A4-4FC4-B33C-A44B37007557}"/>
               </a:ext>
             </a:extLst>
           </p:cNvPr>
@@ -10538,7 +10499,7 @@
           <p:cNvPr id="3" name="Content Placeholder 2">
             <a:extLst>
               <a:ext uri="{FF2B5EF4-FFF2-40B4-BE49-F238E27FC236}">
-                <a16:creationId xmlns:a16="http://schemas.microsoft.com/office/drawing/2014/main" xmlns="" id="{8AE79BED-0639-40D3-8E92-030D2742C4EC}"/>
+                <a16:creationId xmlns="" xmlns:a16="http://schemas.microsoft.com/office/drawing/2014/main" id="{8AE79BED-0639-40D3-8E92-030D2742C4EC}"/>
               </a:ext>
             </a:extLst>
           </p:cNvPr>
@@ -10572,7 +10533,23 @@
           <a:p>
             <a:r>
               <a:rPr lang="es-419" noProof="0" dirty="0" smtClean="0"/>
-              <a:t>Como todas las distribuciones de probabilidad, hay que integrarlas por inferencia (medianas, medias, cuartiles, etc.)</a:t>
+              <a:t>Como todas las </a:t>
+            </a:r>
+            <a:r>
+              <a:rPr lang="es-419" noProof="0" dirty="0" smtClean="0"/>
+              <a:t>distribuciones, hay </a:t>
+            </a:r>
+            <a:r>
+              <a:rPr lang="es-419" noProof="0" dirty="0" smtClean="0"/>
+              <a:t>que integrarlas por inferencia (medianas, medias, </a:t>
+            </a:r>
+            <a:r>
+              <a:rPr lang="es-419" noProof="0" dirty="0" smtClean="0"/>
+              <a:t>cuantíales, </a:t>
+            </a:r>
+            <a:r>
+              <a:rPr lang="es-419" noProof="0" dirty="0" smtClean="0"/>
+              <a:t>etc.)</a:t>
             </a:r>
           </a:p>
           <a:p>
@@ -10595,7 +10572,7 @@
           <p:cNvPr id="4" name="Slide Number Placeholder 3">
             <a:extLst>
               <a:ext uri="{FF2B5EF4-FFF2-40B4-BE49-F238E27FC236}">
-                <a16:creationId xmlns:a16="http://schemas.microsoft.com/office/drawing/2014/main" xmlns="" id="{E6A8618B-B9B1-4A31-9BEE-0CC8E029A095}"/>
+                <a16:creationId xmlns="" xmlns:a16="http://schemas.microsoft.com/office/drawing/2014/main" id="{E6A8618B-B9B1-4A31-9BEE-0CC8E029A095}"/>
               </a:ext>
             </a:extLst>
           </p:cNvPr>
@@ -10661,7 +10638,7 @@
           <p:cNvPr id="3" name="Content Placeholder 2">
             <a:extLst>
               <a:ext uri="{FF2B5EF4-FFF2-40B4-BE49-F238E27FC236}">
-                <a16:creationId xmlns:a16="http://schemas.microsoft.com/office/drawing/2014/main" xmlns="" id="{6D46622B-CEA1-41A3-B30B-DD972286CF5D}"/>
+                <a16:creationId xmlns="" xmlns:a16="http://schemas.microsoft.com/office/drawing/2014/main" id="{6D46622B-CEA1-41A3-B30B-DD972286CF5D}"/>
               </a:ext>
             </a:extLst>
           </p:cNvPr>
@@ -10774,7 +10751,7 @@
           <p:cNvPr id="4" name="Slide Number Placeholder 3">
             <a:extLst>
               <a:ext uri="{FF2B5EF4-FFF2-40B4-BE49-F238E27FC236}">
-                <a16:creationId xmlns:a16="http://schemas.microsoft.com/office/drawing/2014/main" xmlns="" id="{4F8E0057-45FA-40E8-80E1-8629D6245349}"/>
+                <a16:creationId xmlns="" xmlns:a16="http://schemas.microsoft.com/office/drawing/2014/main" id="{4F8E0057-45FA-40E8-80E1-8629D6245349}"/>
               </a:ext>
             </a:extLst>
           </p:cNvPr>
@@ -10803,7 +10780,7 @@
           <p:cNvPr id="5" name="Title 1">
             <a:extLst>
               <a:ext uri="{FF2B5EF4-FFF2-40B4-BE49-F238E27FC236}">
-                <a16:creationId xmlns:a16="http://schemas.microsoft.com/office/drawing/2014/main" xmlns="" id="{66E33811-B0FD-489C-B843-E5B167520896}"/>
+                <a16:creationId xmlns="" xmlns:a16="http://schemas.microsoft.com/office/drawing/2014/main" id="{66E33811-B0FD-489C-B843-E5B167520896}"/>
               </a:ext>
             </a:extLst>
           </p:cNvPr>
@@ -10968,7 +10945,7 @@
               <p:cNvPr id="3" name="Content Placeholder 2">
                 <a:extLst>
                   <a:ext uri="{FF2B5EF4-FFF2-40B4-BE49-F238E27FC236}">
-                    <a16:creationId xmlns:a16="http://schemas.microsoft.com/office/drawing/2014/main" xmlns="" id="{6D46622B-CEA1-41A3-B30B-DD972286CF5D}"/>
+                    <a16:creationId xmlns="" xmlns:a16="http://schemas.microsoft.com/office/drawing/2014/main" id="{6D46622B-CEA1-41A3-B30B-DD972286CF5D}"/>
                   </a:ext>
                 </a:extLst>
               </p:cNvPr>
@@ -11283,7 +11260,7 @@
           <p:cNvPr id="4" name="Slide Number Placeholder 3">
             <a:extLst>
               <a:ext uri="{FF2B5EF4-FFF2-40B4-BE49-F238E27FC236}">
-                <a16:creationId xmlns:a16="http://schemas.microsoft.com/office/drawing/2014/main" xmlns="" id="{4F8E0057-45FA-40E8-80E1-8629D6245349}"/>
+                <a16:creationId xmlns="" xmlns:a16="http://schemas.microsoft.com/office/drawing/2014/main" id="{4F8E0057-45FA-40E8-80E1-8629D6245349}"/>
               </a:ext>
             </a:extLst>
           </p:cNvPr>
@@ -11312,7 +11289,7 @@
           <p:cNvPr id="5" name="Title 1">
             <a:extLst>
               <a:ext uri="{FF2B5EF4-FFF2-40B4-BE49-F238E27FC236}">
-                <a16:creationId xmlns:a16="http://schemas.microsoft.com/office/drawing/2014/main" xmlns="" id="{66E33811-B0FD-489C-B843-E5B167520896}"/>
+                <a16:creationId xmlns="" xmlns:a16="http://schemas.microsoft.com/office/drawing/2014/main" id="{66E33811-B0FD-489C-B843-E5B167520896}"/>
               </a:ext>
             </a:extLst>
           </p:cNvPr>
@@ -11398,7 +11375,75 @@
   <p:timing>
     <p:tnLst>
       <p:par>
-        <p:cTn id="1" dur="indefinite" restart="never" nodeType="tmRoot"/>
+        <p:cTn id="1" dur="indefinite" restart="never" nodeType="tmRoot">
+          <p:childTnLst>
+            <p:seq concurrent="1" nextAc="seek">
+              <p:cTn id="2" dur="indefinite" nodeType="mainSeq">
+                <p:childTnLst>
+                  <p:par>
+                    <p:cTn id="3" fill="hold">
+                      <p:stCondLst>
+                        <p:cond delay="indefinite"/>
+                      </p:stCondLst>
+                      <p:childTnLst>
+                        <p:par>
+                          <p:cTn id="4" fill="hold">
+                            <p:stCondLst>
+                              <p:cond delay="0"/>
+                            </p:stCondLst>
+                            <p:childTnLst>
+                              <p:par>
+                                <p:cTn id="5" presetID="1" presetClass="entr" presetSubtype="0" fill="hold" nodeType="clickEffect">
+                                  <p:stCondLst>
+                                    <p:cond delay="0"/>
+                                  </p:stCondLst>
+                                  <p:childTnLst>
+                                    <p:set>
+                                      <p:cBhvr>
+                                        <p:cTn id="6" dur="1" fill="hold">
+                                          <p:stCondLst>
+                                            <p:cond delay="0"/>
+                                          </p:stCondLst>
+                                        </p:cTn>
+                                        <p:tgtEl>
+                                          <p:spTgt spid="6"/>
+                                        </p:tgtEl>
+                                        <p:attrNameLst>
+                                          <p:attrName>style.visibility</p:attrName>
+                                        </p:attrNameLst>
+                                      </p:cBhvr>
+                                      <p:to>
+                                        <p:strVal val="visible"/>
+                                      </p:to>
+                                    </p:set>
+                                  </p:childTnLst>
+                                </p:cTn>
+                              </p:par>
+                            </p:childTnLst>
+                          </p:cTn>
+                        </p:par>
+                      </p:childTnLst>
+                    </p:cTn>
+                  </p:par>
+                </p:childTnLst>
+              </p:cTn>
+              <p:prevCondLst>
+                <p:cond evt="onPrev" delay="0">
+                  <p:tgtEl>
+                    <p:sldTgt/>
+                  </p:tgtEl>
+                </p:cond>
+              </p:prevCondLst>
+              <p:nextCondLst>
+                <p:cond evt="onNext" delay="0">
+                  <p:tgtEl>
+                    <p:sldTgt/>
+                  </p:tgtEl>
+                </p:cond>
+              </p:nextCondLst>
+            </p:seq>
+          </p:childTnLst>
+        </p:cTn>
       </p:par>
     </p:tnLst>
   </p:timing>
@@ -11427,7 +11472,7 @@
           <p:cNvPr id="3" name="Content Placeholder 2">
             <a:extLst>
               <a:ext uri="{FF2B5EF4-FFF2-40B4-BE49-F238E27FC236}">
-                <a16:creationId xmlns:a16="http://schemas.microsoft.com/office/drawing/2014/main" xmlns="" id="{6D46622B-CEA1-41A3-B30B-DD972286CF5D}"/>
+                <a16:creationId xmlns="" xmlns:a16="http://schemas.microsoft.com/office/drawing/2014/main" id="{6D46622B-CEA1-41A3-B30B-DD972286CF5D}"/>
               </a:ext>
             </a:extLst>
           </p:cNvPr>
@@ -11659,7 +11704,7 @@
           <p:cNvPr id="4" name="Slide Number Placeholder 3">
             <a:extLst>
               <a:ext uri="{FF2B5EF4-FFF2-40B4-BE49-F238E27FC236}">
-                <a16:creationId xmlns:a16="http://schemas.microsoft.com/office/drawing/2014/main" xmlns="" id="{4F8E0057-45FA-40E8-80E1-8629D6245349}"/>
+                <a16:creationId xmlns="" xmlns:a16="http://schemas.microsoft.com/office/drawing/2014/main" id="{4F8E0057-45FA-40E8-80E1-8629D6245349}"/>
               </a:ext>
             </a:extLst>
           </p:cNvPr>
@@ -11688,7 +11733,7 @@
           <p:cNvPr id="5" name="Title 1">
             <a:extLst>
               <a:ext uri="{FF2B5EF4-FFF2-40B4-BE49-F238E27FC236}">
-                <a16:creationId xmlns:a16="http://schemas.microsoft.com/office/drawing/2014/main" xmlns="" id="{66E33811-B0FD-489C-B843-E5B167520896}"/>
+                <a16:creationId xmlns="" xmlns:a16="http://schemas.microsoft.com/office/drawing/2014/main" id="{66E33811-B0FD-489C-B843-E5B167520896}"/>
               </a:ext>
             </a:extLst>
           </p:cNvPr>
@@ -11730,7 +11775,7 @@
           <p:cNvPr id="7" name="Picture 6">
             <a:extLst>
               <a:ext uri="{FF2B5EF4-FFF2-40B4-BE49-F238E27FC236}">
-                <a16:creationId xmlns:a16="http://schemas.microsoft.com/office/drawing/2014/main" xmlns="" id="{D24148C8-B659-4C24-BD25-895A9A7580C7}"/>
+                <a16:creationId xmlns="" xmlns:a16="http://schemas.microsoft.com/office/drawing/2014/main" id="{D24148C8-B659-4C24-BD25-895A9A7580C7}"/>
               </a:ext>
             </a:extLst>
           </p:cNvPr>
@@ -11759,7 +11804,7 @@
           <p:cNvPr id="8" name="TextBox 7">
             <a:extLst>
               <a:ext uri="{FF2B5EF4-FFF2-40B4-BE49-F238E27FC236}">
-                <a16:creationId xmlns:a16="http://schemas.microsoft.com/office/drawing/2014/main" xmlns="" id="{D0DF48DE-C95B-4011-A946-57368046EB12}"/>
+                <a16:creationId xmlns="" xmlns:a16="http://schemas.microsoft.com/office/drawing/2014/main" id="{D0DF48DE-C95B-4011-A946-57368046EB12}"/>
               </a:ext>
             </a:extLst>
           </p:cNvPr>
@@ -11799,7 +11844,7 @@
           <p:cNvPr id="9" name="Straight Arrow Connector 8">
             <a:extLst>
               <a:ext uri="{FF2B5EF4-FFF2-40B4-BE49-F238E27FC236}">
-                <a16:creationId xmlns:a16="http://schemas.microsoft.com/office/drawing/2014/main" xmlns="" id="{2F77CF73-EE82-4717-B439-E2689E8B01B4}"/>
+                <a16:creationId xmlns="" xmlns:a16="http://schemas.microsoft.com/office/drawing/2014/main" id="{2F77CF73-EE82-4717-B439-E2689E8B01B4}"/>
               </a:ext>
             </a:extLst>
           </p:cNvPr>
@@ -11841,7 +11886,7 @@
           <p:cNvPr id="12" name="TextBox 11">
             <a:extLst>
               <a:ext uri="{FF2B5EF4-FFF2-40B4-BE49-F238E27FC236}">
-                <a16:creationId xmlns:a16="http://schemas.microsoft.com/office/drawing/2014/main" xmlns="" id="{4B13278B-8E35-460F-A394-9EDEF0703AB3}"/>
+                <a16:creationId xmlns="" xmlns:a16="http://schemas.microsoft.com/office/drawing/2014/main" id="{4B13278B-8E35-460F-A394-9EDEF0703AB3}"/>
               </a:ext>
             </a:extLst>
           </p:cNvPr>
@@ -11889,7 +11934,7 @@
           <p:cNvPr id="13" name="Straight Arrow Connector 12">
             <a:extLst>
               <a:ext uri="{FF2B5EF4-FFF2-40B4-BE49-F238E27FC236}">
-                <a16:creationId xmlns:a16="http://schemas.microsoft.com/office/drawing/2014/main" xmlns="" id="{E35575D6-C11C-4F3D-85F3-ACF2EC719556}"/>
+                <a16:creationId xmlns="" xmlns:a16="http://schemas.microsoft.com/office/drawing/2014/main" id="{E35575D6-C11C-4F3D-85F3-ACF2EC719556}"/>
               </a:ext>
             </a:extLst>
           </p:cNvPr>
@@ -11931,7 +11976,7 @@
           <p:cNvPr id="21" name="TextBox 20">
             <a:extLst>
               <a:ext uri="{FF2B5EF4-FFF2-40B4-BE49-F238E27FC236}">
-                <a16:creationId xmlns:a16="http://schemas.microsoft.com/office/drawing/2014/main" xmlns="" id="{AA109070-F78E-450F-BB94-11AF6654236E}"/>
+                <a16:creationId xmlns="" xmlns:a16="http://schemas.microsoft.com/office/drawing/2014/main" id="{AA109070-F78E-450F-BB94-11AF6654236E}"/>
               </a:ext>
             </a:extLst>
           </p:cNvPr>
@@ -11987,7 +12032,7 @@
           <p:cNvPr id="22" name="Straight Arrow Connector 21">
             <a:extLst>
               <a:ext uri="{FF2B5EF4-FFF2-40B4-BE49-F238E27FC236}">
-                <a16:creationId xmlns:a16="http://schemas.microsoft.com/office/drawing/2014/main" xmlns="" id="{634EA646-252E-466E-A77B-7E931497DFFF}"/>
+                <a16:creationId xmlns="" xmlns:a16="http://schemas.microsoft.com/office/drawing/2014/main" id="{634EA646-252E-466E-A77B-7E931497DFFF}"/>
               </a:ext>
             </a:extLst>
           </p:cNvPr>
@@ -12067,7 +12112,7 @@
               <p:cNvPr id="3" name="Content Placeholder 2">
                 <a:extLst>
                   <a:ext uri="{FF2B5EF4-FFF2-40B4-BE49-F238E27FC236}">
-                    <a16:creationId xmlns:a16="http://schemas.microsoft.com/office/drawing/2014/main" xmlns="" id="{6D46622B-CEA1-41A3-B30B-DD972286CF5D}"/>
+                    <a16:creationId xmlns="" xmlns:a16="http://schemas.microsoft.com/office/drawing/2014/main" id="{6D46622B-CEA1-41A3-B30B-DD972286CF5D}"/>
                   </a:ext>
                 </a:extLst>
               </p:cNvPr>
@@ -12390,7 +12435,7 @@
           <p:cNvPr id="4" name="Slide Number Placeholder 3">
             <a:extLst>
               <a:ext uri="{FF2B5EF4-FFF2-40B4-BE49-F238E27FC236}">
-                <a16:creationId xmlns:a16="http://schemas.microsoft.com/office/drawing/2014/main" xmlns="" id="{4F8E0057-45FA-40E8-80E1-8629D6245349}"/>
+                <a16:creationId xmlns="" xmlns:a16="http://schemas.microsoft.com/office/drawing/2014/main" id="{4F8E0057-45FA-40E8-80E1-8629D6245349}"/>
               </a:ext>
             </a:extLst>
           </p:cNvPr>
@@ -12419,7 +12464,7 @@
           <p:cNvPr id="5" name="Title 1">
             <a:extLst>
               <a:ext uri="{FF2B5EF4-FFF2-40B4-BE49-F238E27FC236}">
-                <a16:creationId xmlns:a16="http://schemas.microsoft.com/office/drawing/2014/main" xmlns="" id="{66E33811-B0FD-489C-B843-E5B167520896}"/>
+                <a16:creationId xmlns="" xmlns:a16="http://schemas.microsoft.com/office/drawing/2014/main" id="{66E33811-B0FD-489C-B843-E5B167520896}"/>
               </a:ext>
             </a:extLst>
           </p:cNvPr>
@@ -12510,7 +12555,7 @@
           <p:cNvPr id="3" name="Content Placeholder 2">
             <a:extLst>
               <a:ext uri="{FF2B5EF4-FFF2-40B4-BE49-F238E27FC236}">
-                <a16:creationId xmlns:a16="http://schemas.microsoft.com/office/drawing/2014/main" xmlns="" id="{6D46622B-CEA1-41A3-B30B-DD972286CF5D}"/>
+                <a16:creationId xmlns="" xmlns:a16="http://schemas.microsoft.com/office/drawing/2014/main" id="{6D46622B-CEA1-41A3-B30B-DD972286CF5D}"/>
               </a:ext>
             </a:extLst>
           </p:cNvPr>
@@ -12976,7 +13021,7 @@
           <p:cNvPr id="4" name="Slide Number Placeholder 3">
             <a:extLst>
               <a:ext uri="{FF2B5EF4-FFF2-40B4-BE49-F238E27FC236}">
-                <a16:creationId xmlns:a16="http://schemas.microsoft.com/office/drawing/2014/main" xmlns="" id="{4F8E0057-45FA-40E8-80E1-8629D6245349}"/>
+                <a16:creationId xmlns="" xmlns:a16="http://schemas.microsoft.com/office/drawing/2014/main" id="{4F8E0057-45FA-40E8-80E1-8629D6245349}"/>
               </a:ext>
             </a:extLst>
           </p:cNvPr>
@@ -13005,7 +13050,7 @@
           <p:cNvPr id="5" name="Title 1">
             <a:extLst>
               <a:ext uri="{FF2B5EF4-FFF2-40B4-BE49-F238E27FC236}">
-                <a16:creationId xmlns:a16="http://schemas.microsoft.com/office/drawing/2014/main" xmlns="" id="{66E33811-B0FD-489C-B843-E5B167520896}"/>
+                <a16:creationId xmlns="" xmlns:a16="http://schemas.microsoft.com/office/drawing/2014/main" id="{66E33811-B0FD-489C-B843-E5B167520896}"/>
               </a:ext>
             </a:extLst>
           </p:cNvPr>
@@ -13051,7 +13096,7 @@
           <p:cNvPr id="8" name="TextBox 7">
             <a:extLst>
               <a:ext uri="{FF2B5EF4-FFF2-40B4-BE49-F238E27FC236}">
-                <a16:creationId xmlns:a16="http://schemas.microsoft.com/office/drawing/2014/main" xmlns="" id="{D0DF48DE-C95B-4011-A946-57368046EB12}"/>
+                <a16:creationId xmlns="" xmlns:a16="http://schemas.microsoft.com/office/drawing/2014/main" id="{D0DF48DE-C95B-4011-A946-57368046EB12}"/>
               </a:ext>
             </a:extLst>
           </p:cNvPr>
@@ -13091,7 +13136,7 @@
           <p:cNvPr id="9" name="Straight Arrow Connector 8">
             <a:extLst>
               <a:ext uri="{FF2B5EF4-FFF2-40B4-BE49-F238E27FC236}">
-                <a16:creationId xmlns:a16="http://schemas.microsoft.com/office/drawing/2014/main" xmlns="" id="{2F77CF73-EE82-4717-B439-E2689E8B01B4}"/>
+                <a16:creationId xmlns="" xmlns:a16="http://schemas.microsoft.com/office/drawing/2014/main" id="{2F77CF73-EE82-4717-B439-E2689E8B01B4}"/>
               </a:ext>
             </a:extLst>
           </p:cNvPr>
@@ -13133,7 +13178,7 @@
           <p:cNvPr id="12" name="TextBox 11">
             <a:extLst>
               <a:ext uri="{FF2B5EF4-FFF2-40B4-BE49-F238E27FC236}">
-                <a16:creationId xmlns:a16="http://schemas.microsoft.com/office/drawing/2014/main" xmlns="" id="{4B13278B-8E35-460F-A394-9EDEF0703AB3}"/>
+                <a16:creationId xmlns="" xmlns:a16="http://schemas.microsoft.com/office/drawing/2014/main" id="{4B13278B-8E35-460F-A394-9EDEF0703AB3}"/>
               </a:ext>
             </a:extLst>
           </p:cNvPr>
@@ -13181,7 +13226,7 @@
           <p:cNvPr id="13" name="Straight Arrow Connector 12">
             <a:extLst>
               <a:ext uri="{FF2B5EF4-FFF2-40B4-BE49-F238E27FC236}">
-                <a16:creationId xmlns:a16="http://schemas.microsoft.com/office/drawing/2014/main" xmlns="" id="{E35575D6-C11C-4F3D-85F3-ACF2EC719556}"/>
+                <a16:creationId xmlns="" xmlns:a16="http://schemas.microsoft.com/office/drawing/2014/main" id="{E35575D6-C11C-4F3D-85F3-ACF2EC719556}"/>
               </a:ext>
             </a:extLst>
           </p:cNvPr>
@@ -13223,7 +13268,7 @@
           <p:cNvPr id="21" name="TextBox 20">
             <a:extLst>
               <a:ext uri="{FF2B5EF4-FFF2-40B4-BE49-F238E27FC236}">
-                <a16:creationId xmlns:a16="http://schemas.microsoft.com/office/drawing/2014/main" xmlns="" id="{AA109070-F78E-450F-BB94-11AF6654236E}"/>
+                <a16:creationId xmlns="" xmlns:a16="http://schemas.microsoft.com/office/drawing/2014/main" id="{AA109070-F78E-450F-BB94-11AF6654236E}"/>
               </a:ext>
             </a:extLst>
           </p:cNvPr>
@@ -13272,7 +13317,7 @@
           <p:cNvPr id="22" name="Straight Arrow Connector 21">
             <a:extLst>
               <a:ext uri="{FF2B5EF4-FFF2-40B4-BE49-F238E27FC236}">
-                <a16:creationId xmlns:a16="http://schemas.microsoft.com/office/drawing/2014/main" xmlns="" id="{634EA646-252E-466E-A77B-7E931497DFFF}"/>
+                <a16:creationId xmlns="" xmlns:a16="http://schemas.microsoft.com/office/drawing/2014/main" id="{634EA646-252E-466E-A77B-7E931497DFFF}"/>
               </a:ext>
             </a:extLst>
           </p:cNvPr>
@@ -13313,7 +13358,7 @@
           <p:cNvPr id="14" name="Straight Arrow Connector 13">
             <a:extLst>
               <a:ext uri="{FF2B5EF4-FFF2-40B4-BE49-F238E27FC236}">
-                <a16:creationId xmlns:a16="http://schemas.microsoft.com/office/drawing/2014/main" xmlns="" id="{77B7F16A-48EC-4E48-9E43-AE922F6ADDB6}"/>
+                <a16:creationId xmlns="" xmlns:a16="http://schemas.microsoft.com/office/drawing/2014/main" id="{77B7F16A-48EC-4E48-9E43-AE922F6ADDB6}"/>
               </a:ext>
             </a:extLst>
           </p:cNvPr>
@@ -13354,7 +13399,7 @@
           <p:cNvPr id="26" name="TextBox 25">
             <a:extLst>
               <a:ext uri="{FF2B5EF4-FFF2-40B4-BE49-F238E27FC236}">
-                <a16:creationId xmlns:a16="http://schemas.microsoft.com/office/drawing/2014/main" xmlns="" id="{FBD6011D-8473-4ED1-BEC9-2D848F46E6FD}"/>
+                <a16:creationId xmlns="" xmlns:a16="http://schemas.microsoft.com/office/drawing/2014/main" id="{FBD6011D-8473-4ED1-BEC9-2D848F46E6FD}"/>
               </a:ext>
             </a:extLst>
           </p:cNvPr>
@@ -13413,7 +13458,7 @@
           <p:cNvPr id="27" name="Rectangle 26">
             <a:extLst>
               <a:ext uri="{FF2B5EF4-FFF2-40B4-BE49-F238E27FC236}">
-                <a16:creationId xmlns:a16="http://schemas.microsoft.com/office/drawing/2014/main" xmlns="" id="{B327F648-598E-413A-AF98-BEFC294C92A2}"/>
+                <a16:creationId xmlns="" xmlns:a16="http://schemas.microsoft.com/office/drawing/2014/main" id="{B327F648-598E-413A-AF98-BEFC294C92A2}"/>
               </a:ext>
             </a:extLst>
           </p:cNvPr>
@@ -13465,7 +13510,7 @@
           <p:cNvPr id="28" name="TextBox 27">
             <a:extLst>
               <a:ext uri="{FF2B5EF4-FFF2-40B4-BE49-F238E27FC236}">
-                <a16:creationId xmlns:a16="http://schemas.microsoft.com/office/drawing/2014/main" xmlns="" id="{496FE541-6DCA-4B0C-ABDA-9E22EA26F7EB}"/>
+                <a16:creationId xmlns="" xmlns:a16="http://schemas.microsoft.com/office/drawing/2014/main" id="{496FE541-6DCA-4B0C-ABDA-9E22EA26F7EB}"/>
               </a:ext>
             </a:extLst>
           </p:cNvPr>
@@ -13554,7 +13599,7 @@
           <p:cNvPr id="4" name="Slide Number Placeholder 3">
             <a:extLst>
               <a:ext uri="{FF2B5EF4-FFF2-40B4-BE49-F238E27FC236}">
-                <a16:creationId xmlns:a16="http://schemas.microsoft.com/office/drawing/2014/main" xmlns="" id="{4F8E0057-45FA-40E8-80E1-8629D6245349}"/>
+                <a16:creationId xmlns="" xmlns:a16="http://schemas.microsoft.com/office/drawing/2014/main" id="{4F8E0057-45FA-40E8-80E1-8629D6245349}"/>
               </a:ext>
             </a:extLst>
           </p:cNvPr>
@@ -13583,7 +13628,7 @@
           <p:cNvPr id="5" name="Title 1">
             <a:extLst>
               <a:ext uri="{FF2B5EF4-FFF2-40B4-BE49-F238E27FC236}">
-                <a16:creationId xmlns:a16="http://schemas.microsoft.com/office/drawing/2014/main" xmlns="" id="{66E33811-B0FD-489C-B843-E5B167520896}"/>
+                <a16:creationId xmlns="" xmlns:a16="http://schemas.microsoft.com/office/drawing/2014/main" id="{66E33811-B0FD-489C-B843-E5B167520896}"/>
               </a:ext>
             </a:extLst>
           </p:cNvPr>
@@ -13625,7 +13670,7 @@
           <p:cNvPr id="28" name="TextBox 27">
             <a:extLst>
               <a:ext uri="{FF2B5EF4-FFF2-40B4-BE49-F238E27FC236}">
-                <a16:creationId xmlns:a16="http://schemas.microsoft.com/office/drawing/2014/main" xmlns="" id="{496FE541-6DCA-4B0C-ABDA-9E22EA26F7EB}"/>
+                <a16:creationId xmlns="" xmlns:a16="http://schemas.microsoft.com/office/drawing/2014/main" id="{496FE541-6DCA-4B0C-ABDA-9E22EA26F7EB}"/>
               </a:ext>
             </a:extLst>
           </p:cNvPr>
@@ -13665,7 +13710,7 @@
           <p:cNvPr id="2" name="Picture 1">
             <a:extLst>
               <a:ext uri="{FF2B5EF4-FFF2-40B4-BE49-F238E27FC236}">
-                <a16:creationId xmlns:a16="http://schemas.microsoft.com/office/drawing/2014/main" xmlns="" id="{0BA8A766-9918-44B9-AC99-21A862509B1D}"/>
+                <a16:creationId xmlns="" xmlns:a16="http://schemas.microsoft.com/office/drawing/2014/main" id="{0BA8A766-9918-44B9-AC99-21A862509B1D}"/>
               </a:ext>
             </a:extLst>
           </p:cNvPr>
@@ -13694,7 +13739,7 @@
           <p:cNvPr id="11" name="Picture 10">
             <a:extLst>
               <a:ext uri="{FF2B5EF4-FFF2-40B4-BE49-F238E27FC236}">
-                <a16:creationId xmlns:a16="http://schemas.microsoft.com/office/drawing/2014/main" xmlns="" id="{DDEA50F0-4C06-4046-95A1-C7C326BA2947}"/>
+                <a16:creationId xmlns="" xmlns:a16="http://schemas.microsoft.com/office/drawing/2014/main" id="{DDEA50F0-4C06-4046-95A1-C7C326BA2947}"/>
               </a:ext>
             </a:extLst>
           </p:cNvPr>
@@ -13723,7 +13768,7 @@
           <p:cNvPr id="19" name="TextBox 18">
             <a:extLst>
               <a:ext uri="{FF2B5EF4-FFF2-40B4-BE49-F238E27FC236}">
-                <a16:creationId xmlns:a16="http://schemas.microsoft.com/office/drawing/2014/main" xmlns="" id="{32A65B8A-7C74-4921-9F73-13EB5A2119AA}"/>
+                <a16:creationId xmlns="" xmlns:a16="http://schemas.microsoft.com/office/drawing/2014/main" id="{32A65B8A-7C74-4921-9F73-13EB5A2119AA}"/>
               </a:ext>
             </a:extLst>
           </p:cNvPr>
@@ -13776,7 +13821,7 @@
           <p:cNvPr id="26" name="TextBox 25">
             <a:extLst>
               <a:ext uri="{FF2B5EF4-FFF2-40B4-BE49-F238E27FC236}">
-                <a16:creationId xmlns:a16="http://schemas.microsoft.com/office/drawing/2014/main" xmlns="" id="{FBD6011D-8473-4ED1-BEC9-2D848F46E6FD}"/>
+                <a16:creationId xmlns="" xmlns:a16="http://schemas.microsoft.com/office/drawing/2014/main" id="{FBD6011D-8473-4ED1-BEC9-2D848F46E6FD}"/>
               </a:ext>
             </a:extLst>
           </p:cNvPr>
@@ -14009,7 +14054,7 @@
           <p:cNvPr id="4" name="Slide Number Placeholder 3">
             <a:extLst>
               <a:ext uri="{FF2B5EF4-FFF2-40B4-BE49-F238E27FC236}">
-                <a16:creationId xmlns:a16="http://schemas.microsoft.com/office/drawing/2014/main" xmlns="" id="{4F8E0057-45FA-40E8-80E1-8629D6245349}"/>
+                <a16:creationId xmlns="" xmlns:a16="http://schemas.microsoft.com/office/drawing/2014/main" id="{4F8E0057-45FA-40E8-80E1-8629D6245349}"/>
               </a:ext>
             </a:extLst>
           </p:cNvPr>
@@ -14038,7 +14083,7 @@
           <p:cNvPr id="5" name="Title 1">
             <a:extLst>
               <a:ext uri="{FF2B5EF4-FFF2-40B4-BE49-F238E27FC236}">
-                <a16:creationId xmlns:a16="http://schemas.microsoft.com/office/drawing/2014/main" xmlns="" id="{66E33811-B0FD-489C-B843-E5B167520896}"/>
+                <a16:creationId xmlns="" xmlns:a16="http://schemas.microsoft.com/office/drawing/2014/main" id="{66E33811-B0FD-489C-B843-E5B167520896}"/>
               </a:ext>
             </a:extLst>
           </p:cNvPr>
@@ -14080,7 +14125,7 @@
           <p:cNvPr id="10" name="Content Placeholder 2">
             <a:extLst>
               <a:ext uri="{FF2B5EF4-FFF2-40B4-BE49-F238E27FC236}">
-                <a16:creationId xmlns:a16="http://schemas.microsoft.com/office/drawing/2014/main" xmlns="" id="{0DB8661B-166B-4B44-835E-B733EE08DF8A}"/>
+                <a16:creationId xmlns="" xmlns:a16="http://schemas.microsoft.com/office/drawing/2014/main" id="{0DB8661B-166B-4B44-835E-B733EE08DF8A}"/>
               </a:ext>
             </a:extLst>
           </p:cNvPr>
@@ -14206,7 +14251,7 @@
           <p:cNvPr id="12" name="TextBox 11">
             <a:extLst>
               <a:ext uri="{FF2B5EF4-FFF2-40B4-BE49-F238E27FC236}">
-                <a16:creationId xmlns:a16="http://schemas.microsoft.com/office/drawing/2014/main" xmlns="" id="{AA6BD271-109A-43C0-AA1D-2FEE0AB58646}"/>
+                <a16:creationId xmlns="" xmlns:a16="http://schemas.microsoft.com/office/drawing/2014/main" id="{AA6BD271-109A-43C0-AA1D-2FEE0AB58646}"/>
               </a:ext>
             </a:extLst>
           </p:cNvPr>
@@ -14492,7 +14537,7 @@
           <p:cNvPr id="3" name="Content Placeholder 2">
             <a:extLst>
               <a:ext uri="{FF2B5EF4-FFF2-40B4-BE49-F238E27FC236}">
-                <a16:creationId xmlns:a16="http://schemas.microsoft.com/office/drawing/2014/main" xmlns="" id="{6D46622B-CEA1-41A3-B30B-DD972286CF5D}"/>
+                <a16:creationId xmlns="" xmlns:a16="http://schemas.microsoft.com/office/drawing/2014/main" id="{6D46622B-CEA1-41A3-B30B-DD972286CF5D}"/>
               </a:ext>
             </a:extLst>
           </p:cNvPr>
@@ -14865,7 +14910,7 @@
           <p:cNvPr id="4" name="Slide Number Placeholder 3">
             <a:extLst>
               <a:ext uri="{FF2B5EF4-FFF2-40B4-BE49-F238E27FC236}">
-                <a16:creationId xmlns:a16="http://schemas.microsoft.com/office/drawing/2014/main" xmlns="" id="{4F8E0057-45FA-40E8-80E1-8629D6245349}"/>
+                <a16:creationId xmlns="" xmlns:a16="http://schemas.microsoft.com/office/drawing/2014/main" id="{4F8E0057-45FA-40E8-80E1-8629D6245349}"/>
               </a:ext>
             </a:extLst>
           </p:cNvPr>
@@ -14894,7 +14939,7 @@
           <p:cNvPr id="5" name="Title 1">
             <a:extLst>
               <a:ext uri="{FF2B5EF4-FFF2-40B4-BE49-F238E27FC236}">
-                <a16:creationId xmlns:a16="http://schemas.microsoft.com/office/drawing/2014/main" xmlns="" id="{66E33811-B0FD-489C-B843-E5B167520896}"/>
+                <a16:creationId xmlns="" xmlns:a16="http://schemas.microsoft.com/office/drawing/2014/main" id="{66E33811-B0FD-489C-B843-E5B167520896}"/>
               </a:ext>
             </a:extLst>
           </p:cNvPr>
@@ -15043,7 +15088,7 @@
           <p:cNvPr id="2" name="Title 1">
             <a:extLst>
               <a:ext uri="{FF2B5EF4-FFF2-40B4-BE49-F238E27FC236}">
-                <a16:creationId xmlns:a16="http://schemas.microsoft.com/office/drawing/2014/main" xmlns="" id="{956FFBD8-BE2A-4487-841C-B5DD764D1996}"/>
+                <a16:creationId xmlns="" xmlns:a16="http://schemas.microsoft.com/office/drawing/2014/main" id="{956FFBD8-BE2A-4487-841C-B5DD764D1996}"/>
               </a:ext>
             </a:extLst>
           </p:cNvPr>
@@ -15084,7 +15129,7 @@
           <p:cNvPr id="3" name="Content Placeholder 2">
             <a:extLst>
               <a:ext uri="{FF2B5EF4-FFF2-40B4-BE49-F238E27FC236}">
-                <a16:creationId xmlns:a16="http://schemas.microsoft.com/office/drawing/2014/main" xmlns="" id="{B47262FF-E998-4343-ADAF-24438E7BCCED}"/>
+                <a16:creationId xmlns="" xmlns:a16="http://schemas.microsoft.com/office/drawing/2014/main" id="{B47262FF-E998-4343-ADAF-24438E7BCCED}"/>
               </a:ext>
             </a:extLst>
           </p:cNvPr>
@@ -15193,7 +15238,7 @@
           <p:cNvPr id="4" name="Slide Number Placeholder 3">
             <a:extLst>
               <a:ext uri="{FF2B5EF4-FFF2-40B4-BE49-F238E27FC236}">
-                <a16:creationId xmlns:a16="http://schemas.microsoft.com/office/drawing/2014/main" xmlns="" id="{B1ACB5B6-3459-47DE-9828-4FDA82228513}"/>
+                <a16:creationId xmlns="" xmlns:a16="http://schemas.microsoft.com/office/drawing/2014/main" id="{B1ACB5B6-3459-47DE-9828-4FDA82228513}"/>
               </a:ext>
             </a:extLst>
           </p:cNvPr>
@@ -15259,7 +15304,7 @@
           <p:cNvPr id="2" name="Title 1">
             <a:extLst>
               <a:ext uri="{FF2B5EF4-FFF2-40B4-BE49-F238E27FC236}">
-                <a16:creationId xmlns:a16="http://schemas.microsoft.com/office/drawing/2014/main" xmlns="" id="{1938EEE1-16A1-4461-966D-58E6B7F960D5}"/>
+                <a16:creationId xmlns="" xmlns:a16="http://schemas.microsoft.com/office/drawing/2014/main" id="{1938EEE1-16A1-4461-966D-58E6B7F960D5}"/>
               </a:ext>
             </a:extLst>
           </p:cNvPr>
@@ -15288,7 +15333,7 @@
           <p:cNvPr id="3" name="Content Placeholder 2">
             <a:extLst>
               <a:ext uri="{FF2B5EF4-FFF2-40B4-BE49-F238E27FC236}">
-                <a16:creationId xmlns:a16="http://schemas.microsoft.com/office/drawing/2014/main" xmlns="" id="{16909E00-9561-4D80-9B05-66AD8C463F11}"/>
+                <a16:creationId xmlns="" xmlns:a16="http://schemas.microsoft.com/office/drawing/2014/main" id="{16909E00-9561-4D80-9B05-66AD8C463F11}"/>
               </a:ext>
             </a:extLst>
           </p:cNvPr>
@@ -15301,12 +15346,14 @@
         </p:nvSpPr>
         <p:spPr>
           <a:xfrm>
-            <a:off x="457200" y="1129553"/>
-            <a:ext cx="8229600" cy="5001373"/>
+            <a:off x="457200" y="1129554"/>
+            <a:ext cx="8229600" cy="3776743"/>
           </a:xfrm>
         </p:spPr>
         <p:txBody>
-          <a:bodyPr/>
+          <a:bodyPr>
+            <a:normAutofit lnSpcReduction="10000"/>
+          </a:bodyPr>
           <a:lstStyle/>
           <a:p>
             <a:r>
@@ -15328,7 +15375,15 @@
           <a:p>
             <a:r>
               <a:rPr lang="es-419" noProof="0" dirty="0" smtClean="0"/>
-              <a:t>Se actualiza la creencia a priori con los datos</a:t>
+              <a:t>Se actualiza la creencia </a:t>
+            </a:r>
+            <a:r>
+              <a:rPr lang="es-419" i="1" noProof="0" dirty="0" smtClean="0"/>
+              <a:t>a priori</a:t>
+            </a:r>
+            <a:r>
+              <a:rPr lang="es-419" noProof="0" dirty="0" smtClean="0"/>
+              <a:t> con los datos</a:t>
             </a:r>
           </a:p>
           <a:p>
@@ -15340,7 +15395,19 @@
           <a:p>
             <a:r>
               <a:rPr lang="es-419" b="1" u="sng" noProof="0" dirty="0" smtClean="0"/>
-              <a:t>El cálculo de las probabilidades requiere integración</a:t>
+              <a:t>Calculo </a:t>
+            </a:r>
+            <a:r>
+              <a:rPr lang="es-419" b="1" u="sng" noProof="0" dirty="0" smtClean="0"/>
+              <a:t>de las probabilidades </a:t>
+            </a:r>
+            <a:r>
+              <a:rPr lang="es-419" b="1" u="sng" noProof="0" dirty="0" smtClean="0"/>
+              <a:t>se requiere </a:t>
+            </a:r>
+            <a:r>
+              <a:rPr lang="es-419" b="1" u="sng" noProof="0" dirty="0" smtClean="0"/>
+              <a:t>integración</a:t>
             </a:r>
           </a:p>
           <a:p>
@@ -15353,7 +15420,7 @@
           <p:cNvPr id="4" name="Slide Number Placeholder 3">
             <a:extLst>
               <a:ext uri="{FF2B5EF4-FFF2-40B4-BE49-F238E27FC236}">
-                <a16:creationId xmlns:a16="http://schemas.microsoft.com/office/drawing/2014/main" xmlns="" id="{CB84EEA5-6A5B-41AD-A657-0FB9D664CBD4}"/>
+                <a16:creationId xmlns="" xmlns:a16="http://schemas.microsoft.com/office/drawing/2014/main" id="{CB84EEA5-6A5B-41AD-A657-0FB9D664CBD4}"/>
               </a:ext>
             </a:extLst>
           </p:cNvPr>
@@ -15379,13 +15446,7 @@
       </p:sp>
       <p:pic>
         <p:nvPicPr>
-          <p:cNvPr id="6" name="Picture 5">
-            <a:extLst>
-              <a:ext uri="{FF2B5EF4-FFF2-40B4-BE49-F238E27FC236}">
-                <a16:creationId xmlns:a16="http://schemas.microsoft.com/office/drawing/2014/main" xmlns="" id="{BDBFD11D-7401-4D8F-B87B-9E0BE57E0C20}"/>
-              </a:ext>
-            </a:extLst>
-          </p:cNvPr>
+          <p:cNvPr id="7" name="Picture 6"/>
           <p:cNvPicPr>
             <a:picLocks noChangeAspect="1"/>
           </p:cNvPicPr>
@@ -15399,31 +15460,7 @@
         </p:blipFill>
         <p:spPr>
           <a:xfrm>
-            <a:off x="389467" y="4938401"/>
-            <a:ext cx="7967133" cy="927781"/>
-          </a:xfrm>
-          <a:prstGeom prst="rect">
-            <a:avLst/>
-          </a:prstGeom>
-        </p:spPr>
-      </p:pic>
-      <p:pic>
-        <p:nvPicPr>
-          <p:cNvPr id="7" name="Picture 6"/>
-          <p:cNvPicPr>
-            <a:picLocks noChangeAspect="1"/>
-          </p:cNvPicPr>
-          <p:nvPr/>
-        </p:nvPicPr>
-        <p:blipFill>
-          <a:blip r:embed="rId3"/>
-          <a:stretch>
-            <a:fillRect/>
-          </a:stretch>
-        </p:blipFill>
-        <p:spPr>
-          <a:xfrm>
-            <a:off x="119679" y="4778477"/>
+            <a:off x="145069" y="4906297"/>
             <a:ext cx="8998931" cy="1460398"/>
           </a:xfrm>
           <a:prstGeom prst="rect">
@@ -15466,7 +15503,7 @@
           <p:cNvPr id="2" name="Title 1">
             <a:extLst>
               <a:ext uri="{FF2B5EF4-FFF2-40B4-BE49-F238E27FC236}">
-                <a16:creationId xmlns:a16="http://schemas.microsoft.com/office/drawing/2014/main" xmlns="" id="{FCBFC5CE-BEBE-4178-A0B5-F030F3C46F4F}"/>
+                <a16:creationId xmlns="" xmlns:a16="http://schemas.microsoft.com/office/drawing/2014/main" id="{FCBFC5CE-BEBE-4178-A0B5-F030F3C46F4F}"/>
               </a:ext>
             </a:extLst>
           </p:cNvPr>
@@ -15499,7 +15536,7 @@
           <p:cNvPr id="3" name="Content Placeholder 2">
             <a:extLst>
               <a:ext uri="{FF2B5EF4-FFF2-40B4-BE49-F238E27FC236}">
-                <a16:creationId xmlns:a16="http://schemas.microsoft.com/office/drawing/2014/main" xmlns="" id="{0A016C73-5DDF-46EE-ACD4-1B95CD8285D4}"/>
+                <a16:creationId xmlns="" xmlns:a16="http://schemas.microsoft.com/office/drawing/2014/main" id="{0A016C73-5DDF-46EE-ACD4-1B95CD8285D4}"/>
               </a:ext>
             </a:extLst>
           </p:cNvPr>
@@ -15524,7 +15561,7 @@
           <p:cNvPr id="4" name="Slide Number Placeholder 3">
             <a:extLst>
               <a:ext uri="{FF2B5EF4-FFF2-40B4-BE49-F238E27FC236}">
-                <a16:creationId xmlns:a16="http://schemas.microsoft.com/office/drawing/2014/main" xmlns="" id="{9EC15119-7A83-4B50-8E95-42B54138CF67}"/>
+                <a16:creationId xmlns="" xmlns:a16="http://schemas.microsoft.com/office/drawing/2014/main" id="{9EC15119-7A83-4B50-8E95-42B54138CF67}"/>
               </a:ext>
             </a:extLst>
           </p:cNvPr>
@@ -15590,7 +15627,7 @@
           <p:cNvPr id="2" name="Title 1">
             <a:extLst>
               <a:ext uri="{FF2B5EF4-FFF2-40B4-BE49-F238E27FC236}">
-                <a16:creationId xmlns:a16="http://schemas.microsoft.com/office/drawing/2014/main" xmlns="" id="{FCBFC5CE-BEBE-4178-A0B5-F030F3C46F4F}"/>
+                <a16:creationId xmlns="" xmlns:a16="http://schemas.microsoft.com/office/drawing/2014/main" id="{FCBFC5CE-BEBE-4178-A0B5-F030F3C46F4F}"/>
               </a:ext>
             </a:extLst>
           </p:cNvPr>
@@ -15619,7 +15656,7 @@
           <p:cNvPr id="3" name="Content Placeholder 2">
             <a:extLst>
               <a:ext uri="{FF2B5EF4-FFF2-40B4-BE49-F238E27FC236}">
-                <a16:creationId xmlns:a16="http://schemas.microsoft.com/office/drawing/2014/main" xmlns="" id="{0A016C73-5DDF-46EE-ACD4-1B95CD8285D4}"/>
+                <a16:creationId xmlns="" xmlns:a16="http://schemas.microsoft.com/office/drawing/2014/main" id="{0A016C73-5DDF-46EE-ACD4-1B95CD8285D4}"/>
               </a:ext>
             </a:extLst>
           </p:cNvPr>
@@ -15749,7 +15786,7 @@
           <p:cNvPr id="4" name="Slide Number Placeholder 3">
             <a:extLst>
               <a:ext uri="{FF2B5EF4-FFF2-40B4-BE49-F238E27FC236}">
-                <a16:creationId xmlns:a16="http://schemas.microsoft.com/office/drawing/2014/main" xmlns="" id="{9EC15119-7A83-4B50-8E95-42B54138CF67}"/>
+                <a16:creationId xmlns="" xmlns:a16="http://schemas.microsoft.com/office/drawing/2014/main" id="{9EC15119-7A83-4B50-8E95-42B54138CF67}"/>
               </a:ext>
             </a:extLst>
           </p:cNvPr>
@@ -15778,7 +15815,7 @@
           <p:cNvPr id="5" name="Object 4">
             <a:extLst>
               <a:ext uri="{FF2B5EF4-FFF2-40B4-BE49-F238E27FC236}">
-                <a16:creationId xmlns:a16="http://schemas.microsoft.com/office/drawing/2014/main" xmlns="" id="{3D933AA6-3CA4-48B7-8B31-A6372A48D17C}"/>
+                <a16:creationId xmlns="" xmlns:a16="http://schemas.microsoft.com/office/drawing/2014/main" id="{3D933AA6-3CA4-48B7-8B31-A6372A48D17C}"/>
               </a:ext>
             </a:extLst>
           </p:cNvPr>
@@ -15801,7 +15838,7 @@
           <a:graphicData uri="http://schemas.openxmlformats.org/presentationml/2006/ole">
             <mc:AlternateContent xmlns:mc="http://schemas.openxmlformats.org/markup-compatibility/2006">
               <mc:Choice xmlns:v="urn:schemas-microsoft-com:vml" Requires="v">
-                <p:oleObj spid="_x0000_s8294" name="Equation" r:id="rId3" imgW="1726920" imgH="672840" progId="Equation.DSMT4">
+                <p:oleObj spid="_x0000_s8315" name="Equation" r:id="rId3" imgW="1726920" imgH="672840" progId="Equation.DSMT4">
                   <p:embed/>
                 </p:oleObj>
               </mc:Choice>
@@ -15813,7 +15850,7 @@
                       <p:cNvPr id="8" name="Object 7">
                         <a:extLst>
                           <a:ext uri="{FF2B5EF4-FFF2-40B4-BE49-F238E27FC236}">
-                            <a16:creationId xmlns:a16="http://schemas.microsoft.com/office/drawing/2014/main" xmlns="" id="{3D933AA6-3CA4-48B7-8B31-A6372A48D17C}"/>
+                            <a16:creationId xmlns="" xmlns:a16="http://schemas.microsoft.com/office/drawing/2014/main" id="{3D933AA6-3CA4-48B7-8B31-A6372A48D17C}"/>
                           </a:ext>
                         </a:extLst>
                       </p:cNvPr>
@@ -15847,7 +15884,7 @@
           <p:cNvPr id="6" name="Object 5">
             <a:extLst>
               <a:ext uri="{FF2B5EF4-FFF2-40B4-BE49-F238E27FC236}">
-                <a16:creationId xmlns:a16="http://schemas.microsoft.com/office/drawing/2014/main" xmlns="" id="{42F47534-6BB7-482C-BFF7-E22E91606A29}"/>
+                <a16:creationId xmlns="" xmlns:a16="http://schemas.microsoft.com/office/drawing/2014/main" id="{42F47534-6BB7-482C-BFF7-E22E91606A29}"/>
               </a:ext>
             </a:extLst>
           </p:cNvPr>
@@ -15870,7 +15907,7 @@
           <a:graphicData uri="http://schemas.openxmlformats.org/presentationml/2006/ole">
             <mc:AlternateContent xmlns:mc="http://schemas.openxmlformats.org/markup-compatibility/2006">
               <mc:Choice xmlns:v="urn:schemas-microsoft-com:vml" Requires="v">
-                <p:oleObj spid="_x0000_s8295" name="Equation" r:id="rId5" imgW="1028520" imgH="965160" progId="Equation.DSMT4">
+                <p:oleObj spid="_x0000_s8316" name="Equation" r:id="rId5" imgW="1028520" imgH="965160" progId="Equation.DSMT4">
                   <p:embed/>
                 </p:oleObj>
               </mc:Choice>
@@ -15882,7 +15919,7 @@
                       <p:cNvPr id="12" name="Object 11">
                         <a:extLst>
                           <a:ext uri="{FF2B5EF4-FFF2-40B4-BE49-F238E27FC236}">
-                            <a16:creationId xmlns:a16="http://schemas.microsoft.com/office/drawing/2014/main" xmlns="" id="{42F47534-6BB7-482C-BFF7-E22E91606A29}"/>
+                            <a16:creationId xmlns="" xmlns:a16="http://schemas.microsoft.com/office/drawing/2014/main" id="{42F47534-6BB7-482C-BFF7-E22E91606A29}"/>
                           </a:ext>
                         </a:extLst>
                       </p:cNvPr>
@@ -15916,7 +15953,7 @@
           <p:cNvPr id="7" name="Object 6">
             <a:extLst>
               <a:ext uri="{FF2B5EF4-FFF2-40B4-BE49-F238E27FC236}">
-                <a16:creationId xmlns:a16="http://schemas.microsoft.com/office/drawing/2014/main" xmlns="" id="{BBB81E51-8CAC-4532-A30F-E7FA0F55279C}"/>
+                <a16:creationId xmlns="" xmlns:a16="http://schemas.microsoft.com/office/drawing/2014/main" id="{BBB81E51-8CAC-4532-A30F-E7FA0F55279C}"/>
               </a:ext>
             </a:extLst>
           </p:cNvPr>
@@ -15939,7 +15976,7 @@
           <a:graphicData uri="http://schemas.openxmlformats.org/presentationml/2006/ole">
             <mc:AlternateContent xmlns:mc="http://schemas.openxmlformats.org/markup-compatibility/2006">
               <mc:Choice xmlns:v="urn:schemas-microsoft-com:vml" Requires="v">
-                <p:oleObj spid="_x0000_s8296" name="Equation" r:id="rId7" imgW="1231560" imgH="241200" progId="Equation.DSMT4">
+                <p:oleObj spid="_x0000_s8317" name="Equation" r:id="rId7" imgW="1231560" imgH="241200" progId="Equation.DSMT4">
                   <p:embed/>
                 </p:oleObj>
               </mc:Choice>
@@ -15951,7 +15988,7 @@
                       <p:cNvPr id="9" name="Object 8">
                         <a:extLst>
                           <a:ext uri="{FF2B5EF4-FFF2-40B4-BE49-F238E27FC236}">
-                            <a16:creationId xmlns:a16="http://schemas.microsoft.com/office/drawing/2014/main" xmlns="" id="{BBB81E51-8CAC-4532-A30F-E7FA0F55279C}"/>
+                            <a16:creationId xmlns="" xmlns:a16="http://schemas.microsoft.com/office/drawing/2014/main" id="{BBB81E51-8CAC-4532-A30F-E7FA0F55279C}"/>
                           </a:ext>
                         </a:extLst>
                       </p:cNvPr>
@@ -16022,7 +16059,7 @@
           <p:cNvPr id="2" name="Title 1">
             <a:extLst>
               <a:ext uri="{FF2B5EF4-FFF2-40B4-BE49-F238E27FC236}">
-                <a16:creationId xmlns:a16="http://schemas.microsoft.com/office/drawing/2014/main" xmlns="" id="{C976E5B5-F024-4D7C-9711-9BEA5F3AA682}"/>
+                <a16:creationId xmlns="" xmlns:a16="http://schemas.microsoft.com/office/drawing/2014/main" id="{C976E5B5-F024-4D7C-9711-9BEA5F3AA682}"/>
               </a:ext>
             </a:extLst>
           </p:cNvPr>
@@ -16051,7 +16088,7 @@
           <p:cNvPr id="3" name="Content Placeholder 2">
             <a:extLst>
               <a:ext uri="{FF2B5EF4-FFF2-40B4-BE49-F238E27FC236}">
-                <a16:creationId xmlns:a16="http://schemas.microsoft.com/office/drawing/2014/main" xmlns="" id="{B674CA99-AD0B-472B-BD2F-AF6AA7DE490B}"/>
+                <a16:creationId xmlns="" xmlns:a16="http://schemas.microsoft.com/office/drawing/2014/main" id="{B674CA99-AD0B-472B-BD2F-AF6AA7DE490B}"/>
               </a:ext>
             </a:extLst>
           </p:cNvPr>
@@ -16251,7 +16288,7 @@
           <p:cNvPr id="4" name="Slide Number Placeholder 3">
             <a:extLst>
               <a:ext uri="{FF2B5EF4-FFF2-40B4-BE49-F238E27FC236}">
-                <a16:creationId xmlns:a16="http://schemas.microsoft.com/office/drawing/2014/main" xmlns="" id="{6F6CFCEE-97D6-460E-9635-2B1BFC0C65FA}"/>
+                <a16:creationId xmlns="" xmlns:a16="http://schemas.microsoft.com/office/drawing/2014/main" id="{6F6CFCEE-97D6-460E-9635-2B1BFC0C65FA}"/>
               </a:ext>
             </a:extLst>
           </p:cNvPr>
@@ -16317,7 +16354,7 @@
           <p:cNvPr id="2" name="Title 1">
             <a:extLst>
               <a:ext uri="{FF2B5EF4-FFF2-40B4-BE49-F238E27FC236}">
-                <a16:creationId xmlns:a16="http://schemas.microsoft.com/office/drawing/2014/main" xmlns="" id="{C7F9C6A9-2B24-4EE8-BDE5-563962F2581F}"/>
+                <a16:creationId xmlns="" xmlns:a16="http://schemas.microsoft.com/office/drawing/2014/main" id="{C7F9C6A9-2B24-4EE8-BDE5-563962F2581F}"/>
               </a:ext>
             </a:extLst>
           </p:cNvPr>
@@ -16350,7 +16387,7 @@
           <p:cNvPr id="3" name="Content Placeholder 2">
             <a:extLst>
               <a:ext uri="{FF2B5EF4-FFF2-40B4-BE49-F238E27FC236}">
-                <a16:creationId xmlns:a16="http://schemas.microsoft.com/office/drawing/2014/main" xmlns="" id="{121D4267-FEEA-40F5-B8A4-58F96222096E}"/>
+                <a16:creationId xmlns="" xmlns:a16="http://schemas.microsoft.com/office/drawing/2014/main" id="{121D4267-FEEA-40F5-B8A4-58F96222096E}"/>
               </a:ext>
             </a:extLst>
           </p:cNvPr>
@@ -16483,7 +16520,7 @@
           <p:cNvPr id="4" name="Slide Number Placeholder 3">
             <a:extLst>
               <a:ext uri="{FF2B5EF4-FFF2-40B4-BE49-F238E27FC236}">
-                <a16:creationId xmlns:a16="http://schemas.microsoft.com/office/drawing/2014/main" xmlns="" id="{454C7E0C-0413-4B5A-BFAB-E85F4692A1AB}"/>
+                <a16:creationId xmlns="" xmlns:a16="http://schemas.microsoft.com/office/drawing/2014/main" id="{454C7E0C-0413-4B5A-BFAB-E85F4692A1AB}"/>
               </a:ext>
             </a:extLst>
           </p:cNvPr>
@@ -16512,7 +16549,7 @@
           <p:cNvPr id="5" name="Object 4">
             <a:extLst>
               <a:ext uri="{FF2B5EF4-FFF2-40B4-BE49-F238E27FC236}">
-                <a16:creationId xmlns:a16="http://schemas.microsoft.com/office/drawing/2014/main" xmlns="" id="{1A5D4530-6651-4EBB-8385-AC8644111CC2}"/>
+                <a16:creationId xmlns="" xmlns:a16="http://schemas.microsoft.com/office/drawing/2014/main" id="{1A5D4530-6651-4EBB-8385-AC8644111CC2}"/>
               </a:ext>
             </a:extLst>
           </p:cNvPr>
@@ -16531,7 +16568,7 @@
           <a:graphicData uri="http://schemas.openxmlformats.org/presentationml/2006/ole">
             <mc:AlternateContent xmlns:mc="http://schemas.openxmlformats.org/markup-compatibility/2006">
               <mc:Choice xmlns:v="urn:schemas-microsoft-com:vml" Requires="v">
-                <p:oleObj spid="_x0000_s4154" name="Equation" r:id="rId3" imgW="2387520" imgH="419040" progId="Equation.DSMT4">
+                <p:oleObj spid="_x0000_s4161" name="Equation" r:id="rId3" imgW="2387520" imgH="419040" progId="Equation.DSMT4">
                   <p:embed/>
                 </p:oleObj>
               </mc:Choice>
@@ -16608,7 +16645,7 @@
           <p:cNvPr id="2" name="Title 1">
             <a:extLst>
               <a:ext uri="{FF2B5EF4-FFF2-40B4-BE49-F238E27FC236}">
-                <a16:creationId xmlns:a16="http://schemas.microsoft.com/office/drawing/2014/main" xmlns="" id="{80F7DCC6-71E1-4DF2-97AA-E5A8DB3F1534}"/>
+                <a16:creationId xmlns="" xmlns:a16="http://schemas.microsoft.com/office/drawing/2014/main" id="{80F7DCC6-71E1-4DF2-97AA-E5A8DB3F1534}"/>
               </a:ext>
             </a:extLst>
           </p:cNvPr>
@@ -16641,7 +16678,7 @@
           <p:cNvPr id="3" name="Content Placeholder 2">
             <a:extLst>
               <a:ext uri="{FF2B5EF4-FFF2-40B4-BE49-F238E27FC236}">
-                <a16:creationId xmlns:a16="http://schemas.microsoft.com/office/drawing/2014/main" xmlns="" id="{E40E67CA-8C31-40FF-A936-8803BCFAF8B3}"/>
+                <a16:creationId xmlns="" xmlns:a16="http://schemas.microsoft.com/office/drawing/2014/main" id="{E40E67CA-8C31-40FF-A936-8803BCFAF8B3}"/>
               </a:ext>
             </a:extLst>
           </p:cNvPr>
@@ -16735,15 +16772,19 @@
             </a:r>
             <a:r>
               <a:rPr lang="es-419" sz="2800" u="sng" dirty="0" smtClean="0"/>
-              <a:t>) = “Posterior”: la </a:t>
-            </a:r>
-            <a:r>
-              <a:rPr lang="es-419" sz="2800" u="sng" dirty="0" err="1" smtClean="0"/>
-              <a:t>creecia</a:t>
-            </a:r>
-            <a:r>
-              <a:rPr lang="es-419" sz="2800" u="sng" dirty="0" smtClean="0"/>
-              <a:t> que resulta de la combinación de dos fuentes da información: prior y datos. </a:t>
+              <a:t>) = “Posterior”: </a:t>
+            </a:r>
+            <a:r>
+              <a:rPr lang="es-419" sz="2800" i="1" u="sng" dirty="0" smtClean="0"/>
+              <a:t>la </a:t>
+            </a:r>
+            <a:r>
+              <a:rPr lang="es-419" sz="2800" i="1" u="sng" dirty="0" smtClean="0"/>
+              <a:t>creencia </a:t>
+            </a:r>
+            <a:r>
+              <a:rPr lang="es-419" sz="2800" i="1" u="sng" dirty="0" smtClean="0"/>
+              <a:t>que resulta de la combinación de dos fuentes da información: prior y datos. </a:t>
             </a:r>
           </a:p>
           <a:p>
@@ -16771,7 +16812,7 @@
           <p:cNvPr id="4" name="Slide Number Placeholder 3">
             <a:extLst>
               <a:ext uri="{FF2B5EF4-FFF2-40B4-BE49-F238E27FC236}">
-                <a16:creationId xmlns:a16="http://schemas.microsoft.com/office/drawing/2014/main" xmlns="" id="{C3F490B8-41BF-42A2-859F-AC4D17B02629}"/>
+                <a16:creationId xmlns="" xmlns:a16="http://schemas.microsoft.com/office/drawing/2014/main" id="{C3F490B8-41BF-42A2-859F-AC4D17B02629}"/>
               </a:ext>
             </a:extLst>
           </p:cNvPr>
@@ -16830,7 +16871,7 @@
           <p:cNvPr id="2" name="Title 1">
             <a:extLst>
               <a:ext uri="{FF2B5EF4-FFF2-40B4-BE49-F238E27FC236}">
-                <a16:creationId xmlns:a16="http://schemas.microsoft.com/office/drawing/2014/main" xmlns="" id="{E58841CB-F12A-49AE-A0F6-FC905252F346}"/>
+                <a16:creationId xmlns="" xmlns:a16="http://schemas.microsoft.com/office/drawing/2014/main" id="{E58841CB-F12A-49AE-A0F6-FC905252F346}"/>
               </a:ext>
             </a:extLst>
           </p:cNvPr>
@@ -16848,7 +16889,19 @@
           <a:p>
             <a:r>
               <a:rPr lang="es-419" sz="3600" noProof="0" dirty="0" smtClean="0"/>
-              <a:t>Resumen de las diferencias los paradigmas de inferencia.</a:t>
+              <a:t>Resumen de las diferencias </a:t>
+            </a:r>
+            <a:r>
+              <a:rPr lang="es-419" sz="3600" dirty="0" smtClean="0"/>
+              <a:t>de </a:t>
+            </a:r>
+            <a:r>
+              <a:rPr lang="es-419" sz="3600" noProof="0" dirty="0" smtClean="0"/>
+              <a:t>los </a:t>
+            </a:r>
+            <a:r>
+              <a:rPr lang="es-419" sz="3600" noProof="0" dirty="0" smtClean="0"/>
+              <a:t>paradigmas de inferencia.</a:t>
             </a:r>
             <a:endParaRPr lang="es-419" sz="3600" noProof="0" dirty="0"/>
           </a:p>
@@ -16859,7 +16912,7 @@
           <p:cNvPr id="4" name="Slide Number Placeholder 3">
             <a:extLst>
               <a:ext uri="{FF2B5EF4-FFF2-40B4-BE49-F238E27FC236}">
-                <a16:creationId xmlns:a16="http://schemas.microsoft.com/office/drawing/2014/main" xmlns="" id="{28183925-41CE-45AE-9C75-56FB10A283D7}"/>
+                <a16:creationId xmlns="" xmlns:a16="http://schemas.microsoft.com/office/drawing/2014/main" id="{28183925-41CE-45AE-9C75-56FB10A283D7}"/>
               </a:ext>
             </a:extLst>
           </p:cNvPr>
@@ -16888,7 +16941,7 @@
           <p:cNvPr id="7" name="Table 6">
             <a:extLst>
               <a:ext uri="{FF2B5EF4-FFF2-40B4-BE49-F238E27FC236}">
-                <a16:creationId xmlns:a16="http://schemas.microsoft.com/office/drawing/2014/main" xmlns="" id="{5A715EBA-BA67-4106-AD2E-72C266A592B8}"/>
+                <a16:creationId xmlns="" xmlns:a16="http://schemas.microsoft.com/office/drawing/2014/main" id="{5A715EBA-BA67-4106-AD2E-72C266A592B8}"/>
               </a:ext>
             </a:extLst>
           </p:cNvPr>
@@ -16913,21 +16966,21 @@
                 <a:gridCol w="2085975">
                   <a:extLst>
                     <a:ext uri="{9D8B030D-6E8A-4147-A177-3AD203B41FA5}">
-                      <a16:colId xmlns:a16="http://schemas.microsoft.com/office/drawing/2014/main" xmlns="" val="1489099423"/>
+                      <a16:colId xmlns="" xmlns:a16="http://schemas.microsoft.com/office/drawing/2014/main" val="1489099423"/>
                     </a:ext>
                   </a:extLst>
                 </a:gridCol>
                 <a:gridCol w="2847975">
                   <a:extLst>
                     <a:ext uri="{9D8B030D-6E8A-4147-A177-3AD203B41FA5}">
-                      <a16:colId xmlns:a16="http://schemas.microsoft.com/office/drawing/2014/main" xmlns="" val="2143065116"/>
+                      <a16:colId xmlns="" xmlns:a16="http://schemas.microsoft.com/office/drawing/2014/main" val="2143065116"/>
                     </a:ext>
                   </a:extLst>
                 </a:gridCol>
                 <a:gridCol w="3438525">
                   <a:extLst>
                     <a:ext uri="{9D8B030D-6E8A-4147-A177-3AD203B41FA5}">
-                      <a16:colId xmlns:a16="http://schemas.microsoft.com/office/drawing/2014/main" xmlns="" val="2806201724"/>
+                      <a16:colId xmlns="" xmlns:a16="http://schemas.microsoft.com/office/drawing/2014/main" val="2806201724"/>
                     </a:ext>
                   </a:extLst>
                 </a:gridCol>
@@ -16972,7 +17025,7 @@
                 </a:tc>
                 <a:extLst>
                   <a:ext uri="{0D108BD9-81ED-4DB2-BD59-A6C34878D82A}">
-                    <a16:rowId xmlns:a16="http://schemas.microsoft.com/office/drawing/2014/main" xmlns="" val="2756381196"/>
+                    <a16:rowId xmlns="" xmlns:a16="http://schemas.microsoft.com/office/drawing/2014/main" val="2756381196"/>
                   </a:ext>
                 </a:extLst>
               </a:tr>
@@ -17030,7 +17083,7 @@
                 </a:tc>
                 <a:extLst>
                   <a:ext uri="{0D108BD9-81ED-4DB2-BD59-A6C34878D82A}">
-                    <a16:rowId xmlns:a16="http://schemas.microsoft.com/office/drawing/2014/main" xmlns="" val="477521452"/>
+                    <a16:rowId xmlns="" xmlns:a16="http://schemas.microsoft.com/office/drawing/2014/main" val="477521452"/>
                   </a:ext>
                 </a:extLst>
               </a:tr>
@@ -17076,7 +17129,7 @@
                 </a:tc>
                 <a:extLst>
                   <a:ext uri="{0D108BD9-81ED-4DB2-BD59-A6C34878D82A}">
-                    <a16:rowId xmlns:a16="http://schemas.microsoft.com/office/drawing/2014/main" xmlns="" val="4186324477"/>
+                    <a16:rowId xmlns="" xmlns:a16="http://schemas.microsoft.com/office/drawing/2014/main" val="4186324477"/>
                   </a:ext>
                 </a:extLst>
               </a:tr>
@@ -17122,7 +17175,7 @@
                 </a:tc>
                 <a:extLst>
                   <a:ext uri="{0D108BD9-81ED-4DB2-BD59-A6C34878D82A}">
-                    <a16:rowId xmlns:a16="http://schemas.microsoft.com/office/drawing/2014/main" xmlns="" val="2886965010"/>
+                    <a16:rowId xmlns="" xmlns:a16="http://schemas.microsoft.com/office/drawing/2014/main" val="2886965010"/>
                   </a:ext>
                 </a:extLst>
               </a:tr>
@@ -17168,7 +17221,7 @@
                 </a:tc>
                 <a:extLst>
                   <a:ext uri="{0D108BD9-81ED-4DB2-BD59-A6C34878D82A}">
-                    <a16:rowId xmlns:a16="http://schemas.microsoft.com/office/drawing/2014/main" xmlns="" val="965711301"/>
+                    <a16:rowId xmlns="" xmlns:a16="http://schemas.microsoft.com/office/drawing/2014/main" val="965711301"/>
                   </a:ext>
                 </a:extLst>
               </a:tr>
@@ -17214,7 +17267,7 @@
                 </a:tc>
                 <a:extLst>
                   <a:ext uri="{0D108BD9-81ED-4DB2-BD59-A6C34878D82A}">
-                    <a16:rowId xmlns:a16="http://schemas.microsoft.com/office/drawing/2014/main" xmlns="" val="2667989358"/>
+                    <a16:rowId xmlns="" xmlns:a16="http://schemas.microsoft.com/office/drawing/2014/main" val="2667989358"/>
                   </a:ext>
                 </a:extLst>
               </a:tr>
@@ -17227,7 +17280,7 @@
           <p:cNvPr id="8" name="TextBox 7">
             <a:extLst>
               <a:ext uri="{FF2B5EF4-FFF2-40B4-BE49-F238E27FC236}">
-                <a16:creationId xmlns:a16="http://schemas.microsoft.com/office/drawing/2014/main" xmlns="" id="{4D1BDB25-B765-4988-8C88-9403DF8C9D40}"/>
+                <a16:creationId xmlns="" xmlns:a16="http://schemas.microsoft.com/office/drawing/2014/main" id="{4D1BDB25-B765-4988-8C88-9403DF8C9D40}"/>
               </a:ext>
             </a:extLst>
           </p:cNvPr>
@@ -17292,7 +17345,7 @@
           <p:cNvPr id="2" name="Title 1">
             <a:extLst>
               <a:ext uri="{FF2B5EF4-FFF2-40B4-BE49-F238E27FC236}">
-                <a16:creationId xmlns:a16="http://schemas.microsoft.com/office/drawing/2014/main" xmlns="" id="{8C55C254-BC36-4A04-AFEA-41B3912E23CE}"/>
+                <a16:creationId xmlns="" xmlns:a16="http://schemas.microsoft.com/office/drawing/2014/main" id="{8C55C254-BC36-4A04-AFEA-41B3912E23CE}"/>
               </a:ext>
             </a:extLst>
           </p:cNvPr>
@@ -17321,7 +17374,7 @@
           <p:cNvPr id="3" name="Content Placeholder 2">
             <a:extLst>
               <a:ext uri="{FF2B5EF4-FFF2-40B4-BE49-F238E27FC236}">
-                <a16:creationId xmlns:a16="http://schemas.microsoft.com/office/drawing/2014/main" xmlns="" id="{98825B73-670B-47B8-9AEF-873D89CA6C67}"/>
+                <a16:creationId xmlns="" xmlns:a16="http://schemas.microsoft.com/office/drawing/2014/main" id="{98825B73-670B-47B8-9AEF-873D89CA6C67}"/>
               </a:ext>
             </a:extLst>
           </p:cNvPr>
@@ -17401,7 +17454,7 @@
           <p:cNvPr id="4" name="Slide Number Placeholder 3">
             <a:extLst>
               <a:ext uri="{FF2B5EF4-FFF2-40B4-BE49-F238E27FC236}">
-                <a16:creationId xmlns:a16="http://schemas.microsoft.com/office/drawing/2014/main" xmlns="" id="{416B2EE1-1618-4B97-8C5E-68CCFAECB68A}"/>
+                <a16:creationId xmlns="" xmlns:a16="http://schemas.microsoft.com/office/drawing/2014/main" id="{416B2EE1-1618-4B97-8C5E-68CCFAECB68A}"/>
               </a:ext>
             </a:extLst>
           </p:cNvPr>
@@ -17460,7 +17513,7 @@
           <p:cNvPr id="2" name="Title 1">
             <a:extLst>
               <a:ext uri="{FF2B5EF4-FFF2-40B4-BE49-F238E27FC236}">
-                <a16:creationId xmlns:a16="http://schemas.microsoft.com/office/drawing/2014/main" xmlns="" id="{8C55C254-BC36-4A04-AFEA-41B3912E23CE}"/>
+                <a16:creationId xmlns="" xmlns:a16="http://schemas.microsoft.com/office/drawing/2014/main" id="{8C55C254-BC36-4A04-AFEA-41B3912E23CE}"/>
               </a:ext>
             </a:extLst>
           </p:cNvPr>
@@ -17489,7 +17542,7 @@
           <p:cNvPr id="3" name="Content Placeholder 2">
             <a:extLst>
               <a:ext uri="{FF2B5EF4-FFF2-40B4-BE49-F238E27FC236}">
-                <a16:creationId xmlns:a16="http://schemas.microsoft.com/office/drawing/2014/main" xmlns="" id="{98825B73-670B-47B8-9AEF-873D89CA6C67}"/>
+                <a16:creationId xmlns="" xmlns:a16="http://schemas.microsoft.com/office/drawing/2014/main" id="{98825B73-670B-47B8-9AEF-873D89CA6C67}"/>
               </a:ext>
             </a:extLst>
           </p:cNvPr>
@@ -17507,8 +17560,13 @@
           <a:p>
             <a:r>
               <a:rPr lang="es-419" noProof="0" dirty="0" smtClean="0"/>
-              <a:t>Toma mas tiempo estimar los modelos. </a:t>
-            </a:r>
+              <a:t>Toma mas tiempo </a:t>
+            </a:r>
+            <a:r>
+              <a:rPr lang="es-419" noProof="0" dirty="0" smtClean="0"/>
+              <a:t>para estimar </a:t>
+            </a:r>
+            <a:endParaRPr lang="es-419" noProof="0" dirty="0" smtClean="0"/>
           </a:p>
           <a:p>
             <a:r>
@@ -17533,11 +17591,23 @@
             </a:r>
             <a:r>
               <a:rPr lang="es-419" sz="1600" noProof="0" dirty="0" err="1" smtClean="0"/>
+              <a:t>e.g</a:t>
+            </a:r>
+            <a:r>
+              <a:rPr lang="es-419" sz="1600" noProof="0" dirty="0" smtClean="0"/>
+              <a:t>., </a:t>
+            </a:r>
+            <a:r>
+              <a:rPr lang="es-419" sz="1600" noProof="0" dirty="0" err="1" smtClean="0"/>
               <a:t>Thorson</a:t>
             </a:r>
             <a:r>
               <a:rPr lang="es-419" sz="1600" noProof="0" dirty="0" smtClean="0"/>
-              <a:t> and Cope 2017, </a:t>
+              <a:t> </a:t>
+            </a:r>
+            <a:r>
+              <a:rPr lang="es-419" sz="1600" noProof="0" dirty="0" smtClean="0"/>
+              <a:t>and Cope 2017, </a:t>
             </a:r>
             <a:r>
               <a:rPr lang="es-419" sz="1600" noProof="0" dirty="0" err="1" smtClean="0"/>
@@ -17595,7 +17665,7 @@
           <p:cNvPr id="4" name="Slide Number Placeholder 3">
             <a:extLst>
               <a:ext uri="{FF2B5EF4-FFF2-40B4-BE49-F238E27FC236}">
-                <a16:creationId xmlns:a16="http://schemas.microsoft.com/office/drawing/2014/main" xmlns="" id="{416B2EE1-1618-4B97-8C5E-68CCFAECB68A}"/>
+                <a16:creationId xmlns="" xmlns:a16="http://schemas.microsoft.com/office/drawing/2014/main" id="{416B2EE1-1618-4B97-8C5E-68CCFAECB68A}"/>
               </a:ext>
             </a:extLst>
           </p:cNvPr>
@@ -17733,12 +17803,8 @@
               <a:t>posibles de los </a:t>
             </a:r>
             <a:r>
-              <a:rPr lang="es-419" sz="2800" dirty="0" err="1" smtClean="0"/>
-              <a:t>parameteros</a:t>
-            </a:r>
-            <a:r>
               <a:rPr lang="es-419" sz="2800" dirty="0" smtClean="0"/>
-              <a:t> </a:t>
+              <a:t>parámetros </a:t>
             </a:r>
             <a:r>
               <a:rPr lang="es-419" sz="2800" noProof="0" dirty="0" smtClean="0"/>

--- a/dia2/lecture2_bayes.pptx
+++ b/dia2/lecture2_bayes.pptx
@@ -243,7 +243,7 @@
           <a:p>
             <a:fld id="{9EC8F33C-A7AA-43A7-BCA9-F081EA0B4664}" type="datetimeFigureOut">
               <a:rPr lang="en-US" smtClean="0"/>
-              <a:t>1/14/2019</a:t>
+              <a:t>1/15/2019</a:t>
             </a:fld>
             <a:endParaRPr lang="en-US"/>
           </a:p>
@@ -592,7 +592,7 @@
           </a:ln>
           <a:extLst>
             <a:ext uri="{909E8E84-426E-40dd-AFC4-6F175D3DCCD1}">
-              <a14:hiddenFill xmlns="" xmlns:a14="http://schemas.microsoft.com/office/drawing/2010/main">
+              <a14:hiddenFill xmlns:a14="http://schemas.microsoft.com/office/drawing/2010/main" xmlns="">
                 <a:solidFill>
                   <a:srgbClr val="FFFFFF"/>
                 </a:solidFill>
@@ -635,7 +635,7 @@
           </a:ln>
           <a:extLst>
             <a:ext uri="{909E8E84-426E-40dd-AFC4-6F175D3DCCD1}">
-              <a14:hiddenFill xmlns="" xmlns:a14="http://schemas.microsoft.com/office/drawing/2010/main">
+              <a14:hiddenFill xmlns:a14="http://schemas.microsoft.com/office/drawing/2010/main" xmlns="">
                 <a:noFill/>
               </a14:hiddenFill>
             </a:ext>
@@ -734,7 +734,7 @@
           <a:p>
             <a:fld id="{9A356AEA-056F-417E-9B38-4BA8743FE6C4}" type="datetime1">
               <a:rPr lang="en-US" smtClean="0"/>
-              <a:t>1/14/2019</a:t>
+              <a:t>1/15/2019</a:t>
             </a:fld>
             <a:endParaRPr lang="en-US"/>
           </a:p>
@@ -921,7 +921,7 @@
           <a:p>
             <a:fld id="{09867F7C-1948-4907-9EBC-DD38682B5188}" type="datetime1">
               <a:rPr lang="en-US" smtClean="0"/>
-              <a:t>1/14/2019</a:t>
+              <a:t>1/15/2019</a:t>
             </a:fld>
             <a:endParaRPr lang="en-US"/>
           </a:p>
@@ -1117,7 +1117,7 @@
           <a:p>
             <a:fld id="{A5996870-3492-4879-A20C-50CF7F25E309}" type="datetime1">
               <a:rPr lang="en-US" smtClean="0"/>
-              <a:t>1/14/2019</a:t>
+              <a:t>1/15/2019</a:t>
             </a:fld>
             <a:endParaRPr lang="en-US"/>
           </a:p>
@@ -1369,7 +1369,7 @@
           <a:p>
             <a:fld id="{3339509F-2835-4D20-8448-C5CCD453FC4A}" type="datetime1">
               <a:rPr lang="en-US" smtClean="0"/>
-              <a:t>1/14/2019</a:t>
+              <a:t>1/15/2019</a:t>
             </a:fld>
             <a:endParaRPr lang="en-US"/>
           </a:p>
@@ -1593,7 +1593,7 @@
           <a:p>
             <a:fld id="{7A6EDDDE-DBE4-4114-B865-EC3A2920782E}" type="datetime1">
               <a:rPr lang="en-US" smtClean="0"/>
-              <a:t>1/14/2019</a:t>
+              <a:t>1/15/2019</a:t>
             </a:fld>
             <a:endParaRPr lang="en-US"/>
           </a:p>
@@ -1901,7 +1901,7 @@
           <a:p>
             <a:fld id="{8DA96907-43AE-4B1E-B5FF-6853ADDA5697}" type="datetime1">
               <a:rPr lang="en-US" smtClean="0"/>
-              <a:t>1/14/2019</a:t>
+              <a:t>1/15/2019</a:t>
             </a:fld>
             <a:endParaRPr lang="en-US"/>
           </a:p>
@@ -2069,7 +2069,7 @@
           <a:p>
             <a:fld id="{2E65DF97-DE0F-4515-8F8D-0E1C627BC4E9}" type="datetime1">
               <a:rPr lang="en-US" smtClean="0"/>
-              <a:t>1/14/2019</a:t>
+              <a:t>1/15/2019</a:t>
             </a:fld>
             <a:endParaRPr lang="en-US"/>
           </a:p>
@@ -2381,7 +2381,7 @@
           <a:p>
             <a:fld id="{23B9FD00-80D5-4EA7-B536-8F4F2C3959C9}" type="datetime1">
               <a:rPr lang="en-US" smtClean="0"/>
-              <a:t>1/14/2019</a:t>
+              <a:t>1/15/2019</a:t>
             </a:fld>
             <a:endParaRPr lang="en-US"/>
           </a:p>
@@ -2693,7 +2693,7 @@
           <a:p>
             <a:fld id="{DAC77084-4DB4-4A23-9870-BF49183ACB4C}" type="datetime1">
               <a:rPr lang="en-US" smtClean="0"/>
-              <a:t>1/14/2019</a:t>
+              <a:t>1/15/2019</a:t>
             </a:fld>
             <a:endParaRPr lang="en-US"/>
           </a:p>
@@ -2879,7 +2879,7 @@
           <a:p>
             <a:fld id="{6E487ECE-0D8C-4AFB-BD35-997F06E0971C}" type="datetime1">
               <a:rPr lang="en-US" smtClean="0"/>
-              <a:t>1/14/2019</a:t>
+              <a:t>1/15/2019</a:t>
             </a:fld>
             <a:endParaRPr lang="en-US"/>
           </a:p>
@@ -3088,7 +3088,7 @@
           <a:p>
             <a:fld id="{D4F6DC8D-78A1-49CC-B033-F77D87B04958}" type="datetime1">
               <a:rPr lang="en-US" smtClean="0"/>
-              <a:t>1/14/2019</a:t>
+              <a:t>1/15/2019</a:t>
             </a:fld>
             <a:endParaRPr lang="en-US"/>
           </a:p>
@@ -3391,7 +3391,7 @@
           <a:p>
             <a:fld id="{3BCF4A7C-A413-48DA-9211-5240CAEE1DD4}" type="datetime1">
               <a:rPr lang="en-US" smtClean="0"/>
-              <a:t>1/14/2019</a:t>
+              <a:t>1/15/2019</a:t>
             </a:fld>
             <a:endParaRPr lang="en-US"/>
           </a:p>
@@ -3833,7 +3833,7 @@
           <a:p>
             <a:fld id="{AAE887C4-8D00-4515-BD6B-6D6B646F02F7}" type="datetime1">
               <a:rPr lang="en-US" smtClean="0"/>
-              <a:t>1/14/2019</a:t>
+              <a:t>1/15/2019</a:t>
             </a:fld>
             <a:endParaRPr lang="en-US"/>
           </a:p>
@@ -3968,7 +3968,7 @@
           <a:p>
             <a:fld id="{10C13C5A-776A-4D2B-A91E-2ACB7D90E7CC}" type="datetime1">
               <a:rPr lang="en-US" smtClean="0"/>
-              <a:t>1/14/2019</a:t>
+              <a:t>1/15/2019</a:t>
             </a:fld>
             <a:endParaRPr lang="en-US"/>
           </a:p>
@@ -4081,7 +4081,7 @@
           <a:p>
             <a:fld id="{00A5D59F-6FC3-492C-BAE3-F50C9D1FBA31}" type="datetime1">
               <a:rPr lang="en-US" smtClean="0"/>
-              <a:t>1/14/2019</a:t>
+              <a:t>1/15/2019</a:t>
             </a:fld>
             <a:endParaRPr lang="en-US"/>
           </a:p>
@@ -4374,7 +4374,7 @@
           <a:p>
             <a:fld id="{CD78B45F-E474-4F2F-801A-58FC9FE22655}" type="datetime1">
               <a:rPr lang="en-US" smtClean="0"/>
-              <a:t>1/14/2019</a:t>
+              <a:t>1/15/2019</a:t>
             </a:fld>
             <a:endParaRPr lang="en-US"/>
           </a:p>
@@ -4648,7 +4648,7 @@
           <a:p>
             <a:fld id="{FDF35450-A835-4587-8F84-782057674F92}" type="datetime1">
               <a:rPr lang="en-US" smtClean="0"/>
-              <a:t>1/14/2019</a:t>
+              <a:t>1/15/2019</a:t>
             </a:fld>
             <a:endParaRPr lang="en-US"/>
           </a:p>
@@ -4770,17 +4770,17 @@
           </a:ln>
           <a:extLst>
             <a:ext uri="{FAA26D3D-D897-4be2-8F04-BA451C77F1D7}">
-              <ma14:placeholderFlag xmlns="" xmlns:ma14="http://schemas.microsoft.com/office/mac/drawingml/2011/main" val="1"/>
+              <ma14:placeholderFlag xmlns:ma14="http://schemas.microsoft.com/office/mac/drawingml/2011/main" xmlns="" val="1"/>
             </a:ext>
             <a:ext uri="{909E8E84-426E-40dd-AFC4-6F175D3DCCD1}">
-              <a14:hiddenFill xmlns="" xmlns:a14="http://schemas.microsoft.com/office/drawing/2010/main">
+              <a14:hiddenFill xmlns:a14="http://schemas.microsoft.com/office/drawing/2010/main" xmlns="">
                 <a:solidFill>
                   <a:srgbClr val="FFFFFF"/>
                 </a:solidFill>
               </a14:hiddenFill>
             </a:ext>
             <a:ext uri="{91240B29-F687-4f45-9708-019B960494DF}">
-              <a14:hiddenLine xmlns="" xmlns:a14="http://schemas.microsoft.com/office/drawing/2010/main" w="9525">
+              <a14:hiddenLine xmlns:a14="http://schemas.microsoft.com/office/drawing/2010/main" xmlns="" w="9525">
                 <a:solidFill>
                   <a:srgbClr val="000000"/>
                 </a:solidFill>
@@ -4832,17 +4832,17 @@
           </a:ln>
           <a:extLst>
             <a:ext uri="{FAA26D3D-D897-4be2-8F04-BA451C77F1D7}">
-              <ma14:placeholderFlag xmlns="" xmlns:ma14="http://schemas.microsoft.com/office/mac/drawingml/2011/main" val="1"/>
+              <ma14:placeholderFlag xmlns:ma14="http://schemas.microsoft.com/office/mac/drawingml/2011/main" xmlns="" val="1"/>
             </a:ext>
             <a:ext uri="{909E8E84-426E-40dd-AFC4-6F175D3DCCD1}">
-              <a14:hiddenFill xmlns="" xmlns:a14="http://schemas.microsoft.com/office/drawing/2010/main">
+              <a14:hiddenFill xmlns:a14="http://schemas.microsoft.com/office/drawing/2010/main" xmlns="">
                 <a:solidFill>
                   <a:srgbClr val="FFFFFF"/>
                 </a:solidFill>
               </a14:hiddenFill>
             </a:ext>
             <a:ext uri="{91240B29-F687-4f45-9708-019B960494DF}">
-              <a14:hiddenLine xmlns="" xmlns:a14="http://schemas.microsoft.com/office/drawing/2010/main" w="9525">
+              <a14:hiddenLine xmlns:a14="http://schemas.microsoft.com/office/drawing/2010/main" xmlns="" w="9525">
                 <a:solidFill>
                   <a:srgbClr val="000000"/>
                 </a:solidFill>
@@ -4942,7 +4942,7 @@
           <a:p>
             <a:fld id="{F6803E09-2A09-4EEA-8E99-292225B5EDFC}" type="datetime1">
               <a:rPr lang="en-US" smtClean="0"/>
-              <a:t>1/14/2019</a:t>
+              <a:t>1/15/2019</a:t>
             </a:fld>
             <a:endParaRPr lang="en-US"/>
           </a:p>
@@ -5110,7 +5110,7 @@
           </a:ln>
           <a:extLst>
             <a:ext uri="{909E8E84-426E-40dd-AFC4-6F175D3DCCD1}">
-              <a14:hiddenFill xmlns="" xmlns:a14="http://schemas.microsoft.com/office/drawing/2010/main">
+              <a14:hiddenFill xmlns:a14="http://schemas.microsoft.com/office/drawing/2010/main" xmlns="">
                 <a:solidFill>
                   <a:srgbClr val="FFFFFF"/>
                 </a:solidFill>
@@ -5153,7 +5153,7 @@
           </a:ln>
           <a:extLst>
             <a:ext uri="{909E8E84-426E-40dd-AFC4-6F175D3DCCD1}">
-              <a14:hiddenFill xmlns="" xmlns:a14="http://schemas.microsoft.com/office/drawing/2010/main">
+              <a14:hiddenFill xmlns:a14="http://schemas.microsoft.com/office/drawing/2010/main" xmlns="">
                 <a:noFill/>
               </a14:hiddenFill>
             </a:ext>
@@ -5638,7 +5638,7 @@
           <p:cNvPr id="2" name="Title 1">
             <a:extLst>
               <a:ext uri="{FF2B5EF4-FFF2-40B4-BE49-F238E27FC236}">
-                <a16:creationId xmlns="" xmlns:a16="http://schemas.microsoft.com/office/drawing/2014/main" id="{4819A39B-28BB-4873-9914-8FEE18891DD4}"/>
+                <a16:creationId xmlns:a16="http://schemas.microsoft.com/office/drawing/2014/main" xmlns="" id="{4819A39B-28BB-4873-9914-8FEE18891DD4}"/>
               </a:ext>
             </a:extLst>
           </p:cNvPr>
@@ -5669,7 +5669,7 @@
           <p:cNvPr id="5" name="Subtitle 2">
             <a:extLst>
               <a:ext uri="{FF2B5EF4-FFF2-40B4-BE49-F238E27FC236}">
-                <a16:creationId xmlns="" xmlns:a16="http://schemas.microsoft.com/office/drawing/2014/main" id="{2BECD79D-0B3A-44C2-A155-03EC2A6A5D3B}"/>
+                <a16:creationId xmlns:a16="http://schemas.microsoft.com/office/drawing/2014/main" xmlns="" id="{2BECD79D-0B3A-44C2-A155-03EC2A6A5D3B}"/>
               </a:ext>
             </a:extLst>
           </p:cNvPr>
@@ -5692,17 +5692,17 @@
           </a:ln>
           <a:extLst>
             <a:ext uri="{FAA26D3D-D897-4be2-8F04-BA451C77F1D7}">
-              <ma14:placeholderFlag xmlns="" xmlns:ma14="http://schemas.microsoft.com/office/mac/drawingml/2011/main" val="1"/>
+              <ma14:placeholderFlag xmlns:ma14="http://schemas.microsoft.com/office/mac/drawingml/2011/main" xmlns="" val="1"/>
             </a:ext>
             <a:ext uri="{909E8E84-426E-40dd-AFC4-6F175D3DCCD1}">
-              <a14:hiddenFill xmlns="" xmlns:a14="http://schemas.microsoft.com/office/drawing/2010/main">
+              <a14:hiddenFill xmlns:a14="http://schemas.microsoft.com/office/drawing/2010/main" xmlns="">
                 <a:solidFill>
                   <a:srgbClr val="FFFFFF"/>
                 </a:solidFill>
               </a14:hiddenFill>
             </a:ext>
             <a:ext uri="{91240B29-F687-4f45-9708-019B960494DF}">
-              <a14:hiddenLine xmlns="" xmlns:a14="http://schemas.microsoft.com/office/drawing/2010/main" w="9525">
+              <a14:hiddenLine xmlns:a14="http://schemas.microsoft.com/office/drawing/2010/main" xmlns="" w="9525">
                 <a:solidFill>
                   <a:srgbClr val="000000"/>
                 </a:solidFill>
@@ -6000,7 +6000,7 @@
           <p:cNvPr id="2" name="Title 1">
             <a:extLst>
               <a:ext uri="{FF2B5EF4-FFF2-40B4-BE49-F238E27FC236}">
-                <a16:creationId xmlns="" xmlns:a16="http://schemas.microsoft.com/office/drawing/2014/main" id="{E58841CB-F12A-49AE-A0F6-FC905252F346}"/>
+                <a16:creationId xmlns:a16="http://schemas.microsoft.com/office/drawing/2014/main" xmlns="" id="{E58841CB-F12A-49AE-A0F6-FC905252F346}"/>
               </a:ext>
             </a:extLst>
           </p:cNvPr>
@@ -6029,7 +6029,7 @@
           <p:cNvPr id="3" name="Content Placeholder 2">
             <a:extLst>
               <a:ext uri="{FF2B5EF4-FFF2-40B4-BE49-F238E27FC236}">
-                <a16:creationId xmlns="" xmlns:a16="http://schemas.microsoft.com/office/drawing/2014/main" id="{2BAA9235-4720-4EA9-AAB8-5711BE621A8E}"/>
+                <a16:creationId xmlns:a16="http://schemas.microsoft.com/office/drawing/2014/main" xmlns="" id="{2BAA9235-4720-4EA9-AAB8-5711BE621A8E}"/>
               </a:ext>
             </a:extLst>
           </p:cNvPr>
@@ -6230,7 +6230,7 @@
           <p:cNvPr id="4" name="Slide Number Placeholder 3">
             <a:extLst>
               <a:ext uri="{FF2B5EF4-FFF2-40B4-BE49-F238E27FC236}">
-                <a16:creationId xmlns="" xmlns:a16="http://schemas.microsoft.com/office/drawing/2014/main" id="{28183925-41CE-45AE-9C75-56FB10A283D7}"/>
+                <a16:creationId xmlns:a16="http://schemas.microsoft.com/office/drawing/2014/main" xmlns="" id="{28183925-41CE-45AE-9C75-56FB10A283D7}"/>
               </a:ext>
             </a:extLst>
           </p:cNvPr>
@@ -6378,15 +6378,7 @@
           <a:p>
             <a:r>
               <a:rPr lang="es-419" noProof="0" dirty="0" smtClean="0"/>
-              <a:t>Puede permitir </a:t>
-            </a:r>
-            <a:r>
-              <a:rPr lang="es-419" noProof="0" dirty="0" smtClean="0"/>
-              <a:t>solo los datos guiar </a:t>
-            </a:r>
-            <a:r>
-              <a:rPr lang="es-419" noProof="0" dirty="0" smtClean="0"/>
-              <a:t>la inferencia a través de la verosimilitud </a:t>
+              <a:t>Puede permitir solo los datos guiar la inferencia a través de la verosimilitud </a:t>
             </a:r>
           </a:p>
           <a:p>
@@ -6458,6 +6450,13 @@
   <p:clrMapOvr>
     <a:masterClrMapping/>
   </p:clrMapOvr>
+  <p:timing>
+    <p:tnLst>
+      <p:par>
+        <p:cTn id="1" dur="indefinite" restart="never" nodeType="tmRoot"/>
+      </p:par>
+    </p:tnLst>
+  </p:timing>
 </p:sld>
 </file>
 
@@ -6483,7 +6482,7 @@
           <p:cNvPr id="2" name="Title 1">
             <a:extLst>
               <a:ext uri="{FF2B5EF4-FFF2-40B4-BE49-F238E27FC236}">
-                <a16:creationId xmlns="" xmlns:a16="http://schemas.microsoft.com/office/drawing/2014/main" id="{FD1B3A62-01C0-42BD-98E9-3E6390DF81DF}"/>
+                <a16:creationId xmlns:a16="http://schemas.microsoft.com/office/drawing/2014/main" xmlns="" id="{FD1B3A62-01C0-42BD-98E9-3E6390DF81DF}"/>
               </a:ext>
             </a:extLst>
           </p:cNvPr>
@@ -6525,7 +6524,7 @@
           <p:cNvPr id="3" name="Content Placeholder 2">
             <a:extLst>
               <a:ext uri="{FF2B5EF4-FFF2-40B4-BE49-F238E27FC236}">
-                <a16:creationId xmlns="" xmlns:a16="http://schemas.microsoft.com/office/drawing/2014/main" id="{1A73EBAF-5CC7-4858-9716-3C65EE0DA794}"/>
+                <a16:creationId xmlns:a16="http://schemas.microsoft.com/office/drawing/2014/main" xmlns="" id="{1A73EBAF-5CC7-4858-9716-3C65EE0DA794}"/>
               </a:ext>
             </a:extLst>
           </p:cNvPr>
@@ -6559,7 +6558,7 @@
           <p:cNvPr id="21" name="Group 20">
             <a:extLst>
               <a:ext uri="{FF2B5EF4-FFF2-40B4-BE49-F238E27FC236}">
-                <a16:creationId xmlns="" xmlns:a16="http://schemas.microsoft.com/office/drawing/2014/main" id="{8F921A97-963E-421A-B56B-BD8146171A30}"/>
+                <a16:creationId xmlns:a16="http://schemas.microsoft.com/office/drawing/2014/main" xmlns="" id="{8F921A97-963E-421A-B56B-BD8146171A30}"/>
               </a:ext>
             </a:extLst>
           </p:cNvPr>
@@ -6579,7 +6578,7 @@
             <p:cNvPr id="6" name="Arrow: Curved Left 5">
               <a:extLst>
                 <a:ext uri="{FF2B5EF4-FFF2-40B4-BE49-F238E27FC236}">
-                  <a16:creationId xmlns="" xmlns:a16="http://schemas.microsoft.com/office/drawing/2014/main" id="{09B887B1-DF79-42AF-927C-7AFEB95AE5A5}"/>
+                  <a16:creationId xmlns:a16="http://schemas.microsoft.com/office/drawing/2014/main" xmlns="" id="{09B887B1-DF79-42AF-927C-7AFEB95AE5A5}"/>
                 </a:ext>
               </a:extLst>
             </p:cNvPr>
@@ -6637,7 +6636,7 @@
             <p:cNvPr id="8" name="Arrow: Curved Left 7">
               <a:extLst>
                 <a:ext uri="{FF2B5EF4-FFF2-40B4-BE49-F238E27FC236}">
-                  <a16:creationId xmlns="" xmlns:a16="http://schemas.microsoft.com/office/drawing/2014/main" id="{336D464C-8C3B-47F3-AA22-C184D3DA504A}"/>
+                  <a16:creationId xmlns:a16="http://schemas.microsoft.com/office/drawing/2014/main" xmlns="" id="{336D464C-8C3B-47F3-AA22-C184D3DA504A}"/>
                 </a:ext>
               </a:extLst>
             </p:cNvPr>
@@ -6693,7 +6692,7 @@
             <p:cNvPr id="10" name="Rectangle 9">
               <a:extLst>
                 <a:ext uri="{FF2B5EF4-FFF2-40B4-BE49-F238E27FC236}">
-                  <a16:creationId xmlns="" xmlns:a16="http://schemas.microsoft.com/office/drawing/2014/main" id="{36942E7F-C513-4000-A7D5-7ED847131CA5}"/>
+                  <a16:creationId xmlns:a16="http://schemas.microsoft.com/office/drawing/2014/main" xmlns="" id="{36942E7F-C513-4000-A7D5-7ED847131CA5}"/>
                 </a:ext>
               </a:extLst>
             </p:cNvPr>
@@ -6752,7 +6751,7 @@
             <p:cNvPr id="11" name="Rectangle 10">
               <a:extLst>
                 <a:ext uri="{FF2B5EF4-FFF2-40B4-BE49-F238E27FC236}">
-                  <a16:creationId xmlns="" xmlns:a16="http://schemas.microsoft.com/office/drawing/2014/main" id="{5133CD7D-83B9-467B-AD1B-D84B8739D430}"/>
+                  <a16:creationId xmlns:a16="http://schemas.microsoft.com/office/drawing/2014/main" xmlns="" id="{5133CD7D-83B9-467B-AD1B-D84B8739D430}"/>
                 </a:ext>
               </a:extLst>
             </p:cNvPr>
@@ -6816,7 +6815,7 @@
             <p:cNvPr id="12" name="Rectangle 11">
               <a:extLst>
                 <a:ext uri="{FF2B5EF4-FFF2-40B4-BE49-F238E27FC236}">
-                  <a16:creationId xmlns="" xmlns:a16="http://schemas.microsoft.com/office/drawing/2014/main" id="{B804B82B-E689-492E-BB85-EF39CEAECA91}"/>
+                  <a16:creationId xmlns:a16="http://schemas.microsoft.com/office/drawing/2014/main" xmlns="" id="{B804B82B-E689-492E-BB85-EF39CEAECA91}"/>
                 </a:ext>
               </a:extLst>
             </p:cNvPr>
@@ -6884,7 +6883,7 @@
                 <p:cNvPr id="14" name="TextBox 13">
                   <a:extLst>
                     <a:ext uri="{FF2B5EF4-FFF2-40B4-BE49-F238E27FC236}">
-                      <a16:creationId xmlns="" xmlns:a16="http://schemas.microsoft.com/office/drawing/2014/main" id="{FE7DFB28-6C7F-4CC2-B9A0-E6FCD0B36DB0}"/>
+                      <a16:creationId xmlns:a16="http://schemas.microsoft.com/office/drawing/2014/main" xmlns="" id="{FE7DFB28-6C7F-4CC2-B9A0-E6FCD0B36DB0}"/>
                     </a:ext>
                   </a:extLst>
                 </p:cNvPr>
@@ -7014,7 +7013,7 @@
                 <p:cNvPr id="16" name="TextBox 15">
                   <a:extLst>
                     <a:ext uri="{FF2B5EF4-FFF2-40B4-BE49-F238E27FC236}">
-                      <a16:creationId xmlns="" xmlns:a16="http://schemas.microsoft.com/office/drawing/2014/main" id="{A497C3B0-C6B4-4AF4-B996-10A3B63A35C9}"/>
+                      <a16:creationId xmlns:a16="http://schemas.microsoft.com/office/drawing/2014/main" xmlns="" id="{A497C3B0-C6B4-4AF4-B996-10A3B63A35C9}"/>
                     </a:ext>
                   </a:extLst>
                 </p:cNvPr>
@@ -7116,7 +7115,7 @@
                 <p:cNvPr id="17" name="TextBox 16">
                   <a:extLst>
                     <a:ext uri="{FF2B5EF4-FFF2-40B4-BE49-F238E27FC236}">
-                      <a16:creationId xmlns="" xmlns:a16="http://schemas.microsoft.com/office/drawing/2014/main" id="{D85449E1-91DC-4331-88F6-186931F188FD}"/>
+                      <a16:creationId xmlns:a16="http://schemas.microsoft.com/office/drawing/2014/main" xmlns="" id="{D85449E1-91DC-4331-88F6-186931F188FD}"/>
                     </a:ext>
                   </a:extLst>
                 </p:cNvPr>
@@ -7218,7 +7217,7 @@
                 <p:cNvPr id="18" name="TextBox 17">
                   <a:extLst>
                     <a:ext uri="{FF2B5EF4-FFF2-40B4-BE49-F238E27FC236}">
-                      <a16:creationId xmlns="" xmlns:a16="http://schemas.microsoft.com/office/drawing/2014/main" id="{ACBE0D2A-A958-4220-ACC2-9A15C087815F}"/>
+                      <a16:creationId xmlns:a16="http://schemas.microsoft.com/office/drawing/2014/main" xmlns="" id="{ACBE0D2A-A958-4220-ACC2-9A15C087815F}"/>
                     </a:ext>
                   </a:extLst>
                 </p:cNvPr>
@@ -7348,7 +7347,7 @@
             <p:cNvPr id="19" name="Rectangle 18">
               <a:extLst>
                 <a:ext uri="{FF2B5EF4-FFF2-40B4-BE49-F238E27FC236}">
-                  <a16:creationId xmlns="" xmlns:a16="http://schemas.microsoft.com/office/drawing/2014/main" id="{9CC1A378-EE52-44AA-87A4-6B10CF12423D}"/>
+                  <a16:creationId xmlns:a16="http://schemas.microsoft.com/office/drawing/2014/main" xmlns="" id="{9CC1A378-EE52-44AA-87A4-6B10CF12423D}"/>
                 </a:ext>
               </a:extLst>
             </p:cNvPr>
@@ -7424,7 +7423,7 @@
             <p:cNvPr id="20" name="Rectangle 19">
               <a:extLst>
                 <a:ext uri="{FF2B5EF4-FFF2-40B4-BE49-F238E27FC236}">
-                  <a16:creationId xmlns="" xmlns:a16="http://schemas.microsoft.com/office/drawing/2014/main" id="{7C32FF97-82AB-459F-9A18-E93A14F08605}"/>
+                  <a16:creationId xmlns:a16="http://schemas.microsoft.com/office/drawing/2014/main" xmlns="" id="{7C32FF97-82AB-459F-9A18-E93A14F08605}"/>
                 </a:ext>
               </a:extLst>
             </p:cNvPr>
@@ -7477,7 +7476,7 @@
           <p:cNvPr id="4" name="Slide Number Placeholder 3">
             <a:extLst>
               <a:ext uri="{FF2B5EF4-FFF2-40B4-BE49-F238E27FC236}">
-                <a16:creationId xmlns="" xmlns:a16="http://schemas.microsoft.com/office/drawing/2014/main" id="{E675AE5E-8898-4E79-B312-DCF3854FF1CD}"/>
+                <a16:creationId xmlns:a16="http://schemas.microsoft.com/office/drawing/2014/main" xmlns="" id="{E675AE5E-8898-4E79-B312-DCF3854FF1CD}"/>
               </a:ext>
             </a:extLst>
           </p:cNvPr>
@@ -7511,6 +7510,13 @@
   <p:clrMapOvr>
     <a:masterClrMapping/>
   </p:clrMapOvr>
+  <p:timing>
+    <p:tnLst>
+      <p:par>
+        <p:cTn id="1" dur="indefinite" restart="never" nodeType="tmRoot"/>
+      </p:par>
+    </p:tnLst>
+  </p:timing>
 </p:sld>
 </file>
 
@@ -7536,7 +7542,7 @@
           <p:cNvPr id="2" name="Title 1">
             <a:extLst>
               <a:ext uri="{FF2B5EF4-FFF2-40B4-BE49-F238E27FC236}">
-                <a16:creationId xmlns="" xmlns:a16="http://schemas.microsoft.com/office/drawing/2014/main" id="{832E4AE2-73F3-4A71-A5B1-C4D167002839}"/>
+                <a16:creationId xmlns:a16="http://schemas.microsoft.com/office/drawing/2014/main" xmlns="" id="{832E4AE2-73F3-4A71-A5B1-C4D167002839}"/>
               </a:ext>
             </a:extLst>
           </p:cNvPr>
@@ -7575,7 +7581,7 @@
               <p:cNvPr id="3" name="Content Placeholder 2">
                 <a:extLst>
                   <a:ext uri="{FF2B5EF4-FFF2-40B4-BE49-F238E27FC236}">
-                    <a16:creationId xmlns="" xmlns:a16="http://schemas.microsoft.com/office/drawing/2014/main" id="{FF8BA17E-8FE4-408F-AC39-CBB02FBF5899}"/>
+                    <a16:creationId xmlns:a16="http://schemas.microsoft.com/office/drawing/2014/main" xmlns="" id="{FF8BA17E-8FE4-408F-AC39-CBB02FBF5899}"/>
                   </a:ext>
                 </a:extLst>
               </p:cNvPr>
@@ -8348,7 +8354,7 @@
           <p:cNvPr id="4" name="TextBox 3">
             <a:extLst>
               <a:ext uri="{FF2B5EF4-FFF2-40B4-BE49-F238E27FC236}">
-                <a16:creationId xmlns="" xmlns:a16="http://schemas.microsoft.com/office/drawing/2014/main" id="{7C851503-9ED9-47E6-BB00-56058E135711}"/>
+                <a16:creationId xmlns:a16="http://schemas.microsoft.com/office/drawing/2014/main" xmlns="" id="{7C851503-9ED9-47E6-BB00-56058E135711}"/>
               </a:ext>
             </a:extLst>
           </p:cNvPr>
@@ -8413,7 +8419,7 @@
           <p:cNvPr id="5" name="Slide Number Placeholder 4">
             <a:extLst>
               <a:ext uri="{FF2B5EF4-FFF2-40B4-BE49-F238E27FC236}">
-                <a16:creationId xmlns="" xmlns:a16="http://schemas.microsoft.com/office/drawing/2014/main" id="{687F83C9-054F-44CD-93EB-603CA7CBA1E1}"/>
+                <a16:creationId xmlns:a16="http://schemas.microsoft.com/office/drawing/2014/main" xmlns="" id="{687F83C9-054F-44CD-93EB-603CA7CBA1E1}"/>
               </a:ext>
             </a:extLst>
           </p:cNvPr>
@@ -8550,7 +8556,7 @@
           <p:cNvPr id="2" name="Title 1">
             <a:extLst>
               <a:ext uri="{FF2B5EF4-FFF2-40B4-BE49-F238E27FC236}">
-                <a16:creationId xmlns="" xmlns:a16="http://schemas.microsoft.com/office/drawing/2014/main" id="{3F85E31D-5021-4B9C-A2F6-6670EA453677}"/>
+                <a16:creationId xmlns:a16="http://schemas.microsoft.com/office/drawing/2014/main" xmlns="" id="{3F85E31D-5021-4B9C-A2F6-6670EA453677}"/>
               </a:ext>
             </a:extLst>
           </p:cNvPr>
@@ -8584,7 +8590,7 @@
           <p:cNvPr id="3" name="Content Placeholder 2">
             <a:extLst>
               <a:ext uri="{FF2B5EF4-FFF2-40B4-BE49-F238E27FC236}">
-                <a16:creationId xmlns="" xmlns:a16="http://schemas.microsoft.com/office/drawing/2014/main" id="{28B492CE-B56B-411E-ACCC-F83AC37AA46D}"/>
+                <a16:creationId xmlns:a16="http://schemas.microsoft.com/office/drawing/2014/main" xmlns="" id="{28B492CE-B56B-411E-ACCC-F83AC37AA46D}"/>
               </a:ext>
             </a:extLst>
           </p:cNvPr>
@@ -8629,27 +8635,35 @@
           <a:p>
             <a:r>
               <a:rPr lang="es-419" noProof="0" dirty="0" smtClean="0"/>
-              <a:t>Repetirlo per con y={5,4,7} </a:t>
+              <a:t>Repetirlo </a:t>
             </a:r>
             <a:r>
               <a:rPr lang="es-419" noProof="0" dirty="0" smtClean="0"/>
-              <a:t>independiente y </a:t>
-            </a:r>
-            <a:r>
-              <a:rPr lang="es-419" noProof="0" dirty="0" err="1" smtClean="0"/>
-              <a:t>finalment</a:t>
+              <a:t>con </a:t>
+            </a:r>
+            <a:r>
+              <a:rPr lang="es-419" noProof="0" dirty="0" smtClean="0"/>
+              <a:t>y={5,4,7} independiente y </a:t>
+            </a:r>
+            <a:r>
+              <a:rPr lang="es-419" noProof="0" dirty="0" smtClean="0"/>
+              <a:t>finalmente</a:t>
             </a:r>
             <a:r>
               <a:rPr lang="es-419" dirty="0" smtClean="0"/>
-              <a:t>e crea otra versión de la segunda que es un </a:t>
-            </a:r>
-            <a:r>
-              <a:rPr lang="es-419" dirty="0" err="1" smtClean="0"/>
-              <a:t>logoritmo</a:t>
+              <a:t> </a:t>
             </a:r>
             <a:r>
               <a:rPr lang="es-419" dirty="0" smtClean="0"/>
-              <a:t> de la verosimilitud</a:t>
+              <a:t>crea otra versión de la segunda que es un </a:t>
+            </a:r>
+            <a:r>
+              <a:rPr lang="es-419" dirty="0" smtClean="0"/>
+              <a:t>logaritmo </a:t>
+            </a:r>
+            <a:r>
+              <a:rPr lang="es-419" dirty="0" smtClean="0"/>
+              <a:t>de la verosimilitud</a:t>
             </a:r>
             <a:r>
               <a:rPr lang="es-419" noProof="0" dirty="0" smtClean="0"/>
@@ -8664,7 +8678,7 @@
           <p:cNvPr id="4" name="Slide Number Placeholder 3">
             <a:extLst>
               <a:ext uri="{FF2B5EF4-FFF2-40B4-BE49-F238E27FC236}">
-                <a16:creationId xmlns="" xmlns:a16="http://schemas.microsoft.com/office/drawing/2014/main" id="{BD9D5B62-D3A3-4A35-8CF4-6C1E2C7FCA0C}"/>
+                <a16:creationId xmlns:a16="http://schemas.microsoft.com/office/drawing/2014/main" xmlns="" id="{BD9D5B62-D3A3-4A35-8CF4-6C1E2C7FCA0C}"/>
               </a:ext>
             </a:extLst>
           </p:cNvPr>
@@ -8759,7 +8773,7 @@
           <p:cNvPr id="2" name="Title 1">
             <a:extLst>
               <a:ext uri="{FF2B5EF4-FFF2-40B4-BE49-F238E27FC236}">
-                <a16:creationId xmlns="" xmlns:a16="http://schemas.microsoft.com/office/drawing/2014/main" id="{DB3311B8-0CB5-41BD-B9C6-E65BF9B5010E}"/>
+                <a16:creationId xmlns:a16="http://schemas.microsoft.com/office/drawing/2014/main" xmlns="" id="{DB3311B8-0CB5-41BD-B9C6-E65BF9B5010E}"/>
               </a:ext>
             </a:extLst>
           </p:cNvPr>
@@ -8788,7 +8802,7 @@
           <p:cNvPr id="3" name="Content Placeholder 2">
             <a:extLst>
               <a:ext uri="{FF2B5EF4-FFF2-40B4-BE49-F238E27FC236}">
-                <a16:creationId xmlns="" xmlns:a16="http://schemas.microsoft.com/office/drawing/2014/main" id="{DA46C4D9-8E78-46D8-B959-3247D862F22C}"/>
+                <a16:creationId xmlns:a16="http://schemas.microsoft.com/office/drawing/2014/main" xmlns="" id="{DA46C4D9-8E78-46D8-B959-3247D862F22C}"/>
               </a:ext>
             </a:extLst>
           </p:cNvPr>
@@ -8935,7 +8949,7 @@
           <p:cNvPr id="4" name="Slide Number Placeholder 3">
             <a:extLst>
               <a:ext uri="{FF2B5EF4-FFF2-40B4-BE49-F238E27FC236}">
-                <a16:creationId xmlns="" xmlns:a16="http://schemas.microsoft.com/office/drawing/2014/main" id="{4BBD4CAD-4687-4CE2-8031-203165E740F6}"/>
+                <a16:creationId xmlns:a16="http://schemas.microsoft.com/office/drawing/2014/main" xmlns="" id="{4BBD4CAD-4687-4CE2-8031-203165E740F6}"/>
               </a:ext>
             </a:extLst>
           </p:cNvPr>
@@ -8969,6 +8983,13 @@
   <p:clrMapOvr>
     <a:masterClrMapping/>
   </p:clrMapOvr>
+  <p:timing>
+    <p:tnLst>
+      <p:par>
+        <p:cTn id="1" dur="indefinite" restart="never" nodeType="tmRoot"/>
+      </p:par>
+    </p:tnLst>
+  </p:timing>
 </p:sld>
 </file>
 
@@ -9192,7 +9213,7 @@
           <p:cNvPr id="2" name="Title 1">
             <a:extLst>
               <a:ext uri="{FF2B5EF4-FFF2-40B4-BE49-F238E27FC236}">
-                <a16:creationId xmlns="" xmlns:a16="http://schemas.microsoft.com/office/drawing/2014/main" id="{D93C4D9F-B390-4411-A659-8F4C31F35C3D}"/>
+                <a16:creationId xmlns:a16="http://schemas.microsoft.com/office/drawing/2014/main" xmlns="" id="{D93C4D9F-B390-4411-A659-8F4C31F35C3D}"/>
               </a:ext>
             </a:extLst>
           </p:cNvPr>
@@ -9221,7 +9242,7 @@
           <p:cNvPr id="3" name="Content Placeholder 2">
             <a:extLst>
               <a:ext uri="{FF2B5EF4-FFF2-40B4-BE49-F238E27FC236}">
-                <a16:creationId xmlns="" xmlns:a16="http://schemas.microsoft.com/office/drawing/2014/main" id="{4C0195F5-51A8-4953-90B5-7B4796165D32}"/>
+                <a16:creationId xmlns:a16="http://schemas.microsoft.com/office/drawing/2014/main" xmlns="" id="{4C0195F5-51A8-4953-90B5-7B4796165D32}"/>
               </a:ext>
             </a:extLst>
           </p:cNvPr>
@@ -9315,7 +9336,7 @@
           <p:cNvPr id="4" name="Slide Number Placeholder 3">
             <a:extLst>
               <a:ext uri="{FF2B5EF4-FFF2-40B4-BE49-F238E27FC236}">
-                <a16:creationId xmlns="" xmlns:a16="http://schemas.microsoft.com/office/drawing/2014/main" id="{5D16BDA1-6E7A-4204-98A7-E532BAD50AC0}"/>
+                <a16:creationId xmlns:a16="http://schemas.microsoft.com/office/drawing/2014/main" xmlns="" id="{5D16BDA1-6E7A-4204-98A7-E532BAD50AC0}"/>
               </a:ext>
             </a:extLst>
           </p:cNvPr>
@@ -9344,7 +9365,7 @@
           <p:cNvPr id="8" name="Object 7">
             <a:extLst>
               <a:ext uri="{FF2B5EF4-FFF2-40B4-BE49-F238E27FC236}">
-                <a16:creationId xmlns="" xmlns:a16="http://schemas.microsoft.com/office/drawing/2014/main" id="{3D933AA6-3CA4-48B7-8B31-A6372A48D17C}"/>
+                <a16:creationId xmlns:a16="http://schemas.microsoft.com/office/drawing/2014/main" xmlns="" id="{3D933AA6-3CA4-48B7-8B31-A6372A48D17C}"/>
               </a:ext>
             </a:extLst>
           </p:cNvPr>
@@ -9363,7 +9384,7 @@
           <a:graphicData uri="http://schemas.openxmlformats.org/presentationml/2006/ole">
             <mc:AlternateContent xmlns:mc="http://schemas.openxmlformats.org/markup-compatibility/2006">
               <mc:Choice xmlns:v="urn:schemas-microsoft-com:vml" Requires="v">
-                <p:oleObj spid="_x0000_s6244" name="Equation" r:id="rId3" imgW="2831760" imgH="1904760" progId="Equation.DSMT4">
+                <p:oleObj spid="_x0000_s6260" name="Equation" r:id="rId3" imgW="2831760" imgH="1904760" progId="Equation.DSMT4">
                   <p:embed/>
                 </p:oleObj>
               </mc:Choice>
@@ -9375,7 +9396,7 @@
                       <p:cNvPr id="8" name="Object 7">
                         <a:extLst>
                           <a:ext uri="{FF2B5EF4-FFF2-40B4-BE49-F238E27FC236}">
-                            <a16:creationId xmlns="" xmlns:a16="http://schemas.microsoft.com/office/drawing/2014/main" id="{3D933AA6-3CA4-48B7-8B31-A6372A48D17C}"/>
+                            <a16:creationId xmlns:a16="http://schemas.microsoft.com/office/drawing/2014/main" xmlns="" id="{3D933AA6-3CA4-48B7-8B31-A6372A48D17C}"/>
                           </a:ext>
                         </a:extLst>
                       </p:cNvPr>
@@ -9409,7 +9430,7 @@
           <p:cNvPr id="11" name="TextBox 10">
             <a:extLst>
               <a:ext uri="{FF2B5EF4-FFF2-40B4-BE49-F238E27FC236}">
-                <a16:creationId xmlns="" xmlns:a16="http://schemas.microsoft.com/office/drawing/2014/main" id="{F3519081-56D8-4D6D-8914-2508D3432FBF}"/>
+                <a16:creationId xmlns:a16="http://schemas.microsoft.com/office/drawing/2014/main" xmlns="" id="{F3519081-56D8-4D6D-8914-2508D3432FBF}"/>
               </a:ext>
             </a:extLst>
           </p:cNvPr>
@@ -9444,7 +9465,7 @@
           <p:cNvPr id="12" name="Object 11">
             <a:extLst>
               <a:ext uri="{FF2B5EF4-FFF2-40B4-BE49-F238E27FC236}">
-                <a16:creationId xmlns="" xmlns:a16="http://schemas.microsoft.com/office/drawing/2014/main" id="{42F47534-6BB7-482C-BFF7-E22E91606A29}"/>
+                <a16:creationId xmlns:a16="http://schemas.microsoft.com/office/drawing/2014/main" xmlns="" id="{42F47534-6BB7-482C-BFF7-E22E91606A29}"/>
               </a:ext>
             </a:extLst>
           </p:cNvPr>
@@ -9463,7 +9484,7 @@
           <a:graphicData uri="http://schemas.openxmlformats.org/presentationml/2006/ole">
             <mc:AlternateContent xmlns:mc="http://schemas.openxmlformats.org/markup-compatibility/2006">
               <mc:Choice xmlns:v="urn:schemas-microsoft-com:vml" Requires="v">
-                <p:oleObj spid="_x0000_s6245" name="Equation" r:id="rId5" imgW="1028520" imgH="965160" progId="Equation.DSMT4">
+                <p:oleObj spid="_x0000_s6261" name="Equation" r:id="rId5" imgW="1028520" imgH="965160" progId="Equation.DSMT4">
                   <p:embed/>
                 </p:oleObj>
               </mc:Choice>
@@ -9475,7 +9496,7 @@
                       <p:cNvPr id="12" name="Object 11">
                         <a:extLst>
                           <a:ext uri="{FF2B5EF4-FFF2-40B4-BE49-F238E27FC236}">
-                            <a16:creationId xmlns="" xmlns:a16="http://schemas.microsoft.com/office/drawing/2014/main" id="{42F47534-6BB7-482C-BFF7-E22E91606A29}"/>
+                            <a16:creationId xmlns:a16="http://schemas.microsoft.com/office/drawing/2014/main" xmlns="" id="{42F47534-6BB7-482C-BFF7-E22E91606A29}"/>
                           </a:ext>
                         </a:extLst>
                       </p:cNvPr>
@@ -9514,6 +9535,13 @@
   <p:clrMapOvr>
     <a:masterClrMapping/>
   </p:clrMapOvr>
+  <p:timing>
+    <p:tnLst>
+      <p:par>
+        <p:cTn id="1" dur="indefinite" restart="never" nodeType="tmRoot"/>
+      </p:par>
+    </p:tnLst>
+  </p:timing>
 </p:sld>
 </file>
 
@@ -9539,7 +9567,7 @@
           <p:cNvPr id="2" name="Title 1">
             <a:extLst>
               <a:ext uri="{FF2B5EF4-FFF2-40B4-BE49-F238E27FC236}">
-                <a16:creationId xmlns="" xmlns:a16="http://schemas.microsoft.com/office/drawing/2014/main" id="{D93C4D9F-B390-4411-A659-8F4C31F35C3D}"/>
+                <a16:creationId xmlns:a16="http://schemas.microsoft.com/office/drawing/2014/main" xmlns="" id="{D93C4D9F-B390-4411-A659-8F4C31F35C3D}"/>
               </a:ext>
             </a:extLst>
           </p:cNvPr>
@@ -9568,7 +9596,7 @@
           <p:cNvPr id="3" name="Content Placeholder 2">
             <a:extLst>
               <a:ext uri="{FF2B5EF4-FFF2-40B4-BE49-F238E27FC236}">
-                <a16:creationId xmlns="" xmlns:a16="http://schemas.microsoft.com/office/drawing/2014/main" id="{4C0195F5-51A8-4953-90B5-7B4796165D32}"/>
+                <a16:creationId xmlns:a16="http://schemas.microsoft.com/office/drawing/2014/main" xmlns="" id="{4C0195F5-51A8-4953-90B5-7B4796165D32}"/>
               </a:ext>
             </a:extLst>
           </p:cNvPr>
@@ -9723,7 +9751,6 @@
               <a:rPr lang="es-419" sz="2400" noProof="0" dirty="0" smtClean="0"/>
               <a:t>: prior, verosimilitud y posterior]</a:t>
             </a:r>
-            <a:endParaRPr lang="es-419" sz="2400" noProof="0" dirty="0" smtClean="0"/>
           </a:p>
           <a:p>
             <a:endParaRPr lang="es-419" sz="2400" i="1" noProof="0" dirty="0"/>
@@ -9735,7 +9762,7 @@
           <p:cNvPr id="4" name="Slide Number Placeholder 3">
             <a:extLst>
               <a:ext uri="{FF2B5EF4-FFF2-40B4-BE49-F238E27FC236}">
-                <a16:creationId xmlns="" xmlns:a16="http://schemas.microsoft.com/office/drawing/2014/main" id="{5D16BDA1-6E7A-4204-98A7-E532BAD50AC0}"/>
+                <a16:creationId xmlns:a16="http://schemas.microsoft.com/office/drawing/2014/main" xmlns="" id="{5D16BDA1-6E7A-4204-98A7-E532BAD50AC0}"/>
               </a:ext>
             </a:extLst>
           </p:cNvPr>
@@ -9764,7 +9791,7 @@
           <p:cNvPr id="11" name="TextBox 10">
             <a:extLst>
               <a:ext uri="{FF2B5EF4-FFF2-40B4-BE49-F238E27FC236}">
-                <a16:creationId xmlns="" xmlns:a16="http://schemas.microsoft.com/office/drawing/2014/main" id="{F3519081-56D8-4D6D-8914-2508D3432FBF}"/>
+                <a16:creationId xmlns:a16="http://schemas.microsoft.com/office/drawing/2014/main" xmlns="" id="{F3519081-56D8-4D6D-8914-2508D3432FBF}"/>
               </a:ext>
             </a:extLst>
           </p:cNvPr>
@@ -9799,7 +9826,7 @@
           <p:cNvPr id="12" name="Object 11">
             <a:extLst>
               <a:ext uri="{FF2B5EF4-FFF2-40B4-BE49-F238E27FC236}">
-                <a16:creationId xmlns="" xmlns:a16="http://schemas.microsoft.com/office/drawing/2014/main" id="{42F47534-6BB7-482C-BFF7-E22E91606A29}"/>
+                <a16:creationId xmlns:a16="http://schemas.microsoft.com/office/drawing/2014/main" xmlns="" id="{42F47534-6BB7-482C-BFF7-E22E91606A29}"/>
               </a:ext>
             </a:extLst>
           </p:cNvPr>
@@ -9809,20 +9836,20 @@
           <p:nvPr>
             <p:extLst>
               <p:ext uri="{D42A27DB-BD31-4B8C-83A1-F6EECF244321}">
-                <p14:modId xmlns:p14="http://schemas.microsoft.com/office/powerpoint/2010/main" val="2255506054"/>
+                <p14:modId xmlns:p14="http://schemas.microsoft.com/office/powerpoint/2010/main" val="493739776"/>
               </p:ext>
             </p:extLst>
           </p:nvPr>
         </p:nvGraphicFramePr>
         <p:xfrm>
-          <a:off x="6365875" y="2319339"/>
+          <a:off x="6365875" y="2327728"/>
           <a:ext cx="2133600" cy="2003425"/>
         </p:xfrm>
         <a:graphic>
           <a:graphicData uri="http://schemas.openxmlformats.org/presentationml/2006/ole">
             <mc:AlternateContent xmlns:mc="http://schemas.openxmlformats.org/markup-compatibility/2006">
               <mc:Choice xmlns:v="urn:schemas-microsoft-com:vml" Requires="v">
-                <p:oleObj spid="_x0000_s7268" name="Equation" r:id="rId3" imgW="1028520" imgH="965160" progId="Equation.DSMT4">
+                <p:oleObj spid="_x0000_s7284" name="Equation" r:id="rId3" imgW="1028520" imgH="965160" progId="Equation.DSMT4">
                   <p:embed/>
                 </p:oleObj>
               </mc:Choice>
@@ -9834,7 +9861,7 @@
                       <p:cNvPr id="12" name="Object 11">
                         <a:extLst>
                           <a:ext uri="{FF2B5EF4-FFF2-40B4-BE49-F238E27FC236}">
-                            <a16:creationId xmlns="" xmlns:a16="http://schemas.microsoft.com/office/drawing/2014/main" id="{42F47534-6BB7-482C-BFF7-E22E91606A29}"/>
+                            <a16:creationId xmlns:a16="http://schemas.microsoft.com/office/drawing/2014/main" xmlns="" id="{42F47534-6BB7-482C-BFF7-E22E91606A29}"/>
                           </a:ext>
                         </a:extLst>
                       </p:cNvPr>
@@ -9849,7 +9876,7 @@
                     </p:blipFill>
                     <p:spPr>
                       <a:xfrm>
-                        <a:off x="6365875" y="2319339"/>
+                        <a:off x="6365875" y="2327728"/>
                         <a:ext cx="2133600" cy="2003425"/>
                       </a:xfrm>
                       <a:prstGeom prst="rect">
@@ -9868,7 +9895,7 @@
           <p:cNvPr id="9" name="Object 8">
             <a:extLst>
               <a:ext uri="{FF2B5EF4-FFF2-40B4-BE49-F238E27FC236}">
-                <a16:creationId xmlns="" xmlns:a16="http://schemas.microsoft.com/office/drawing/2014/main" id="{BBB81E51-8CAC-4532-A30F-E7FA0F55279C}"/>
+                <a16:creationId xmlns:a16="http://schemas.microsoft.com/office/drawing/2014/main" xmlns="" id="{BBB81E51-8CAC-4532-A30F-E7FA0F55279C}"/>
               </a:ext>
             </a:extLst>
           </p:cNvPr>
@@ -9887,7 +9914,7 @@
           <a:graphicData uri="http://schemas.openxmlformats.org/presentationml/2006/ole">
             <mc:AlternateContent xmlns:mc="http://schemas.openxmlformats.org/markup-compatibility/2006">
               <mc:Choice xmlns:v="urn:schemas-microsoft-com:vml" Requires="v">
-                <p:oleObj spid="_x0000_s7269" name="Equation" r:id="rId5" imgW="1739880" imgH="533160" progId="Equation.DSMT4">
+                <p:oleObj spid="_x0000_s7285" name="Equation" r:id="rId5" imgW="1739880" imgH="533160" progId="Equation.DSMT4">
                   <p:embed/>
                 </p:oleObj>
               </mc:Choice>
@@ -9899,7 +9926,7 @@
                       <p:cNvPr id="9" name="Object 8">
                         <a:extLst>
                           <a:ext uri="{FF2B5EF4-FFF2-40B4-BE49-F238E27FC236}">
-                            <a16:creationId xmlns="" xmlns:a16="http://schemas.microsoft.com/office/drawing/2014/main" id="{BBB81E51-8CAC-4532-A30F-E7FA0F55279C}"/>
+                            <a16:creationId xmlns:a16="http://schemas.microsoft.com/office/drawing/2014/main" xmlns="" id="{BBB81E51-8CAC-4532-A30F-E7FA0F55279C}"/>
                           </a:ext>
                         </a:extLst>
                       </p:cNvPr>
@@ -10104,7 +10131,7 @@
           <p:cNvPr id="2" name="Title 1">
             <a:extLst>
               <a:ext uri="{FF2B5EF4-FFF2-40B4-BE49-F238E27FC236}">
-                <a16:creationId xmlns="" xmlns:a16="http://schemas.microsoft.com/office/drawing/2014/main" id="{D93C4D9F-B390-4411-A659-8F4C31F35C3D}"/>
+                <a16:creationId xmlns:a16="http://schemas.microsoft.com/office/drawing/2014/main" xmlns="" id="{D93C4D9F-B390-4411-A659-8F4C31F35C3D}"/>
               </a:ext>
             </a:extLst>
           </p:cNvPr>
@@ -10133,7 +10160,7 @@
           <p:cNvPr id="3" name="Content Placeholder 2">
             <a:extLst>
               <a:ext uri="{FF2B5EF4-FFF2-40B4-BE49-F238E27FC236}">
-                <a16:creationId xmlns="" xmlns:a16="http://schemas.microsoft.com/office/drawing/2014/main" id="{4C0195F5-51A8-4953-90B5-7B4796165D32}"/>
+                <a16:creationId xmlns:a16="http://schemas.microsoft.com/office/drawing/2014/main" xmlns="" id="{4C0195F5-51A8-4953-90B5-7B4796165D32}"/>
               </a:ext>
             </a:extLst>
           </p:cNvPr>
@@ -10190,7 +10217,7 @@
           <p:cNvPr id="4" name="Slide Number Placeholder 3">
             <a:extLst>
               <a:ext uri="{FF2B5EF4-FFF2-40B4-BE49-F238E27FC236}">
-                <a16:creationId xmlns="" xmlns:a16="http://schemas.microsoft.com/office/drawing/2014/main" id="{5D16BDA1-6E7A-4204-98A7-E532BAD50AC0}"/>
+                <a16:creationId xmlns:a16="http://schemas.microsoft.com/office/drawing/2014/main" xmlns="" id="{5D16BDA1-6E7A-4204-98A7-E532BAD50AC0}"/>
               </a:ext>
             </a:extLst>
           </p:cNvPr>
@@ -10219,7 +10246,7 @@
           <p:cNvPr id="7" name="Picture 6">
             <a:extLst>
               <a:ext uri="{FF2B5EF4-FFF2-40B4-BE49-F238E27FC236}">
-                <a16:creationId xmlns="" xmlns:a16="http://schemas.microsoft.com/office/drawing/2014/main" id="{FEA162F8-F1E7-4D75-BBC5-F01A21D554AA}"/>
+                <a16:creationId xmlns:a16="http://schemas.microsoft.com/office/drawing/2014/main" xmlns="" id="{FEA162F8-F1E7-4D75-BBC5-F01A21D554AA}"/>
               </a:ext>
             </a:extLst>
           </p:cNvPr>
@@ -10292,7 +10319,7 @@
           <p:cNvPr id="2" name="Title 1">
             <a:extLst>
               <a:ext uri="{FF2B5EF4-FFF2-40B4-BE49-F238E27FC236}">
-                <a16:creationId xmlns="" xmlns:a16="http://schemas.microsoft.com/office/drawing/2014/main" id="{3F85E31D-5021-4B9C-A2F6-6670EA453677}"/>
+                <a16:creationId xmlns:a16="http://schemas.microsoft.com/office/drawing/2014/main" xmlns="" id="{3F85E31D-5021-4B9C-A2F6-6670EA453677}"/>
               </a:ext>
             </a:extLst>
           </p:cNvPr>
@@ -10321,7 +10348,7 @@
           <p:cNvPr id="3" name="Content Placeholder 2">
             <a:extLst>
               <a:ext uri="{FF2B5EF4-FFF2-40B4-BE49-F238E27FC236}">
-                <a16:creationId xmlns="" xmlns:a16="http://schemas.microsoft.com/office/drawing/2014/main" id="{28B492CE-B56B-411E-ACCC-F83AC37AA46D}"/>
+                <a16:creationId xmlns:a16="http://schemas.microsoft.com/office/drawing/2014/main" xmlns="" id="{28B492CE-B56B-411E-ACCC-F83AC37AA46D}"/>
               </a:ext>
             </a:extLst>
           </p:cNvPr>
@@ -10388,7 +10415,7 @@
           <p:cNvPr id="4" name="Slide Number Placeholder 3">
             <a:extLst>
               <a:ext uri="{FF2B5EF4-FFF2-40B4-BE49-F238E27FC236}">
-                <a16:creationId xmlns="" xmlns:a16="http://schemas.microsoft.com/office/drawing/2014/main" id="{EC538D91-6F8B-42BB-A135-BD948D230469}"/>
+                <a16:creationId xmlns:a16="http://schemas.microsoft.com/office/drawing/2014/main" xmlns="" id="{EC538D91-6F8B-42BB-A135-BD948D230469}"/>
               </a:ext>
             </a:extLst>
           </p:cNvPr>
@@ -10454,7 +10481,7 @@
           <p:cNvPr id="2" name="Title 1">
             <a:extLst>
               <a:ext uri="{FF2B5EF4-FFF2-40B4-BE49-F238E27FC236}">
-                <a16:creationId xmlns="" xmlns:a16="http://schemas.microsoft.com/office/drawing/2014/main" id="{8C2C8A96-85A4-4FC4-B33C-A44B37007557}"/>
+                <a16:creationId xmlns:a16="http://schemas.microsoft.com/office/drawing/2014/main" xmlns="" id="{8C2C8A96-85A4-4FC4-B33C-A44B37007557}"/>
               </a:ext>
             </a:extLst>
           </p:cNvPr>
@@ -10499,7 +10526,7 @@
           <p:cNvPr id="3" name="Content Placeholder 2">
             <a:extLst>
               <a:ext uri="{FF2B5EF4-FFF2-40B4-BE49-F238E27FC236}">
-                <a16:creationId xmlns="" xmlns:a16="http://schemas.microsoft.com/office/drawing/2014/main" id="{8AE79BED-0639-40D3-8E92-030D2742C4EC}"/>
+                <a16:creationId xmlns:a16="http://schemas.microsoft.com/office/drawing/2014/main" xmlns="" id="{8AE79BED-0639-40D3-8E92-030D2742C4EC}"/>
               </a:ext>
             </a:extLst>
           </p:cNvPr>
@@ -10533,23 +10560,7 @@
           <a:p>
             <a:r>
               <a:rPr lang="es-419" noProof="0" dirty="0" smtClean="0"/>
-              <a:t>Como todas las </a:t>
-            </a:r>
-            <a:r>
-              <a:rPr lang="es-419" noProof="0" dirty="0" smtClean="0"/>
-              <a:t>distribuciones, hay </a:t>
-            </a:r>
-            <a:r>
-              <a:rPr lang="es-419" noProof="0" dirty="0" smtClean="0"/>
-              <a:t>que integrarlas por inferencia (medianas, medias, </a:t>
-            </a:r>
-            <a:r>
-              <a:rPr lang="es-419" noProof="0" dirty="0" smtClean="0"/>
-              <a:t>cuantíales, </a:t>
-            </a:r>
-            <a:r>
-              <a:rPr lang="es-419" noProof="0" dirty="0" smtClean="0"/>
-              <a:t>etc.)</a:t>
+              <a:t>Como todas las distribuciones, hay que integrarlas por inferencia (medianas, medias, cuantíales, etc.)</a:t>
             </a:r>
           </a:p>
           <a:p>
@@ -10572,7 +10583,7 @@
           <p:cNvPr id="4" name="Slide Number Placeholder 3">
             <a:extLst>
               <a:ext uri="{FF2B5EF4-FFF2-40B4-BE49-F238E27FC236}">
-                <a16:creationId xmlns="" xmlns:a16="http://schemas.microsoft.com/office/drawing/2014/main" id="{E6A8618B-B9B1-4A31-9BEE-0CC8E029A095}"/>
+                <a16:creationId xmlns:a16="http://schemas.microsoft.com/office/drawing/2014/main" xmlns="" id="{E6A8618B-B9B1-4A31-9BEE-0CC8E029A095}"/>
               </a:ext>
             </a:extLst>
           </p:cNvPr>
@@ -10638,7 +10649,7 @@
           <p:cNvPr id="3" name="Content Placeholder 2">
             <a:extLst>
               <a:ext uri="{FF2B5EF4-FFF2-40B4-BE49-F238E27FC236}">
-                <a16:creationId xmlns="" xmlns:a16="http://schemas.microsoft.com/office/drawing/2014/main" id="{6D46622B-CEA1-41A3-B30B-DD972286CF5D}"/>
+                <a16:creationId xmlns:a16="http://schemas.microsoft.com/office/drawing/2014/main" xmlns="" id="{6D46622B-CEA1-41A3-B30B-DD972286CF5D}"/>
               </a:ext>
             </a:extLst>
           </p:cNvPr>
@@ -10671,7 +10682,15 @@
             </a:r>
             <a:r>
               <a:rPr lang="es-419" sz="3200" noProof="0" dirty="0" smtClean="0"/>
-              <a:t> y calcular porcentajes para aproximar probabilidades </a:t>
+              <a:t> y calcular </a:t>
+            </a:r>
+            <a:r>
+              <a:rPr lang="es-419" sz="3200" noProof="0" dirty="0" smtClean="0"/>
+              <a:t>proporciones para </a:t>
+            </a:r>
+            <a:r>
+              <a:rPr lang="es-419" sz="3200" noProof="0" dirty="0" smtClean="0"/>
+              <a:t>aproximar probabilidades </a:t>
             </a:r>
           </a:p>
           <a:p>
@@ -10751,7 +10770,7 @@
           <p:cNvPr id="4" name="Slide Number Placeholder 3">
             <a:extLst>
               <a:ext uri="{FF2B5EF4-FFF2-40B4-BE49-F238E27FC236}">
-                <a16:creationId xmlns="" xmlns:a16="http://schemas.microsoft.com/office/drawing/2014/main" id="{4F8E0057-45FA-40E8-80E1-8629D6245349}"/>
+                <a16:creationId xmlns:a16="http://schemas.microsoft.com/office/drawing/2014/main" xmlns="" id="{4F8E0057-45FA-40E8-80E1-8629D6245349}"/>
               </a:ext>
             </a:extLst>
           </p:cNvPr>
@@ -10780,7 +10799,7 @@
           <p:cNvPr id="5" name="Title 1">
             <a:extLst>
               <a:ext uri="{FF2B5EF4-FFF2-40B4-BE49-F238E27FC236}">
-                <a16:creationId xmlns="" xmlns:a16="http://schemas.microsoft.com/office/drawing/2014/main" id="{66E33811-B0FD-489C-B843-E5B167520896}"/>
+                <a16:creationId xmlns:a16="http://schemas.microsoft.com/office/drawing/2014/main" xmlns="" id="{66E33811-B0FD-489C-B843-E5B167520896}"/>
               </a:ext>
             </a:extLst>
           </p:cNvPr>
@@ -10945,7 +10964,7 @@
               <p:cNvPr id="3" name="Content Placeholder 2">
                 <a:extLst>
                   <a:ext uri="{FF2B5EF4-FFF2-40B4-BE49-F238E27FC236}">
-                    <a16:creationId xmlns="" xmlns:a16="http://schemas.microsoft.com/office/drawing/2014/main" id="{6D46622B-CEA1-41A3-B30B-DD972286CF5D}"/>
+                    <a16:creationId xmlns:a16="http://schemas.microsoft.com/office/drawing/2014/main" xmlns="" id="{6D46622B-CEA1-41A3-B30B-DD972286CF5D}"/>
                   </a:ext>
                 </a:extLst>
               </p:cNvPr>
@@ -11260,7 +11279,7 @@
           <p:cNvPr id="4" name="Slide Number Placeholder 3">
             <a:extLst>
               <a:ext uri="{FF2B5EF4-FFF2-40B4-BE49-F238E27FC236}">
-                <a16:creationId xmlns="" xmlns:a16="http://schemas.microsoft.com/office/drawing/2014/main" id="{4F8E0057-45FA-40E8-80E1-8629D6245349}"/>
+                <a16:creationId xmlns:a16="http://schemas.microsoft.com/office/drawing/2014/main" xmlns="" id="{4F8E0057-45FA-40E8-80E1-8629D6245349}"/>
               </a:ext>
             </a:extLst>
           </p:cNvPr>
@@ -11289,7 +11308,7 @@
           <p:cNvPr id="5" name="Title 1">
             <a:extLst>
               <a:ext uri="{FF2B5EF4-FFF2-40B4-BE49-F238E27FC236}">
-                <a16:creationId xmlns="" xmlns:a16="http://schemas.microsoft.com/office/drawing/2014/main" id="{66E33811-B0FD-489C-B843-E5B167520896}"/>
+                <a16:creationId xmlns:a16="http://schemas.microsoft.com/office/drawing/2014/main" xmlns="" id="{66E33811-B0FD-489C-B843-E5B167520896}"/>
               </a:ext>
             </a:extLst>
           </p:cNvPr>
@@ -11472,7 +11491,7 @@
           <p:cNvPr id="3" name="Content Placeholder 2">
             <a:extLst>
               <a:ext uri="{FF2B5EF4-FFF2-40B4-BE49-F238E27FC236}">
-                <a16:creationId xmlns="" xmlns:a16="http://schemas.microsoft.com/office/drawing/2014/main" id="{6D46622B-CEA1-41A3-B30B-DD972286CF5D}"/>
+                <a16:creationId xmlns:a16="http://schemas.microsoft.com/office/drawing/2014/main" xmlns="" id="{6D46622B-CEA1-41A3-B30B-DD972286CF5D}"/>
               </a:ext>
             </a:extLst>
           </p:cNvPr>
@@ -11704,7 +11723,7 @@
           <p:cNvPr id="4" name="Slide Number Placeholder 3">
             <a:extLst>
               <a:ext uri="{FF2B5EF4-FFF2-40B4-BE49-F238E27FC236}">
-                <a16:creationId xmlns="" xmlns:a16="http://schemas.microsoft.com/office/drawing/2014/main" id="{4F8E0057-45FA-40E8-80E1-8629D6245349}"/>
+                <a16:creationId xmlns:a16="http://schemas.microsoft.com/office/drawing/2014/main" xmlns="" id="{4F8E0057-45FA-40E8-80E1-8629D6245349}"/>
               </a:ext>
             </a:extLst>
           </p:cNvPr>
@@ -11733,7 +11752,7 @@
           <p:cNvPr id="5" name="Title 1">
             <a:extLst>
               <a:ext uri="{FF2B5EF4-FFF2-40B4-BE49-F238E27FC236}">
-                <a16:creationId xmlns="" xmlns:a16="http://schemas.microsoft.com/office/drawing/2014/main" id="{66E33811-B0FD-489C-B843-E5B167520896}"/>
+                <a16:creationId xmlns:a16="http://schemas.microsoft.com/office/drawing/2014/main" xmlns="" id="{66E33811-B0FD-489C-B843-E5B167520896}"/>
               </a:ext>
             </a:extLst>
           </p:cNvPr>
@@ -11775,7 +11794,7 @@
           <p:cNvPr id="7" name="Picture 6">
             <a:extLst>
               <a:ext uri="{FF2B5EF4-FFF2-40B4-BE49-F238E27FC236}">
-                <a16:creationId xmlns="" xmlns:a16="http://schemas.microsoft.com/office/drawing/2014/main" id="{D24148C8-B659-4C24-BD25-895A9A7580C7}"/>
+                <a16:creationId xmlns:a16="http://schemas.microsoft.com/office/drawing/2014/main" xmlns="" id="{D24148C8-B659-4C24-BD25-895A9A7580C7}"/>
               </a:ext>
             </a:extLst>
           </p:cNvPr>
@@ -11804,7 +11823,7 @@
           <p:cNvPr id="8" name="TextBox 7">
             <a:extLst>
               <a:ext uri="{FF2B5EF4-FFF2-40B4-BE49-F238E27FC236}">
-                <a16:creationId xmlns="" xmlns:a16="http://schemas.microsoft.com/office/drawing/2014/main" id="{D0DF48DE-C95B-4011-A946-57368046EB12}"/>
+                <a16:creationId xmlns:a16="http://schemas.microsoft.com/office/drawing/2014/main" xmlns="" id="{D0DF48DE-C95B-4011-A946-57368046EB12}"/>
               </a:ext>
             </a:extLst>
           </p:cNvPr>
@@ -11844,7 +11863,7 @@
           <p:cNvPr id="9" name="Straight Arrow Connector 8">
             <a:extLst>
               <a:ext uri="{FF2B5EF4-FFF2-40B4-BE49-F238E27FC236}">
-                <a16:creationId xmlns="" xmlns:a16="http://schemas.microsoft.com/office/drawing/2014/main" id="{2F77CF73-EE82-4717-B439-E2689E8B01B4}"/>
+                <a16:creationId xmlns:a16="http://schemas.microsoft.com/office/drawing/2014/main" xmlns="" id="{2F77CF73-EE82-4717-B439-E2689E8B01B4}"/>
               </a:ext>
             </a:extLst>
           </p:cNvPr>
@@ -11886,7 +11905,7 @@
           <p:cNvPr id="12" name="TextBox 11">
             <a:extLst>
               <a:ext uri="{FF2B5EF4-FFF2-40B4-BE49-F238E27FC236}">
-                <a16:creationId xmlns="" xmlns:a16="http://schemas.microsoft.com/office/drawing/2014/main" id="{4B13278B-8E35-460F-A394-9EDEF0703AB3}"/>
+                <a16:creationId xmlns:a16="http://schemas.microsoft.com/office/drawing/2014/main" xmlns="" id="{4B13278B-8E35-460F-A394-9EDEF0703AB3}"/>
               </a:ext>
             </a:extLst>
           </p:cNvPr>
@@ -11934,7 +11953,7 @@
           <p:cNvPr id="13" name="Straight Arrow Connector 12">
             <a:extLst>
               <a:ext uri="{FF2B5EF4-FFF2-40B4-BE49-F238E27FC236}">
-                <a16:creationId xmlns="" xmlns:a16="http://schemas.microsoft.com/office/drawing/2014/main" id="{E35575D6-C11C-4F3D-85F3-ACF2EC719556}"/>
+                <a16:creationId xmlns:a16="http://schemas.microsoft.com/office/drawing/2014/main" xmlns="" id="{E35575D6-C11C-4F3D-85F3-ACF2EC719556}"/>
               </a:ext>
             </a:extLst>
           </p:cNvPr>
@@ -11976,7 +11995,7 @@
           <p:cNvPr id="21" name="TextBox 20">
             <a:extLst>
               <a:ext uri="{FF2B5EF4-FFF2-40B4-BE49-F238E27FC236}">
-                <a16:creationId xmlns="" xmlns:a16="http://schemas.microsoft.com/office/drawing/2014/main" id="{AA109070-F78E-450F-BB94-11AF6654236E}"/>
+                <a16:creationId xmlns:a16="http://schemas.microsoft.com/office/drawing/2014/main" xmlns="" id="{AA109070-F78E-450F-BB94-11AF6654236E}"/>
               </a:ext>
             </a:extLst>
           </p:cNvPr>
@@ -12032,7 +12051,7 @@
           <p:cNvPr id="22" name="Straight Arrow Connector 21">
             <a:extLst>
               <a:ext uri="{FF2B5EF4-FFF2-40B4-BE49-F238E27FC236}">
-                <a16:creationId xmlns="" xmlns:a16="http://schemas.microsoft.com/office/drawing/2014/main" id="{634EA646-252E-466E-A77B-7E931497DFFF}"/>
+                <a16:creationId xmlns:a16="http://schemas.microsoft.com/office/drawing/2014/main" xmlns="" id="{634EA646-252E-466E-A77B-7E931497DFFF}"/>
               </a:ext>
             </a:extLst>
           </p:cNvPr>
@@ -12112,7 +12131,7 @@
               <p:cNvPr id="3" name="Content Placeholder 2">
                 <a:extLst>
                   <a:ext uri="{FF2B5EF4-FFF2-40B4-BE49-F238E27FC236}">
-                    <a16:creationId xmlns="" xmlns:a16="http://schemas.microsoft.com/office/drawing/2014/main" id="{6D46622B-CEA1-41A3-B30B-DD972286CF5D}"/>
+                    <a16:creationId xmlns:a16="http://schemas.microsoft.com/office/drawing/2014/main" xmlns="" id="{6D46622B-CEA1-41A3-B30B-DD972286CF5D}"/>
                   </a:ext>
                 </a:extLst>
               </p:cNvPr>
@@ -12435,7 +12454,7 @@
           <p:cNvPr id="4" name="Slide Number Placeholder 3">
             <a:extLst>
               <a:ext uri="{FF2B5EF4-FFF2-40B4-BE49-F238E27FC236}">
-                <a16:creationId xmlns="" xmlns:a16="http://schemas.microsoft.com/office/drawing/2014/main" id="{4F8E0057-45FA-40E8-80E1-8629D6245349}"/>
+                <a16:creationId xmlns:a16="http://schemas.microsoft.com/office/drawing/2014/main" xmlns="" id="{4F8E0057-45FA-40E8-80E1-8629D6245349}"/>
               </a:ext>
             </a:extLst>
           </p:cNvPr>
@@ -12464,7 +12483,7 @@
           <p:cNvPr id="5" name="Title 1">
             <a:extLst>
               <a:ext uri="{FF2B5EF4-FFF2-40B4-BE49-F238E27FC236}">
-                <a16:creationId xmlns="" xmlns:a16="http://schemas.microsoft.com/office/drawing/2014/main" id="{66E33811-B0FD-489C-B843-E5B167520896}"/>
+                <a16:creationId xmlns:a16="http://schemas.microsoft.com/office/drawing/2014/main" xmlns="" id="{66E33811-B0FD-489C-B843-E5B167520896}"/>
               </a:ext>
             </a:extLst>
           </p:cNvPr>
@@ -12555,7 +12574,7 @@
           <p:cNvPr id="3" name="Content Placeholder 2">
             <a:extLst>
               <a:ext uri="{FF2B5EF4-FFF2-40B4-BE49-F238E27FC236}">
-                <a16:creationId xmlns="" xmlns:a16="http://schemas.microsoft.com/office/drawing/2014/main" id="{6D46622B-CEA1-41A3-B30B-DD972286CF5D}"/>
+                <a16:creationId xmlns:a16="http://schemas.microsoft.com/office/drawing/2014/main" xmlns="" id="{6D46622B-CEA1-41A3-B30B-DD972286CF5D}"/>
               </a:ext>
             </a:extLst>
           </p:cNvPr>
@@ -13021,7 +13040,7 @@
           <p:cNvPr id="4" name="Slide Number Placeholder 3">
             <a:extLst>
               <a:ext uri="{FF2B5EF4-FFF2-40B4-BE49-F238E27FC236}">
-                <a16:creationId xmlns="" xmlns:a16="http://schemas.microsoft.com/office/drawing/2014/main" id="{4F8E0057-45FA-40E8-80E1-8629D6245349}"/>
+                <a16:creationId xmlns:a16="http://schemas.microsoft.com/office/drawing/2014/main" xmlns="" id="{4F8E0057-45FA-40E8-80E1-8629D6245349}"/>
               </a:ext>
             </a:extLst>
           </p:cNvPr>
@@ -13050,7 +13069,7 @@
           <p:cNvPr id="5" name="Title 1">
             <a:extLst>
               <a:ext uri="{FF2B5EF4-FFF2-40B4-BE49-F238E27FC236}">
-                <a16:creationId xmlns="" xmlns:a16="http://schemas.microsoft.com/office/drawing/2014/main" id="{66E33811-B0FD-489C-B843-E5B167520896}"/>
+                <a16:creationId xmlns:a16="http://schemas.microsoft.com/office/drawing/2014/main" xmlns="" id="{66E33811-B0FD-489C-B843-E5B167520896}"/>
               </a:ext>
             </a:extLst>
           </p:cNvPr>
@@ -13096,7 +13115,7 @@
           <p:cNvPr id="8" name="TextBox 7">
             <a:extLst>
               <a:ext uri="{FF2B5EF4-FFF2-40B4-BE49-F238E27FC236}">
-                <a16:creationId xmlns="" xmlns:a16="http://schemas.microsoft.com/office/drawing/2014/main" id="{D0DF48DE-C95B-4011-A946-57368046EB12}"/>
+                <a16:creationId xmlns:a16="http://schemas.microsoft.com/office/drawing/2014/main" xmlns="" id="{D0DF48DE-C95B-4011-A946-57368046EB12}"/>
               </a:ext>
             </a:extLst>
           </p:cNvPr>
@@ -13136,7 +13155,7 @@
           <p:cNvPr id="9" name="Straight Arrow Connector 8">
             <a:extLst>
               <a:ext uri="{FF2B5EF4-FFF2-40B4-BE49-F238E27FC236}">
-                <a16:creationId xmlns="" xmlns:a16="http://schemas.microsoft.com/office/drawing/2014/main" id="{2F77CF73-EE82-4717-B439-E2689E8B01B4}"/>
+                <a16:creationId xmlns:a16="http://schemas.microsoft.com/office/drawing/2014/main" xmlns="" id="{2F77CF73-EE82-4717-B439-E2689E8B01B4}"/>
               </a:ext>
             </a:extLst>
           </p:cNvPr>
@@ -13178,7 +13197,7 @@
           <p:cNvPr id="12" name="TextBox 11">
             <a:extLst>
               <a:ext uri="{FF2B5EF4-FFF2-40B4-BE49-F238E27FC236}">
-                <a16:creationId xmlns="" xmlns:a16="http://schemas.microsoft.com/office/drawing/2014/main" id="{4B13278B-8E35-460F-A394-9EDEF0703AB3}"/>
+                <a16:creationId xmlns:a16="http://schemas.microsoft.com/office/drawing/2014/main" xmlns="" id="{4B13278B-8E35-460F-A394-9EDEF0703AB3}"/>
               </a:ext>
             </a:extLst>
           </p:cNvPr>
@@ -13226,7 +13245,7 @@
           <p:cNvPr id="13" name="Straight Arrow Connector 12">
             <a:extLst>
               <a:ext uri="{FF2B5EF4-FFF2-40B4-BE49-F238E27FC236}">
-                <a16:creationId xmlns="" xmlns:a16="http://schemas.microsoft.com/office/drawing/2014/main" id="{E35575D6-C11C-4F3D-85F3-ACF2EC719556}"/>
+                <a16:creationId xmlns:a16="http://schemas.microsoft.com/office/drawing/2014/main" xmlns="" id="{E35575D6-C11C-4F3D-85F3-ACF2EC719556}"/>
               </a:ext>
             </a:extLst>
           </p:cNvPr>
@@ -13268,7 +13287,7 @@
           <p:cNvPr id="21" name="TextBox 20">
             <a:extLst>
               <a:ext uri="{FF2B5EF4-FFF2-40B4-BE49-F238E27FC236}">
-                <a16:creationId xmlns="" xmlns:a16="http://schemas.microsoft.com/office/drawing/2014/main" id="{AA109070-F78E-450F-BB94-11AF6654236E}"/>
+                <a16:creationId xmlns:a16="http://schemas.microsoft.com/office/drawing/2014/main" xmlns="" id="{AA109070-F78E-450F-BB94-11AF6654236E}"/>
               </a:ext>
             </a:extLst>
           </p:cNvPr>
@@ -13317,7 +13336,7 @@
           <p:cNvPr id="22" name="Straight Arrow Connector 21">
             <a:extLst>
               <a:ext uri="{FF2B5EF4-FFF2-40B4-BE49-F238E27FC236}">
-                <a16:creationId xmlns="" xmlns:a16="http://schemas.microsoft.com/office/drawing/2014/main" id="{634EA646-252E-466E-A77B-7E931497DFFF}"/>
+                <a16:creationId xmlns:a16="http://schemas.microsoft.com/office/drawing/2014/main" xmlns="" id="{634EA646-252E-466E-A77B-7E931497DFFF}"/>
               </a:ext>
             </a:extLst>
           </p:cNvPr>
@@ -13358,7 +13377,7 @@
           <p:cNvPr id="14" name="Straight Arrow Connector 13">
             <a:extLst>
               <a:ext uri="{FF2B5EF4-FFF2-40B4-BE49-F238E27FC236}">
-                <a16:creationId xmlns="" xmlns:a16="http://schemas.microsoft.com/office/drawing/2014/main" id="{77B7F16A-48EC-4E48-9E43-AE922F6ADDB6}"/>
+                <a16:creationId xmlns:a16="http://schemas.microsoft.com/office/drawing/2014/main" xmlns="" id="{77B7F16A-48EC-4E48-9E43-AE922F6ADDB6}"/>
               </a:ext>
             </a:extLst>
           </p:cNvPr>
@@ -13399,7 +13418,7 @@
           <p:cNvPr id="26" name="TextBox 25">
             <a:extLst>
               <a:ext uri="{FF2B5EF4-FFF2-40B4-BE49-F238E27FC236}">
-                <a16:creationId xmlns="" xmlns:a16="http://schemas.microsoft.com/office/drawing/2014/main" id="{FBD6011D-8473-4ED1-BEC9-2D848F46E6FD}"/>
+                <a16:creationId xmlns:a16="http://schemas.microsoft.com/office/drawing/2014/main" xmlns="" id="{FBD6011D-8473-4ED1-BEC9-2D848F46E6FD}"/>
               </a:ext>
             </a:extLst>
           </p:cNvPr>
@@ -13458,7 +13477,7 @@
           <p:cNvPr id="27" name="Rectangle 26">
             <a:extLst>
               <a:ext uri="{FF2B5EF4-FFF2-40B4-BE49-F238E27FC236}">
-                <a16:creationId xmlns="" xmlns:a16="http://schemas.microsoft.com/office/drawing/2014/main" id="{B327F648-598E-413A-AF98-BEFC294C92A2}"/>
+                <a16:creationId xmlns:a16="http://schemas.microsoft.com/office/drawing/2014/main" xmlns="" id="{B327F648-598E-413A-AF98-BEFC294C92A2}"/>
               </a:ext>
             </a:extLst>
           </p:cNvPr>
@@ -13510,7 +13529,7 @@
           <p:cNvPr id="28" name="TextBox 27">
             <a:extLst>
               <a:ext uri="{FF2B5EF4-FFF2-40B4-BE49-F238E27FC236}">
-                <a16:creationId xmlns="" xmlns:a16="http://schemas.microsoft.com/office/drawing/2014/main" id="{496FE541-6DCA-4B0C-ABDA-9E22EA26F7EB}"/>
+                <a16:creationId xmlns:a16="http://schemas.microsoft.com/office/drawing/2014/main" xmlns="" id="{496FE541-6DCA-4B0C-ABDA-9E22EA26F7EB}"/>
               </a:ext>
             </a:extLst>
           </p:cNvPr>
@@ -13599,7 +13618,7 @@
           <p:cNvPr id="4" name="Slide Number Placeholder 3">
             <a:extLst>
               <a:ext uri="{FF2B5EF4-FFF2-40B4-BE49-F238E27FC236}">
-                <a16:creationId xmlns="" xmlns:a16="http://schemas.microsoft.com/office/drawing/2014/main" id="{4F8E0057-45FA-40E8-80E1-8629D6245349}"/>
+                <a16:creationId xmlns:a16="http://schemas.microsoft.com/office/drawing/2014/main" xmlns="" id="{4F8E0057-45FA-40E8-80E1-8629D6245349}"/>
               </a:ext>
             </a:extLst>
           </p:cNvPr>
@@ -13628,7 +13647,7 @@
           <p:cNvPr id="5" name="Title 1">
             <a:extLst>
               <a:ext uri="{FF2B5EF4-FFF2-40B4-BE49-F238E27FC236}">
-                <a16:creationId xmlns="" xmlns:a16="http://schemas.microsoft.com/office/drawing/2014/main" id="{66E33811-B0FD-489C-B843-E5B167520896}"/>
+                <a16:creationId xmlns:a16="http://schemas.microsoft.com/office/drawing/2014/main" xmlns="" id="{66E33811-B0FD-489C-B843-E5B167520896}"/>
               </a:ext>
             </a:extLst>
           </p:cNvPr>
@@ -13670,7 +13689,7 @@
           <p:cNvPr id="28" name="TextBox 27">
             <a:extLst>
               <a:ext uri="{FF2B5EF4-FFF2-40B4-BE49-F238E27FC236}">
-                <a16:creationId xmlns="" xmlns:a16="http://schemas.microsoft.com/office/drawing/2014/main" id="{496FE541-6DCA-4B0C-ABDA-9E22EA26F7EB}"/>
+                <a16:creationId xmlns:a16="http://schemas.microsoft.com/office/drawing/2014/main" xmlns="" id="{496FE541-6DCA-4B0C-ABDA-9E22EA26F7EB}"/>
               </a:ext>
             </a:extLst>
           </p:cNvPr>
@@ -13710,7 +13729,7 @@
           <p:cNvPr id="2" name="Picture 1">
             <a:extLst>
               <a:ext uri="{FF2B5EF4-FFF2-40B4-BE49-F238E27FC236}">
-                <a16:creationId xmlns="" xmlns:a16="http://schemas.microsoft.com/office/drawing/2014/main" id="{0BA8A766-9918-44B9-AC99-21A862509B1D}"/>
+                <a16:creationId xmlns:a16="http://schemas.microsoft.com/office/drawing/2014/main" xmlns="" id="{0BA8A766-9918-44B9-AC99-21A862509B1D}"/>
               </a:ext>
             </a:extLst>
           </p:cNvPr>
@@ -13739,7 +13758,7 @@
           <p:cNvPr id="11" name="Picture 10">
             <a:extLst>
               <a:ext uri="{FF2B5EF4-FFF2-40B4-BE49-F238E27FC236}">
-                <a16:creationId xmlns="" xmlns:a16="http://schemas.microsoft.com/office/drawing/2014/main" id="{DDEA50F0-4C06-4046-95A1-C7C326BA2947}"/>
+                <a16:creationId xmlns:a16="http://schemas.microsoft.com/office/drawing/2014/main" xmlns="" id="{DDEA50F0-4C06-4046-95A1-C7C326BA2947}"/>
               </a:ext>
             </a:extLst>
           </p:cNvPr>
@@ -13768,7 +13787,7 @@
           <p:cNvPr id="19" name="TextBox 18">
             <a:extLst>
               <a:ext uri="{FF2B5EF4-FFF2-40B4-BE49-F238E27FC236}">
-                <a16:creationId xmlns="" xmlns:a16="http://schemas.microsoft.com/office/drawing/2014/main" id="{32A65B8A-7C74-4921-9F73-13EB5A2119AA}"/>
+                <a16:creationId xmlns:a16="http://schemas.microsoft.com/office/drawing/2014/main" xmlns="" id="{32A65B8A-7C74-4921-9F73-13EB5A2119AA}"/>
               </a:ext>
             </a:extLst>
           </p:cNvPr>
@@ -13821,7 +13840,7 @@
           <p:cNvPr id="26" name="TextBox 25">
             <a:extLst>
               <a:ext uri="{FF2B5EF4-FFF2-40B4-BE49-F238E27FC236}">
-                <a16:creationId xmlns="" xmlns:a16="http://schemas.microsoft.com/office/drawing/2014/main" id="{FBD6011D-8473-4ED1-BEC9-2D848F46E6FD}"/>
+                <a16:creationId xmlns:a16="http://schemas.microsoft.com/office/drawing/2014/main" xmlns="" id="{FBD6011D-8473-4ED1-BEC9-2D848F46E6FD}"/>
               </a:ext>
             </a:extLst>
           </p:cNvPr>
@@ -14054,7 +14073,7 @@
           <p:cNvPr id="4" name="Slide Number Placeholder 3">
             <a:extLst>
               <a:ext uri="{FF2B5EF4-FFF2-40B4-BE49-F238E27FC236}">
-                <a16:creationId xmlns="" xmlns:a16="http://schemas.microsoft.com/office/drawing/2014/main" id="{4F8E0057-45FA-40E8-80E1-8629D6245349}"/>
+                <a16:creationId xmlns:a16="http://schemas.microsoft.com/office/drawing/2014/main" xmlns="" id="{4F8E0057-45FA-40E8-80E1-8629D6245349}"/>
               </a:ext>
             </a:extLst>
           </p:cNvPr>
@@ -14083,7 +14102,7 @@
           <p:cNvPr id="5" name="Title 1">
             <a:extLst>
               <a:ext uri="{FF2B5EF4-FFF2-40B4-BE49-F238E27FC236}">
-                <a16:creationId xmlns="" xmlns:a16="http://schemas.microsoft.com/office/drawing/2014/main" id="{66E33811-B0FD-489C-B843-E5B167520896}"/>
+                <a16:creationId xmlns:a16="http://schemas.microsoft.com/office/drawing/2014/main" xmlns="" id="{66E33811-B0FD-489C-B843-E5B167520896}"/>
               </a:ext>
             </a:extLst>
           </p:cNvPr>
@@ -14125,7 +14144,7 @@
           <p:cNvPr id="10" name="Content Placeholder 2">
             <a:extLst>
               <a:ext uri="{FF2B5EF4-FFF2-40B4-BE49-F238E27FC236}">
-                <a16:creationId xmlns="" xmlns:a16="http://schemas.microsoft.com/office/drawing/2014/main" id="{0DB8661B-166B-4B44-835E-B733EE08DF8A}"/>
+                <a16:creationId xmlns:a16="http://schemas.microsoft.com/office/drawing/2014/main" xmlns="" id="{0DB8661B-166B-4B44-835E-B733EE08DF8A}"/>
               </a:ext>
             </a:extLst>
           </p:cNvPr>
@@ -14166,7 +14185,14 @@
                 <a:latin typeface="Courier New" panose="02070309020205020404" pitchFamily="49" charset="0"/>
                 <a:cs typeface="Courier New" panose="02070309020205020404" pitchFamily="49" charset="0"/>
               </a:rPr>
-              <a:t>c*f(new)/c*f(x[i-1])</a:t>
+              <a:t>c*f(new</a:t>
+            </a:r>
+            <a:r>
+              <a:rPr lang="es-419" sz="3200" noProof="0" dirty="0" smtClean="0">
+                <a:latin typeface="Courier New" panose="02070309020205020404" pitchFamily="49" charset="0"/>
+                <a:cs typeface="Courier New" panose="02070309020205020404" pitchFamily="49" charset="0"/>
+              </a:rPr>
+              <a:t>)/(c*f(x[i-1]))</a:t>
             </a:r>
             <a:endParaRPr lang="es-419" sz="3200" noProof="0" dirty="0" smtClean="0"/>
           </a:p>
@@ -14251,7 +14277,7 @@
           <p:cNvPr id="12" name="TextBox 11">
             <a:extLst>
               <a:ext uri="{FF2B5EF4-FFF2-40B4-BE49-F238E27FC236}">
-                <a16:creationId xmlns="" xmlns:a16="http://schemas.microsoft.com/office/drawing/2014/main" id="{AA6BD271-109A-43C0-AA1D-2FEE0AB58646}"/>
+                <a16:creationId xmlns:a16="http://schemas.microsoft.com/office/drawing/2014/main" xmlns="" id="{AA6BD271-109A-43C0-AA1D-2FEE0AB58646}"/>
               </a:ext>
             </a:extLst>
           </p:cNvPr>
@@ -14537,7 +14563,7 @@
           <p:cNvPr id="3" name="Content Placeholder 2">
             <a:extLst>
               <a:ext uri="{FF2B5EF4-FFF2-40B4-BE49-F238E27FC236}">
-                <a16:creationId xmlns="" xmlns:a16="http://schemas.microsoft.com/office/drawing/2014/main" id="{6D46622B-CEA1-41A3-B30B-DD972286CF5D}"/>
+                <a16:creationId xmlns:a16="http://schemas.microsoft.com/office/drawing/2014/main" xmlns="" id="{6D46622B-CEA1-41A3-B30B-DD972286CF5D}"/>
               </a:ext>
             </a:extLst>
           </p:cNvPr>
@@ -14910,7 +14936,7 @@
           <p:cNvPr id="4" name="Slide Number Placeholder 3">
             <a:extLst>
               <a:ext uri="{FF2B5EF4-FFF2-40B4-BE49-F238E27FC236}">
-                <a16:creationId xmlns="" xmlns:a16="http://schemas.microsoft.com/office/drawing/2014/main" id="{4F8E0057-45FA-40E8-80E1-8629D6245349}"/>
+                <a16:creationId xmlns:a16="http://schemas.microsoft.com/office/drawing/2014/main" xmlns="" id="{4F8E0057-45FA-40E8-80E1-8629D6245349}"/>
               </a:ext>
             </a:extLst>
           </p:cNvPr>
@@ -14939,7 +14965,7 @@
           <p:cNvPr id="5" name="Title 1">
             <a:extLst>
               <a:ext uri="{FF2B5EF4-FFF2-40B4-BE49-F238E27FC236}">
-                <a16:creationId xmlns="" xmlns:a16="http://schemas.microsoft.com/office/drawing/2014/main" id="{66E33811-B0FD-489C-B843-E5B167520896}"/>
+                <a16:creationId xmlns:a16="http://schemas.microsoft.com/office/drawing/2014/main" xmlns="" id="{66E33811-B0FD-489C-B843-E5B167520896}"/>
               </a:ext>
             </a:extLst>
           </p:cNvPr>
@@ -15088,7 +15114,7 @@
           <p:cNvPr id="2" name="Title 1">
             <a:extLst>
               <a:ext uri="{FF2B5EF4-FFF2-40B4-BE49-F238E27FC236}">
-                <a16:creationId xmlns="" xmlns:a16="http://schemas.microsoft.com/office/drawing/2014/main" id="{956FFBD8-BE2A-4487-841C-B5DD764D1996}"/>
+                <a16:creationId xmlns:a16="http://schemas.microsoft.com/office/drawing/2014/main" xmlns="" id="{956FFBD8-BE2A-4487-841C-B5DD764D1996}"/>
               </a:ext>
             </a:extLst>
           </p:cNvPr>
@@ -15129,7 +15155,7 @@
           <p:cNvPr id="3" name="Content Placeholder 2">
             <a:extLst>
               <a:ext uri="{FF2B5EF4-FFF2-40B4-BE49-F238E27FC236}">
-                <a16:creationId xmlns="" xmlns:a16="http://schemas.microsoft.com/office/drawing/2014/main" id="{B47262FF-E998-4343-ADAF-24438E7BCCED}"/>
+                <a16:creationId xmlns:a16="http://schemas.microsoft.com/office/drawing/2014/main" xmlns="" id="{B47262FF-E998-4343-ADAF-24438E7BCCED}"/>
               </a:ext>
             </a:extLst>
           </p:cNvPr>
@@ -15238,7 +15264,7 @@
           <p:cNvPr id="4" name="Slide Number Placeholder 3">
             <a:extLst>
               <a:ext uri="{FF2B5EF4-FFF2-40B4-BE49-F238E27FC236}">
-                <a16:creationId xmlns="" xmlns:a16="http://schemas.microsoft.com/office/drawing/2014/main" id="{B1ACB5B6-3459-47DE-9828-4FDA82228513}"/>
+                <a16:creationId xmlns:a16="http://schemas.microsoft.com/office/drawing/2014/main" xmlns="" id="{B1ACB5B6-3459-47DE-9828-4FDA82228513}"/>
               </a:ext>
             </a:extLst>
           </p:cNvPr>
@@ -15304,7 +15330,7 @@
           <p:cNvPr id="2" name="Title 1">
             <a:extLst>
               <a:ext uri="{FF2B5EF4-FFF2-40B4-BE49-F238E27FC236}">
-                <a16:creationId xmlns="" xmlns:a16="http://schemas.microsoft.com/office/drawing/2014/main" id="{1938EEE1-16A1-4461-966D-58E6B7F960D5}"/>
+                <a16:creationId xmlns:a16="http://schemas.microsoft.com/office/drawing/2014/main" xmlns="" id="{1938EEE1-16A1-4461-966D-58E6B7F960D5}"/>
               </a:ext>
             </a:extLst>
           </p:cNvPr>
@@ -15333,7 +15359,7 @@
           <p:cNvPr id="3" name="Content Placeholder 2">
             <a:extLst>
               <a:ext uri="{FF2B5EF4-FFF2-40B4-BE49-F238E27FC236}">
-                <a16:creationId xmlns="" xmlns:a16="http://schemas.microsoft.com/office/drawing/2014/main" id="{16909E00-9561-4D80-9B05-66AD8C463F11}"/>
+                <a16:creationId xmlns:a16="http://schemas.microsoft.com/office/drawing/2014/main" xmlns="" id="{16909E00-9561-4D80-9B05-66AD8C463F11}"/>
               </a:ext>
             </a:extLst>
           </p:cNvPr>
@@ -15395,19 +15421,7 @@
           <a:p>
             <a:r>
               <a:rPr lang="es-419" b="1" u="sng" noProof="0" dirty="0" smtClean="0"/>
-              <a:t>Calculo </a:t>
-            </a:r>
-            <a:r>
-              <a:rPr lang="es-419" b="1" u="sng" noProof="0" dirty="0" smtClean="0"/>
-              <a:t>de las probabilidades </a:t>
-            </a:r>
-            <a:r>
-              <a:rPr lang="es-419" b="1" u="sng" noProof="0" dirty="0" smtClean="0"/>
-              <a:t>se requiere </a:t>
-            </a:r>
-            <a:r>
-              <a:rPr lang="es-419" b="1" u="sng" noProof="0" dirty="0" smtClean="0"/>
-              <a:t>integración</a:t>
+              <a:t>Calculo de las probabilidades se requiere integración</a:t>
             </a:r>
           </a:p>
           <a:p>
@@ -15420,7 +15434,7 @@
           <p:cNvPr id="4" name="Slide Number Placeholder 3">
             <a:extLst>
               <a:ext uri="{FF2B5EF4-FFF2-40B4-BE49-F238E27FC236}">
-                <a16:creationId xmlns="" xmlns:a16="http://schemas.microsoft.com/office/drawing/2014/main" id="{CB84EEA5-6A5B-41AD-A657-0FB9D664CBD4}"/>
+                <a16:creationId xmlns:a16="http://schemas.microsoft.com/office/drawing/2014/main" xmlns="" id="{CB84EEA5-6A5B-41AD-A657-0FB9D664CBD4}"/>
               </a:ext>
             </a:extLst>
           </p:cNvPr>
@@ -15478,6 +15492,13 @@
   <p:clrMapOvr>
     <a:masterClrMapping/>
   </p:clrMapOvr>
+  <p:timing>
+    <p:tnLst>
+      <p:par>
+        <p:cTn id="1" dur="indefinite" restart="never" nodeType="tmRoot"/>
+      </p:par>
+    </p:tnLst>
+  </p:timing>
 </p:sld>
 </file>
 
@@ -15503,7 +15524,7 @@
           <p:cNvPr id="2" name="Title 1">
             <a:extLst>
               <a:ext uri="{FF2B5EF4-FFF2-40B4-BE49-F238E27FC236}">
-                <a16:creationId xmlns="" xmlns:a16="http://schemas.microsoft.com/office/drawing/2014/main" id="{FCBFC5CE-BEBE-4178-A0B5-F030F3C46F4F}"/>
+                <a16:creationId xmlns:a16="http://schemas.microsoft.com/office/drawing/2014/main" xmlns="" id="{FCBFC5CE-BEBE-4178-A0B5-F030F3C46F4F}"/>
               </a:ext>
             </a:extLst>
           </p:cNvPr>
@@ -15536,7 +15557,7 @@
           <p:cNvPr id="3" name="Content Placeholder 2">
             <a:extLst>
               <a:ext uri="{FF2B5EF4-FFF2-40B4-BE49-F238E27FC236}">
-                <a16:creationId xmlns="" xmlns:a16="http://schemas.microsoft.com/office/drawing/2014/main" id="{0A016C73-5DDF-46EE-ACD4-1B95CD8285D4}"/>
+                <a16:creationId xmlns:a16="http://schemas.microsoft.com/office/drawing/2014/main" xmlns="" id="{0A016C73-5DDF-46EE-ACD4-1B95CD8285D4}"/>
               </a:ext>
             </a:extLst>
           </p:cNvPr>
@@ -15561,7 +15582,7 @@
           <p:cNvPr id="4" name="Slide Number Placeholder 3">
             <a:extLst>
               <a:ext uri="{FF2B5EF4-FFF2-40B4-BE49-F238E27FC236}">
-                <a16:creationId xmlns="" xmlns:a16="http://schemas.microsoft.com/office/drawing/2014/main" id="{9EC15119-7A83-4B50-8E95-42B54138CF67}"/>
+                <a16:creationId xmlns:a16="http://schemas.microsoft.com/office/drawing/2014/main" xmlns="" id="{9EC15119-7A83-4B50-8E95-42B54138CF67}"/>
               </a:ext>
             </a:extLst>
           </p:cNvPr>
@@ -15627,7 +15648,7 @@
           <p:cNvPr id="2" name="Title 1">
             <a:extLst>
               <a:ext uri="{FF2B5EF4-FFF2-40B4-BE49-F238E27FC236}">
-                <a16:creationId xmlns="" xmlns:a16="http://schemas.microsoft.com/office/drawing/2014/main" id="{FCBFC5CE-BEBE-4178-A0B5-F030F3C46F4F}"/>
+                <a16:creationId xmlns:a16="http://schemas.microsoft.com/office/drawing/2014/main" xmlns="" id="{FCBFC5CE-BEBE-4178-A0B5-F030F3C46F4F}"/>
               </a:ext>
             </a:extLst>
           </p:cNvPr>
@@ -15656,7 +15677,7 @@
           <p:cNvPr id="3" name="Content Placeholder 2">
             <a:extLst>
               <a:ext uri="{FF2B5EF4-FFF2-40B4-BE49-F238E27FC236}">
-                <a16:creationId xmlns="" xmlns:a16="http://schemas.microsoft.com/office/drawing/2014/main" id="{0A016C73-5DDF-46EE-ACD4-1B95CD8285D4}"/>
+                <a16:creationId xmlns:a16="http://schemas.microsoft.com/office/drawing/2014/main" xmlns="" id="{0A016C73-5DDF-46EE-ACD4-1B95CD8285D4}"/>
               </a:ext>
             </a:extLst>
           </p:cNvPr>
@@ -15786,7 +15807,7 @@
           <p:cNvPr id="4" name="Slide Number Placeholder 3">
             <a:extLst>
               <a:ext uri="{FF2B5EF4-FFF2-40B4-BE49-F238E27FC236}">
-                <a16:creationId xmlns="" xmlns:a16="http://schemas.microsoft.com/office/drawing/2014/main" id="{9EC15119-7A83-4B50-8E95-42B54138CF67}"/>
+                <a16:creationId xmlns:a16="http://schemas.microsoft.com/office/drawing/2014/main" xmlns="" id="{9EC15119-7A83-4B50-8E95-42B54138CF67}"/>
               </a:ext>
             </a:extLst>
           </p:cNvPr>
@@ -15815,7 +15836,7 @@
           <p:cNvPr id="5" name="Object 4">
             <a:extLst>
               <a:ext uri="{FF2B5EF4-FFF2-40B4-BE49-F238E27FC236}">
-                <a16:creationId xmlns="" xmlns:a16="http://schemas.microsoft.com/office/drawing/2014/main" id="{3D933AA6-3CA4-48B7-8B31-A6372A48D17C}"/>
+                <a16:creationId xmlns:a16="http://schemas.microsoft.com/office/drawing/2014/main" xmlns="" id="{3D933AA6-3CA4-48B7-8B31-A6372A48D17C}"/>
               </a:ext>
             </a:extLst>
           </p:cNvPr>
@@ -15838,7 +15859,7 @@
           <a:graphicData uri="http://schemas.openxmlformats.org/presentationml/2006/ole">
             <mc:AlternateContent xmlns:mc="http://schemas.openxmlformats.org/markup-compatibility/2006">
               <mc:Choice xmlns:v="urn:schemas-microsoft-com:vml" Requires="v">
-                <p:oleObj spid="_x0000_s8315" name="Equation" r:id="rId3" imgW="1726920" imgH="672840" progId="Equation.DSMT4">
+                <p:oleObj spid="_x0000_s8339" name="Equation" r:id="rId3" imgW="1726920" imgH="672840" progId="Equation.DSMT4">
                   <p:embed/>
                 </p:oleObj>
               </mc:Choice>
@@ -15850,7 +15871,7 @@
                       <p:cNvPr id="8" name="Object 7">
                         <a:extLst>
                           <a:ext uri="{FF2B5EF4-FFF2-40B4-BE49-F238E27FC236}">
-                            <a16:creationId xmlns="" xmlns:a16="http://schemas.microsoft.com/office/drawing/2014/main" id="{3D933AA6-3CA4-48B7-8B31-A6372A48D17C}"/>
+                            <a16:creationId xmlns:a16="http://schemas.microsoft.com/office/drawing/2014/main" xmlns="" id="{3D933AA6-3CA4-48B7-8B31-A6372A48D17C}"/>
                           </a:ext>
                         </a:extLst>
                       </p:cNvPr>
@@ -15884,7 +15905,7 @@
           <p:cNvPr id="6" name="Object 5">
             <a:extLst>
               <a:ext uri="{FF2B5EF4-FFF2-40B4-BE49-F238E27FC236}">
-                <a16:creationId xmlns="" xmlns:a16="http://schemas.microsoft.com/office/drawing/2014/main" id="{42F47534-6BB7-482C-BFF7-E22E91606A29}"/>
+                <a16:creationId xmlns:a16="http://schemas.microsoft.com/office/drawing/2014/main" xmlns="" id="{42F47534-6BB7-482C-BFF7-E22E91606A29}"/>
               </a:ext>
             </a:extLst>
           </p:cNvPr>
@@ -15907,7 +15928,7 @@
           <a:graphicData uri="http://schemas.openxmlformats.org/presentationml/2006/ole">
             <mc:AlternateContent xmlns:mc="http://schemas.openxmlformats.org/markup-compatibility/2006">
               <mc:Choice xmlns:v="urn:schemas-microsoft-com:vml" Requires="v">
-                <p:oleObj spid="_x0000_s8316" name="Equation" r:id="rId5" imgW="1028520" imgH="965160" progId="Equation.DSMT4">
+                <p:oleObj spid="_x0000_s8340" name="Equation" r:id="rId5" imgW="1028520" imgH="965160" progId="Equation.DSMT4">
                   <p:embed/>
                 </p:oleObj>
               </mc:Choice>
@@ -15919,7 +15940,7 @@
                       <p:cNvPr id="12" name="Object 11">
                         <a:extLst>
                           <a:ext uri="{FF2B5EF4-FFF2-40B4-BE49-F238E27FC236}">
-                            <a16:creationId xmlns="" xmlns:a16="http://schemas.microsoft.com/office/drawing/2014/main" id="{42F47534-6BB7-482C-BFF7-E22E91606A29}"/>
+                            <a16:creationId xmlns:a16="http://schemas.microsoft.com/office/drawing/2014/main" xmlns="" id="{42F47534-6BB7-482C-BFF7-E22E91606A29}"/>
                           </a:ext>
                         </a:extLst>
                       </p:cNvPr>
@@ -15953,7 +15974,7 @@
           <p:cNvPr id="7" name="Object 6">
             <a:extLst>
               <a:ext uri="{FF2B5EF4-FFF2-40B4-BE49-F238E27FC236}">
-                <a16:creationId xmlns="" xmlns:a16="http://schemas.microsoft.com/office/drawing/2014/main" id="{BBB81E51-8CAC-4532-A30F-E7FA0F55279C}"/>
+                <a16:creationId xmlns:a16="http://schemas.microsoft.com/office/drawing/2014/main" xmlns="" id="{BBB81E51-8CAC-4532-A30F-E7FA0F55279C}"/>
               </a:ext>
             </a:extLst>
           </p:cNvPr>
@@ -15976,7 +15997,7 @@
           <a:graphicData uri="http://schemas.openxmlformats.org/presentationml/2006/ole">
             <mc:AlternateContent xmlns:mc="http://schemas.openxmlformats.org/markup-compatibility/2006">
               <mc:Choice xmlns:v="urn:schemas-microsoft-com:vml" Requires="v">
-                <p:oleObj spid="_x0000_s8317" name="Equation" r:id="rId7" imgW="1231560" imgH="241200" progId="Equation.DSMT4">
+                <p:oleObj spid="_x0000_s8341" name="Equation" r:id="rId7" imgW="1231560" imgH="241200" progId="Equation.DSMT4">
                   <p:embed/>
                 </p:oleObj>
               </mc:Choice>
@@ -15988,7 +16009,7 @@
                       <p:cNvPr id="9" name="Object 8">
                         <a:extLst>
                           <a:ext uri="{FF2B5EF4-FFF2-40B4-BE49-F238E27FC236}">
-                            <a16:creationId xmlns="" xmlns:a16="http://schemas.microsoft.com/office/drawing/2014/main" id="{BBB81E51-8CAC-4532-A30F-E7FA0F55279C}"/>
+                            <a16:creationId xmlns:a16="http://schemas.microsoft.com/office/drawing/2014/main" xmlns="" id="{BBB81E51-8CAC-4532-A30F-E7FA0F55279C}"/>
                           </a:ext>
                         </a:extLst>
                       </p:cNvPr>
@@ -16059,7 +16080,7 @@
           <p:cNvPr id="2" name="Title 1">
             <a:extLst>
               <a:ext uri="{FF2B5EF4-FFF2-40B4-BE49-F238E27FC236}">
-                <a16:creationId xmlns="" xmlns:a16="http://schemas.microsoft.com/office/drawing/2014/main" id="{C976E5B5-F024-4D7C-9711-9BEA5F3AA682}"/>
+                <a16:creationId xmlns:a16="http://schemas.microsoft.com/office/drawing/2014/main" xmlns="" id="{C976E5B5-F024-4D7C-9711-9BEA5F3AA682}"/>
               </a:ext>
             </a:extLst>
           </p:cNvPr>
@@ -16088,7 +16109,7 @@
           <p:cNvPr id="3" name="Content Placeholder 2">
             <a:extLst>
               <a:ext uri="{FF2B5EF4-FFF2-40B4-BE49-F238E27FC236}">
-                <a16:creationId xmlns="" xmlns:a16="http://schemas.microsoft.com/office/drawing/2014/main" id="{B674CA99-AD0B-472B-BD2F-AF6AA7DE490B}"/>
+                <a16:creationId xmlns:a16="http://schemas.microsoft.com/office/drawing/2014/main" xmlns="" id="{B674CA99-AD0B-472B-BD2F-AF6AA7DE490B}"/>
               </a:ext>
             </a:extLst>
           </p:cNvPr>
@@ -16279,6 +16300,10 @@
             </a:r>
           </a:p>
           <a:p>
+            <a:r>
+              <a:rPr lang="en-US" dirty="0"/>
+              <a:t>Ellison, A. M. (2004). "Bayesian inference in ecology." Ecology Letters 7(6): 509-520.</a:t>
+            </a:r>
             <a:endParaRPr lang="es-419" noProof="0" dirty="0"/>
           </a:p>
         </p:txBody>
@@ -16288,7 +16313,7 @@
           <p:cNvPr id="4" name="Slide Number Placeholder 3">
             <a:extLst>
               <a:ext uri="{FF2B5EF4-FFF2-40B4-BE49-F238E27FC236}">
-                <a16:creationId xmlns="" xmlns:a16="http://schemas.microsoft.com/office/drawing/2014/main" id="{6F6CFCEE-97D6-460E-9635-2B1BFC0C65FA}"/>
+                <a16:creationId xmlns:a16="http://schemas.microsoft.com/office/drawing/2014/main" xmlns="" id="{6F6CFCEE-97D6-460E-9635-2B1BFC0C65FA}"/>
               </a:ext>
             </a:extLst>
           </p:cNvPr>
@@ -16354,7 +16379,7 @@
           <p:cNvPr id="2" name="Title 1">
             <a:extLst>
               <a:ext uri="{FF2B5EF4-FFF2-40B4-BE49-F238E27FC236}">
-                <a16:creationId xmlns="" xmlns:a16="http://schemas.microsoft.com/office/drawing/2014/main" id="{C7F9C6A9-2B24-4EE8-BDE5-563962F2581F}"/>
+                <a16:creationId xmlns:a16="http://schemas.microsoft.com/office/drawing/2014/main" xmlns="" id="{C7F9C6A9-2B24-4EE8-BDE5-563962F2581F}"/>
               </a:ext>
             </a:extLst>
           </p:cNvPr>
@@ -16387,7 +16412,7 @@
           <p:cNvPr id="3" name="Content Placeholder 2">
             <a:extLst>
               <a:ext uri="{FF2B5EF4-FFF2-40B4-BE49-F238E27FC236}">
-                <a16:creationId xmlns="" xmlns:a16="http://schemas.microsoft.com/office/drawing/2014/main" id="{121D4267-FEEA-40F5-B8A4-58F96222096E}"/>
+                <a16:creationId xmlns:a16="http://schemas.microsoft.com/office/drawing/2014/main" xmlns="" id="{121D4267-FEEA-40F5-B8A4-58F96222096E}"/>
               </a:ext>
             </a:extLst>
           </p:cNvPr>
@@ -16520,7 +16545,7 @@
           <p:cNvPr id="4" name="Slide Number Placeholder 3">
             <a:extLst>
               <a:ext uri="{FF2B5EF4-FFF2-40B4-BE49-F238E27FC236}">
-                <a16:creationId xmlns="" xmlns:a16="http://schemas.microsoft.com/office/drawing/2014/main" id="{454C7E0C-0413-4B5A-BFAB-E85F4692A1AB}"/>
+                <a16:creationId xmlns:a16="http://schemas.microsoft.com/office/drawing/2014/main" xmlns="" id="{454C7E0C-0413-4B5A-BFAB-E85F4692A1AB}"/>
               </a:ext>
             </a:extLst>
           </p:cNvPr>
@@ -16549,7 +16574,7 @@
           <p:cNvPr id="5" name="Object 4">
             <a:extLst>
               <a:ext uri="{FF2B5EF4-FFF2-40B4-BE49-F238E27FC236}">
-                <a16:creationId xmlns="" xmlns:a16="http://schemas.microsoft.com/office/drawing/2014/main" id="{1A5D4530-6651-4EBB-8385-AC8644111CC2}"/>
+                <a16:creationId xmlns:a16="http://schemas.microsoft.com/office/drawing/2014/main" xmlns="" id="{1A5D4530-6651-4EBB-8385-AC8644111CC2}"/>
               </a:ext>
             </a:extLst>
           </p:cNvPr>
@@ -16568,7 +16593,7 @@
           <a:graphicData uri="http://schemas.openxmlformats.org/presentationml/2006/ole">
             <mc:AlternateContent xmlns:mc="http://schemas.openxmlformats.org/markup-compatibility/2006">
               <mc:Choice xmlns:v="urn:schemas-microsoft-com:vml" Requires="v">
-                <p:oleObj spid="_x0000_s4161" name="Equation" r:id="rId3" imgW="2387520" imgH="419040" progId="Equation.DSMT4">
+                <p:oleObj spid="_x0000_s4169" name="Equation" r:id="rId3" imgW="2387520" imgH="419040" progId="Equation.DSMT4">
                   <p:embed/>
                 </p:oleObj>
               </mc:Choice>
@@ -16645,7 +16670,7 @@
           <p:cNvPr id="2" name="Title 1">
             <a:extLst>
               <a:ext uri="{FF2B5EF4-FFF2-40B4-BE49-F238E27FC236}">
-                <a16:creationId xmlns="" xmlns:a16="http://schemas.microsoft.com/office/drawing/2014/main" id="{80F7DCC6-71E1-4DF2-97AA-E5A8DB3F1534}"/>
+                <a16:creationId xmlns:a16="http://schemas.microsoft.com/office/drawing/2014/main" xmlns="" id="{80F7DCC6-71E1-4DF2-97AA-E5A8DB3F1534}"/>
               </a:ext>
             </a:extLst>
           </p:cNvPr>
@@ -16678,7 +16703,7 @@
           <p:cNvPr id="3" name="Content Placeholder 2">
             <a:extLst>
               <a:ext uri="{FF2B5EF4-FFF2-40B4-BE49-F238E27FC236}">
-                <a16:creationId xmlns="" xmlns:a16="http://schemas.microsoft.com/office/drawing/2014/main" id="{E40E67CA-8C31-40FF-A936-8803BCFAF8B3}"/>
+                <a16:creationId xmlns:a16="http://schemas.microsoft.com/office/drawing/2014/main" xmlns="" id="{E40E67CA-8C31-40FF-A936-8803BCFAF8B3}"/>
               </a:ext>
             </a:extLst>
           </p:cNvPr>
@@ -16776,15 +16801,7 @@
             </a:r>
             <a:r>
               <a:rPr lang="es-419" sz="2800" i="1" u="sng" dirty="0" smtClean="0"/>
-              <a:t>la </a:t>
-            </a:r>
-            <a:r>
-              <a:rPr lang="es-419" sz="2800" i="1" u="sng" dirty="0" smtClean="0"/>
-              <a:t>creencia </a:t>
-            </a:r>
-            <a:r>
-              <a:rPr lang="es-419" sz="2800" i="1" u="sng" dirty="0" smtClean="0"/>
-              <a:t>que resulta de la combinación de dos fuentes da información: prior y datos. </a:t>
+              <a:t>la creencia que resulta de la combinación de dos fuentes da información: prior y datos. </a:t>
             </a:r>
           </a:p>
           <a:p>
@@ -16812,7 +16829,7 @@
           <p:cNvPr id="4" name="Slide Number Placeholder 3">
             <a:extLst>
               <a:ext uri="{FF2B5EF4-FFF2-40B4-BE49-F238E27FC236}">
-                <a16:creationId xmlns="" xmlns:a16="http://schemas.microsoft.com/office/drawing/2014/main" id="{C3F490B8-41BF-42A2-859F-AC4D17B02629}"/>
+                <a16:creationId xmlns:a16="http://schemas.microsoft.com/office/drawing/2014/main" xmlns="" id="{C3F490B8-41BF-42A2-859F-AC4D17B02629}"/>
               </a:ext>
             </a:extLst>
           </p:cNvPr>
@@ -16846,6 +16863,13 @@
   <p:clrMapOvr>
     <a:masterClrMapping/>
   </p:clrMapOvr>
+  <p:timing>
+    <p:tnLst>
+      <p:par>
+        <p:cTn id="1" dur="indefinite" restart="never" nodeType="tmRoot"/>
+      </p:par>
+    </p:tnLst>
+  </p:timing>
 </p:sld>
 </file>
 
@@ -16871,7 +16895,7 @@
           <p:cNvPr id="2" name="Title 1">
             <a:extLst>
               <a:ext uri="{FF2B5EF4-FFF2-40B4-BE49-F238E27FC236}">
-                <a16:creationId xmlns="" xmlns:a16="http://schemas.microsoft.com/office/drawing/2014/main" id="{E58841CB-F12A-49AE-A0F6-FC905252F346}"/>
+                <a16:creationId xmlns:a16="http://schemas.microsoft.com/office/drawing/2014/main" xmlns="" id="{E58841CB-F12A-49AE-A0F6-FC905252F346}"/>
               </a:ext>
             </a:extLst>
           </p:cNvPr>
@@ -16897,11 +16921,7 @@
             </a:r>
             <a:r>
               <a:rPr lang="es-419" sz="3600" noProof="0" dirty="0" smtClean="0"/>
-              <a:t>los </a:t>
-            </a:r>
-            <a:r>
-              <a:rPr lang="es-419" sz="3600" noProof="0" dirty="0" smtClean="0"/>
-              <a:t>paradigmas de inferencia.</a:t>
+              <a:t>los paradigmas de inferencia.</a:t>
             </a:r>
             <a:endParaRPr lang="es-419" sz="3600" noProof="0" dirty="0"/>
           </a:p>
@@ -16912,7 +16932,7 @@
           <p:cNvPr id="4" name="Slide Number Placeholder 3">
             <a:extLst>
               <a:ext uri="{FF2B5EF4-FFF2-40B4-BE49-F238E27FC236}">
-                <a16:creationId xmlns="" xmlns:a16="http://schemas.microsoft.com/office/drawing/2014/main" id="{28183925-41CE-45AE-9C75-56FB10A283D7}"/>
+                <a16:creationId xmlns:a16="http://schemas.microsoft.com/office/drawing/2014/main" xmlns="" id="{28183925-41CE-45AE-9C75-56FB10A283D7}"/>
               </a:ext>
             </a:extLst>
           </p:cNvPr>
@@ -16941,7 +16961,7 @@
           <p:cNvPr id="7" name="Table 6">
             <a:extLst>
               <a:ext uri="{FF2B5EF4-FFF2-40B4-BE49-F238E27FC236}">
-                <a16:creationId xmlns="" xmlns:a16="http://schemas.microsoft.com/office/drawing/2014/main" id="{5A715EBA-BA67-4106-AD2E-72C266A592B8}"/>
+                <a16:creationId xmlns:a16="http://schemas.microsoft.com/office/drawing/2014/main" xmlns="" id="{5A715EBA-BA67-4106-AD2E-72C266A592B8}"/>
               </a:ext>
             </a:extLst>
           </p:cNvPr>
@@ -16966,21 +16986,21 @@
                 <a:gridCol w="2085975">
                   <a:extLst>
                     <a:ext uri="{9D8B030D-6E8A-4147-A177-3AD203B41FA5}">
-                      <a16:colId xmlns="" xmlns:a16="http://schemas.microsoft.com/office/drawing/2014/main" val="1489099423"/>
+                      <a16:colId xmlns:a16="http://schemas.microsoft.com/office/drawing/2014/main" xmlns="" val="1489099423"/>
                     </a:ext>
                   </a:extLst>
                 </a:gridCol>
                 <a:gridCol w="2847975">
                   <a:extLst>
                     <a:ext uri="{9D8B030D-6E8A-4147-A177-3AD203B41FA5}">
-                      <a16:colId xmlns="" xmlns:a16="http://schemas.microsoft.com/office/drawing/2014/main" val="2143065116"/>
+                      <a16:colId xmlns:a16="http://schemas.microsoft.com/office/drawing/2014/main" xmlns="" val="2143065116"/>
                     </a:ext>
                   </a:extLst>
                 </a:gridCol>
                 <a:gridCol w="3438525">
                   <a:extLst>
                     <a:ext uri="{9D8B030D-6E8A-4147-A177-3AD203B41FA5}">
-                      <a16:colId xmlns="" xmlns:a16="http://schemas.microsoft.com/office/drawing/2014/main" val="2806201724"/>
+                      <a16:colId xmlns:a16="http://schemas.microsoft.com/office/drawing/2014/main" xmlns="" val="2806201724"/>
                     </a:ext>
                   </a:extLst>
                 </a:gridCol>
@@ -17025,7 +17045,7 @@
                 </a:tc>
                 <a:extLst>
                   <a:ext uri="{0D108BD9-81ED-4DB2-BD59-A6C34878D82A}">
-                    <a16:rowId xmlns="" xmlns:a16="http://schemas.microsoft.com/office/drawing/2014/main" val="2756381196"/>
+                    <a16:rowId xmlns:a16="http://schemas.microsoft.com/office/drawing/2014/main" xmlns="" val="2756381196"/>
                   </a:ext>
                 </a:extLst>
               </a:tr>
@@ -17083,7 +17103,7 @@
                 </a:tc>
                 <a:extLst>
                   <a:ext uri="{0D108BD9-81ED-4DB2-BD59-A6C34878D82A}">
-                    <a16:rowId xmlns="" xmlns:a16="http://schemas.microsoft.com/office/drawing/2014/main" val="477521452"/>
+                    <a16:rowId xmlns:a16="http://schemas.microsoft.com/office/drawing/2014/main" xmlns="" val="477521452"/>
                   </a:ext>
                 </a:extLst>
               </a:tr>
@@ -17129,7 +17149,7 @@
                 </a:tc>
                 <a:extLst>
                   <a:ext uri="{0D108BD9-81ED-4DB2-BD59-A6C34878D82A}">
-                    <a16:rowId xmlns="" xmlns:a16="http://schemas.microsoft.com/office/drawing/2014/main" val="4186324477"/>
+                    <a16:rowId xmlns:a16="http://schemas.microsoft.com/office/drawing/2014/main" xmlns="" val="4186324477"/>
                   </a:ext>
                 </a:extLst>
               </a:tr>
@@ -17175,7 +17195,7 @@
                 </a:tc>
                 <a:extLst>
                   <a:ext uri="{0D108BD9-81ED-4DB2-BD59-A6C34878D82A}">
-                    <a16:rowId xmlns="" xmlns:a16="http://schemas.microsoft.com/office/drawing/2014/main" val="2886965010"/>
+                    <a16:rowId xmlns:a16="http://schemas.microsoft.com/office/drawing/2014/main" xmlns="" val="2886965010"/>
                   </a:ext>
                 </a:extLst>
               </a:tr>
@@ -17221,7 +17241,7 @@
                 </a:tc>
                 <a:extLst>
                   <a:ext uri="{0D108BD9-81ED-4DB2-BD59-A6C34878D82A}">
-                    <a16:rowId xmlns="" xmlns:a16="http://schemas.microsoft.com/office/drawing/2014/main" val="965711301"/>
+                    <a16:rowId xmlns:a16="http://schemas.microsoft.com/office/drawing/2014/main" xmlns="" val="965711301"/>
                   </a:ext>
                 </a:extLst>
               </a:tr>
@@ -17267,7 +17287,7 @@
                 </a:tc>
                 <a:extLst>
                   <a:ext uri="{0D108BD9-81ED-4DB2-BD59-A6C34878D82A}">
-                    <a16:rowId xmlns="" xmlns:a16="http://schemas.microsoft.com/office/drawing/2014/main" val="2667989358"/>
+                    <a16:rowId xmlns:a16="http://schemas.microsoft.com/office/drawing/2014/main" xmlns="" val="2667989358"/>
                   </a:ext>
                 </a:extLst>
               </a:tr>
@@ -17280,7 +17300,7 @@
           <p:cNvPr id="8" name="TextBox 7">
             <a:extLst>
               <a:ext uri="{FF2B5EF4-FFF2-40B4-BE49-F238E27FC236}">
-                <a16:creationId xmlns="" xmlns:a16="http://schemas.microsoft.com/office/drawing/2014/main" id="{4D1BDB25-B765-4988-8C88-9403DF8C9D40}"/>
+                <a16:creationId xmlns:a16="http://schemas.microsoft.com/office/drawing/2014/main" xmlns="" id="{4D1BDB25-B765-4988-8C88-9403DF8C9D40}"/>
               </a:ext>
             </a:extLst>
           </p:cNvPr>
@@ -17320,6 +17340,13 @@
   <p:clrMapOvr>
     <a:masterClrMapping/>
   </p:clrMapOvr>
+  <p:timing>
+    <p:tnLst>
+      <p:par>
+        <p:cTn id="1" dur="indefinite" restart="never" nodeType="tmRoot"/>
+      </p:par>
+    </p:tnLst>
+  </p:timing>
 </p:sld>
 </file>
 
@@ -17345,7 +17372,7 @@
           <p:cNvPr id="2" name="Title 1">
             <a:extLst>
               <a:ext uri="{FF2B5EF4-FFF2-40B4-BE49-F238E27FC236}">
-                <a16:creationId xmlns="" xmlns:a16="http://schemas.microsoft.com/office/drawing/2014/main" id="{8C55C254-BC36-4A04-AFEA-41B3912E23CE}"/>
+                <a16:creationId xmlns:a16="http://schemas.microsoft.com/office/drawing/2014/main" xmlns="" id="{8C55C254-BC36-4A04-AFEA-41B3912E23CE}"/>
               </a:ext>
             </a:extLst>
           </p:cNvPr>
@@ -17374,7 +17401,7 @@
           <p:cNvPr id="3" name="Content Placeholder 2">
             <a:extLst>
               <a:ext uri="{FF2B5EF4-FFF2-40B4-BE49-F238E27FC236}">
-                <a16:creationId xmlns="" xmlns:a16="http://schemas.microsoft.com/office/drawing/2014/main" id="{98825B73-670B-47B8-9AEF-873D89CA6C67}"/>
+                <a16:creationId xmlns:a16="http://schemas.microsoft.com/office/drawing/2014/main" xmlns="" id="{98825B73-670B-47B8-9AEF-873D89CA6C67}"/>
               </a:ext>
             </a:extLst>
           </p:cNvPr>
@@ -17454,7 +17481,7 @@
           <p:cNvPr id="4" name="Slide Number Placeholder 3">
             <a:extLst>
               <a:ext uri="{FF2B5EF4-FFF2-40B4-BE49-F238E27FC236}">
-                <a16:creationId xmlns="" xmlns:a16="http://schemas.microsoft.com/office/drawing/2014/main" id="{416B2EE1-1618-4B97-8C5E-68CCFAECB68A}"/>
+                <a16:creationId xmlns:a16="http://schemas.microsoft.com/office/drawing/2014/main" xmlns="" id="{416B2EE1-1618-4B97-8C5E-68CCFAECB68A}"/>
               </a:ext>
             </a:extLst>
           </p:cNvPr>
@@ -17488,6 +17515,13 @@
   <p:clrMapOvr>
     <a:masterClrMapping/>
   </p:clrMapOvr>
+  <p:timing>
+    <p:tnLst>
+      <p:par>
+        <p:cTn id="1" dur="indefinite" restart="never" nodeType="tmRoot"/>
+      </p:par>
+    </p:tnLst>
+  </p:timing>
 </p:sld>
 </file>
 
@@ -17513,7 +17547,7 @@
           <p:cNvPr id="2" name="Title 1">
             <a:extLst>
               <a:ext uri="{FF2B5EF4-FFF2-40B4-BE49-F238E27FC236}">
-                <a16:creationId xmlns="" xmlns:a16="http://schemas.microsoft.com/office/drawing/2014/main" id="{8C55C254-BC36-4A04-AFEA-41B3912E23CE}"/>
+                <a16:creationId xmlns:a16="http://schemas.microsoft.com/office/drawing/2014/main" xmlns="" id="{8C55C254-BC36-4A04-AFEA-41B3912E23CE}"/>
               </a:ext>
             </a:extLst>
           </p:cNvPr>
@@ -17542,7 +17576,7 @@
           <p:cNvPr id="3" name="Content Placeholder 2">
             <a:extLst>
               <a:ext uri="{FF2B5EF4-FFF2-40B4-BE49-F238E27FC236}">
-                <a16:creationId xmlns="" xmlns:a16="http://schemas.microsoft.com/office/drawing/2014/main" id="{98825B73-670B-47B8-9AEF-873D89CA6C67}"/>
+                <a16:creationId xmlns:a16="http://schemas.microsoft.com/office/drawing/2014/main" xmlns="" id="{98825B73-670B-47B8-9AEF-873D89CA6C67}"/>
               </a:ext>
             </a:extLst>
           </p:cNvPr>
@@ -17560,13 +17594,8 @@
           <a:p>
             <a:r>
               <a:rPr lang="es-419" noProof="0" dirty="0" smtClean="0"/>
-              <a:t>Toma mas tiempo </a:t>
-            </a:r>
-            <a:r>
-              <a:rPr lang="es-419" noProof="0" dirty="0" smtClean="0"/>
-              <a:t>para estimar </a:t>
-            </a:r>
-            <a:endParaRPr lang="es-419" noProof="0" dirty="0" smtClean="0"/>
+              <a:t>Toma mas tiempo para estimar </a:t>
+            </a:r>
           </a:p>
           <a:p>
             <a:r>
@@ -17603,11 +17632,7 @@
             </a:r>
             <a:r>
               <a:rPr lang="es-419" sz="1600" noProof="0" dirty="0" smtClean="0"/>
-              <a:t> </a:t>
-            </a:r>
-            <a:r>
-              <a:rPr lang="es-419" sz="1600" noProof="0" dirty="0" smtClean="0"/>
-              <a:t>and Cope 2017, </a:t>
+              <a:t> and Cope 2017, </a:t>
             </a:r>
             <a:r>
               <a:rPr lang="es-419" sz="1600" noProof="0" dirty="0" err="1" smtClean="0"/>
@@ -17665,7 +17690,7 @@
           <p:cNvPr id="4" name="Slide Number Placeholder 3">
             <a:extLst>
               <a:ext uri="{FF2B5EF4-FFF2-40B4-BE49-F238E27FC236}">
-                <a16:creationId xmlns="" xmlns:a16="http://schemas.microsoft.com/office/drawing/2014/main" id="{416B2EE1-1618-4B97-8C5E-68CCFAECB68A}"/>
+                <a16:creationId xmlns:a16="http://schemas.microsoft.com/office/drawing/2014/main" xmlns="" id="{416B2EE1-1618-4B97-8C5E-68CCFAECB68A}"/>
               </a:ext>
             </a:extLst>
           </p:cNvPr>
@@ -17699,6 +17724,13 @@
   <p:clrMapOvr>
     <a:masterClrMapping/>
   </p:clrMapOvr>
+  <p:timing>
+    <p:tnLst>
+      <p:par>
+        <p:cTn id="1" dur="indefinite" restart="never" nodeType="tmRoot"/>
+      </p:par>
+    </p:tnLst>
+  </p:timing>
 </p:sld>
 </file>
 
@@ -17800,11 +17832,7 @@
             </a:r>
             <a:r>
               <a:rPr lang="es-419" sz="2800" dirty="0" smtClean="0"/>
-              <a:t>posibles de los </a:t>
-            </a:r>
-            <a:r>
-              <a:rPr lang="es-419" sz="2800" dirty="0" smtClean="0"/>
-              <a:t>parámetros </a:t>
+              <a:t>posibles de los parámetros </a:t>
             </a:r>
             <a:r>
               <a:rPr lang="es-419" sz="2800" noProof="0" dirty="0" smtClean="0"/>
@@ -17973,6 +18001,13 @@
   <p:clrMapOvr>
     <a:masterClrMapping/>
   </p:clrMapOvr>
+  <p:timing>
+    <p:tnLst>
+      <p:par>
+        <p:cTn id="1" dur="indefinite" restart="never" nodeType="tmRoot"/>
+      </p:par>
+    </p:tnLst>
+  </p:timing>
 </p:sld>
 </file>
 

--- a/dia2/lecture2_bayes.pptx
+++ b/dia2/lecture2_bayes.pptx
@@ -243,7 +243,7 @@
           <a:p>
             <a:fld id="{9EC8F33C-A7AA-43A7-BCA9-F081EA0B4664}" type="datetimeFigureOut">
               <a:rPr lang="en-US" smtClean="0"/>
-              <a:t>1/15/2019</a:t>
+              <a:t>1/22/2019</a:t>
             </a:fld>
             <a:endParaRPr lang="en-US"/>
           </a:p>
@@ -592,7 +592,7 @@
           </a:ln>
           <a:extLst>
             <a:ext uri="{909E8E84-426E-40dd-AFC4-6F175D3DCCD1}">
-              <a14:hiddenFill xmlns:a14="http://schemas.microsoft.com/office/drawing/2010/main" xmlns="">
+              <a14:hiddenFill xmlns="" xmlns:a14="http://schemas.microsoft.com/office/drawing/2010/main">
                 <a:solidFill>
                   <a:srgbClr val="FFFFFF"/>
                 </a:solidFill>
@@ -635,7 +635,7 @@
           </a:ln>
           <a:extLst>
             <a:ext uri="{909E8E84-426E-40dd-AFC4-6F175D3DCCD1}">
-              <a14:hiddenFill xmlns:a14="http://schemas.microsoft.com/office/drawing/2010/main" xmlns="">
+              <a14:hiddenFill xmlns="" xmlns:a14="http://schemas.microsoft.com/office/drawing/2010/main">
                 <a:noFill/>
               </a14:hiddenFill>
             </a:ext>
@@ -734,7 +734,7 @@
           <a:p>
             <a:fld id="{9A356AEA-056F-417E-9B38-4BA8743FE6C4}" type="datetime1">
               <a:rPr lang="en-US" smtClean="0"/>
-              <a:t>1/15/2019</a:t>
+              <a:t>1/22/2019</a:t>
             </a:fld>
             <a:endParaRPr lang="en-US"/>
           </a:p>
@@ -921,7 +921,7 @@
           <a:p>
             <a:fld id="{09867F7C-1948-4907-9EBC-DD38682B5188}" type="datetime1">
               <a:rPr lang="en-US" smtClean="0"/>
-              <a:t>1/15/2019</a:t>
+              <a:t>1/22/2019</a:t>
             </a:fld>
             <a:endParaRPr lang="en-US"/>
           </a:p>
@@ -1117,7 +1117,7 @@
           <a:p>
             <a:fld id="{A5996870-3492-4879-A20C-50CF7F25E309}" type="datetime1">
               <a:rPr lang="en-US" smtClean="0"/>
-              <a:t>1/15/2019</a:t>
+              <a:t>1/22/2019</a:t>
             </a:fld>
             <a:endParaRPr lang="en-US"/>
           </a:p>
@@ -1369,7 +1369,7 @@
           <a:p>
             <a:fld id="{3339509F-2835-4D20-8448-C5CCD453FC4A}" type="datetime1">
               <a:rPr lang="en-US" smtClean="0"/>
-              <a:t>1/15/2019</a:t>
+              <a:t>1/22/2019</a:t>
             </a:fld>
             <a:endParaRPr lang="en-US"/>
           </a:p>
@@ -1593,7 +1593,7 @@
           <a:p>
             <a:fld id="{7A6EDDDE-DBE4-4114-B865-EC3A2920782E}" type="datetime1">
               <a:rPr lang="en-US" smtClean="0"/>
-              <a:t>1/15/2019</a:t>
+              <a:t>1/22/2019</a:t>
             </a:fld>
             <a:endParaRPr lang="en-US"/>
           </a:p>
@@ -1901,7 +1901,7 @@
           <a:p>
             <a:fld id="{8DA96907-43AE-4B1E-B5FF-6853ADDA5697}" type="datetime1">
               <a:rPr lang="en-US" smtClean="0"/>
-              <a:t>1/15/2019</a:t>
+              <a:t>1/22/2019</a:t>
             </a:fld>
             <a:endParaRPr lang="en-US"/>
           </a:p>
@@ -2069,7 +2069,7 @@
           <a:p>
             <a:fld id="{2E65DF97-DE0F-4515-8F8D-0E1C627BC4E9}" type="datetime1">
               <a:rPr lang="en-US" smtClean="0"/>
-              <a:t>1/15/2019</a:t>
+              <a:t>1/22/2019</a:t>
             </a:fld>
             <a:endParaRPr lang="en-US"/>
           </a:p>
@@ -2381,7 +2381,7 @@
           <a:p>
             <a:fld id="{23B9FD00-80D5-4EA7-B536-8F4F2C3959C9}" type="datetime1">
               <a:rPr lang="en-US" smtClean="0"/>
-              <a:t>1/15/2019</a:t>
+              <a:t>1/22/2019</a:t>
             </a:fld>
             <a:endParaRPr lang="en-US"/>
           </a:p>
@@ -2693,7 +2693,7 @@
           <a:p>
             <a:fld id="{DAC77084-4DB4-4A23-9870-BF49183ACB4C}" type="datetime1">
               <a:rPr lang="en-US" smtClean="0"/>
-              <a:t>1/15/2019</a:t>
+              <a:t>1/22/2019</a:t>
             </a:fld>
             <a:endParaRPr lang="en-US"/>
           </a:p>
@@ -2879,7 +2879,7 @@
           <a:p>
             <a:fld id="{6E487ECE-0D8C-4AFB-BD35-997F06E0971C}" type="datetime1">
               <a:rPr lang="en-US" smtClean="0"/>
-              <a:t>1/15/2019</a:t>
+              <a:t>1/22/2019</a:t>
             </a:fld>
             <a:endParaRPr lang="en-US"/>
           </a:p>
@@ -3088,7 +3088,7 @@
           <a:p>
             <a:fld id="{D4F6DC8D-78A1-49CC-B033-F77D87B04958}" type="datetime1">
               <a:rPr lang="en-US" smtClean="0"/>
-              <a:t>1/15/2019</a:t>
+              <a:t>1/22/2019</a:t>
             </a:fld>
             <a:endParaRPr lang="en-US"/>
           </a:p>
@@ -3391,7 +3391,7 @@
           <a:p>
             <a:fld id="{3BCF4A7C-A413-48DA-9211-5240CAEE1DD4}" type="datetime1">
               <a:rPr lang="en-US" smtClean="0"/>
-              <a:t>1/15/2019</a:t>
+              <a:t>1/22/2019</a:t>
             </a:fld>
             <a:endParaRPr lang="en-US"/>
           </a:p>
@@ -3833,7 +3833,7 @@
           <a:p>
             <a:fld id="{AAE887C4-8D00-4515-BD6B-6D6B646F02F7}" type="datetime1">
               <a:rPr lang="en-US" smtClean="0"/>
-              <a:t>1/15/2019</a:t>
+              <a:t>1/22/2019</a:t>
             </a:fld>
             <a:endParaRPr lang="en-US"/>
           </a:p>
@@ -3968,7 +3968,7 @@
           <a:p>
             <a:fld id="{10C13C5A-776A-4D2B-A91E-2ACB7D90E7CC}" type="datetime1">
               <a:rPr lang="en-US" smtClean="0"/>
-              <a:t>1/15/2019</a:t>
+              <a:t>1/22/2019</a:t>
             </a:fld>
             <a:endParaRPr lang="en-US"/>
           </a:p>
@@ -4081,7 +4081,7 @@
           <a:p>
             <a:fld id="{00A5D59F-6FC3-492C-BAE3-F50C9D1FBA31}" type="datetime1">
               <a:rPr lang="en-US" smtClean="0"/>
-              <a:t>1/15/2019</a:t>
+              <a:t>1/22/2019</a:t>
             </a:fld>
             <a:endParaRPr lang="en-US"/>
           </a:p>
@@ -4374,7 +4374,7 @@
           <a:p>
             <a:fld id="{CD78B45F-E474-4F2F-801A-58FC9FE22655}" type="datetime1">
               <a:rPr lang="en-US" smtClean="0"/>
-              <a:t>1/15/2019</a:t>
+              <a:t>1/22/2019</a:t>
             </a:fld>
             <a:endParaRPr lang="en-US"/>
           </a:p>
@@ -4648,7 +4648,7 @@
           <a:p>
             <a:fld id="{FDF35450-A835-4587-8F84-782057674F92}" type="datetime1">
               <a:rPr lang="en-US" smtClean="0"/>
-              <a:t>1/15/2019</a:t>
+              <a:t>1/22/2019</a:t>
             </a:fld>
             <a:endParaRPr lang="en-US"/>
           </a:p>
@@ -4770,17 +4770,17 @@
           </a:ln>
           <a:extLst>
             <a:ext uri="{FAA26D3D-D897-4be2-8F04-BA451C77F1D7}">
-              <ma14:placeholderFlag xmlns:ma14="http://schemas.microsoft.com/office/mac/drawingml/2011/main" xmlns="" val="1"/>
+              <ma14:placeholderFlag xmlns="" xmlns:ma14="http://schemas.microsoft.com/office/mac/drawingml/2011/main" val="1"/>
             </a:ext>
             <a:ext uri="{909E8E84-426E-40dd-AFC4-6F175D3DCCD1}">
-              <a14:hiddenFill xmlns:a14="http://schemas.microsoft.com/office/drawing/2010/main" xmlns="">
+              <a14:hiddenFill xmlns="" xmlns:a14="http://schemas.microsoft.com/office/drawing/2010/main">
                 <a:solidFill>
                   <a:srgbClr val="FFFFFF"/>
                 </a:solidFill>
               </a14:hiddenFill>
             </a:ext>
             <a:ext uri="{91240B29-F687-4f45-9708-019B960494DF}">
-              <a14:hiddenLine xmlns:a14="http://schemas.microsoft.com/office/drawing/2010/main" xmlns="" w="9525">
+              <a14:hiddenLine xmlns="" xmlns:a14="http://schemas.microsoft.com/office/drawing/2010/main" w="9525">
                 <a:solidFill>
                   <a:srgbClr val="000000"/>
                 </a:solidFill>
@@ -4832,17 +4832,17 @@
           </a:ln>
           <a:extLst>
             <a:ext uri="{FAA26D3D-D897-4be2-8F04-BA451C77F1D7}">
-              <ma14:placeholderFlag xmlns:ma14="http://schemas.microsoft.com/office/mac/drawingml/2011/main" xmlns="" val="1"/>
+              <ma14:placeholderFlag xmlns="" xmlns:ma14="http://schemas.microsoft.com/office/mac/drawingml/2011/main" val="1"/>
             </a:ext>
             <a:ext uri="{909E8E84-426E-40dd-AFC4-6F175D3DCCD1}">
-              <a14:hiddenFill xmlns:a14="http://schemas.microsoft.com/office/drawing/2010/main" xmlns="">
+              <a14:hiddenFill xmlns="" xmlns:a14="http://schemas.microsoft.com/office/drawing/2010/main">
                 <a:solidFill>
                   <a:srgbClr val="FFFFFF"/>
                 </a:solidFill>
               </a14:hiddenFill>
             </a:ext>
             <a:ext uri="{91240B29-F687-4f45-9708-019B960494DF}">
-              <a14:hiddenLine xmlns:a14="http://schemas.microsoft.com/office/drawing/2010/main" xmlns="" w="9525">
+              <a14:hiddenLine xmlns="" xmlns:a14="http://schemas.microsoft.com/office/drawing/2010/main" w="9525">
                 <a:solidFill>
                   <a:srgbClr val="000000"/>
                 </a:solidFill>
@@ -4942,7 +4942,7 @@
           <a:p>
             <a:fld id="{F6803E09-2A09-4EEA-8E99-292225B5EDFC}" type="datetime1">
               <a:rPr lang="en-US" smtClean="0"/>
-              <a:t>1/15/2019</a:t>
+              <a:t>1/22/2019</a:t>
             </a:fld>
             <a:endParaRPr lang="en-US"/>
           </a:p>
@@ -5110,7 +5110,7 @@
           </a:ln>
           <a:extLst>
             <a:ext uri="{909E8E84-426E-40dd-AFC4-6F175D3DCCD1}">
-              <a14:hiddenFill xmlns:a14="http://schemas.microsoft.com/office/drawing/2010/main" xmlns="">
+              <a14:hiddenFill xmlns="" xmlns:a14="http://schemas.microsoft.com/office/drawing/2010/main">
                 <a:solidFill>
                   <a:srgbClr val="FFFFFF"/>
                 </a:solidFill>
@@ -5153,7 +5153,7 @@
           </a:ln>
           <a:extLst>
             <a:ext uri="{909E8E84-426E-40dd-AFC4-6F175D3DCCD1}">
-              <a14:hiddenFill xmlns:a14="http://schemas.microsoft.com/office/drawing/2010/main" xmlns="">
+              <a14:hiddenFill xmlns="" xmlns:a14="http://schemas.microsoft.com/office/drawing/2010/main">
                 <a:noFill/>
               </a14:hiddenFill>
             </a:ext>
@@ -5638,7 +5638,7 @@
           <p:cNvPr id="2" name="Title 1">
             <a:extLst>
               <a:ext uri="{FF2B5EF4-FFF2-40B4-BE49-F238E27FC236}">
-                <a16:creationId xmlns:a16="http://schemas.microsoft.com/office/drawing/2014/main" xmlns="" id="{4819A39B-28BB-4873-9914-8FEE18891DD4}"/>
+                <a16:creationId xmlns="" xmlns:a16="http://schemas.microsoft.com/office/drawing/2014/main" id="{4819A39B-28BB-4873-9914-8FEE18891DD4}"/>
               </a:ext>
             </a:extLst>
           </p:cNvPr>
@@ -5669,7 +5669,7 @@
           <p:cNvPr id="5" name="Subtitle 2">
             <a:extLst>
               <a:ext uri="{FF2B5EF4-FFF2-40B4-BE49-F238E27FC236}">
-                <a16:creationId xmlns:a16="http://schemas.microsoft.com/office/drawing/2014/main" xmlns="" id="{2BECD79D-0B3A-44C2-A155-03EC2A6A5D3B}"/>
+                <a16:creationId xmlns="" xmlns:a16="http://schemas.microsoft.com/office/drawing/2014/main" id="{2BECD79D-0B3A-44C2-A155-03EC2A6A5D3B}"/>
               </a:ext>
             </a:extLst>
           </p:cNvPr>
@@ -5692,17 +5692,17 @@
           </a:ln>
           <a:extLst>
             <a:ext uri="{FAA26D3D-D897-4be2-8F04-BA451C77F1D7}">
-              <ma14:placeholderFlag xmlns:ma14="http://schemas.microsoft.com/office/mac/drawingml/2011/main" xmlns="" val="1"/>
+              <ma14:placeholderFlag xmlns="" xmlns:ma14="http://schemas.microsoft.com/office/mac/drawingml/2011/main" val="1"/>
             </a:ext>
             <a:ext uri="{909E8E84-426E-40dd-AFC4-6F175D3DCCD1}">
-              <a14:hiddenFill xmlns:a14="http://schemas.microsoft.com/office/drawing/2010/main" xmlns="">
+              <a14:hiddenFill xmlns="" xmlns:a14="http://schemas.microsoft.com/office/drawing/2010/main">
                 <a:solidFill>
                   <a:srgbClr val="FFFFFF"/>
                 </a:solidFill>
               </a14:hiddenFill>
             </a:ext>
             <a:ext uri="{91240B29-F687-4f45-9708-019B960494DF}">
-              <a14:hiddenLine xmlns:a14="http://schemas.microsoft.com/office/drawing/2010/main" xmlns="" w="9525">
+              <a14:hiddenLine xmlns="" xmlns:a14="http://schemas.microsoft.com/office/drawing/2010/main" w="9525">
                 <a:solidFill>
                   <a:srgbClr val="000000"/>
                 </a:solidFill>
@@ -5952,7 +5952,7 @@
             </a:r>
             <a:r>
               <a:rPr lang="en-US" kern="0" dirty="0" smtClean="0"/>
-              <a:t>2018</a:t>
+              <a:t>2019</a:t>
             </a:r>
             <a:endParaRPr lang="en-US" kern="0" dirty="0"/>
           </a:p>
@@ -6000,7 +6000,7 @@
           <p:cNvPr id="2" name="Title 1">
             <a:extLst>
               <a:ext uri="{FF2B5EF4-FFF2-40B4-BE49-F238E27FC236}">
-                <a16:creationId xmlns:a16="http://schemas.microsoft.com/office/drawing/2014/main" xmlns="" id="{E58841CB-F12A-49AE-A0F6-FC905252F346}"/>
+                <a16:creationId xmlns="" xmlns:a16="http://schemas.microsoft.com/office/drawing/2014/main" id="{E58841CB-F12A-49AE-A0F6-FC905252F346}"/>
               </a:ext>
             </a:extLst>
           </p:cNvPr>
@@ -6029,7 +6029,7 @@
           <p:cNvPr id="3" name="Content Placeholder 2">
             <a:extLst>
               <a:ext uri="{FF2B5EF4-FFF2-40B4-BE49-F238E27FC236}">
-                <a16:creationId xmlns:a16="http://schemas.microsoft.com/office/drawing/2014/main" xmlns="" id="{2BAA9235-4720-4EA9-AAB8-5711BE621A8E}"/>
+                <a16:creationId xmlns="" xmlns:a16="http://schemas.microsoft.com/office/drawing/2014/main" id="{2BAA9235-4720-4EA9-AAB8-5711BE621A8E}"/>
               </a:ext>
             </a:extLst>
           </p:cNvPr>
@@ -6230,7 +6230,7 @@
           <p:cNvPr id="4" name="Slide Number Placeholder 3">
             <a:extLst>
               <a:ext uri="{FF2B5EF4-FFF2-40B4-BE49-F238E27FC236}">
-                <a16:creationId xmlns:a16="http://schemas.microsoft.com/office/drawing/2014/main" xmlns="" id="{28183925-41CE-45AE-9C75-56FB10A283D7}"/>
+                <a16:creationId xmlns="" xmlns:a16="http://schemas.microsoft.com/office/drawing/2014/main" id="{28183925-41CE-45AE-9C75-56FB10A283D7}"/>
               </a:ext>
             </a:extLst>
           </p:cNvPr>
@@ -6482,7 +6482,7 @@
           <p:cNvPr id="2" name="Title 1">
             <a:extLst>
               <a:ext uri="{FF2B5EF4-FFF2-40B4-BE49-F238E27FC236}">
-                <a16:creationId xmlns:a16="http://schemas.microsoft.com/office/drawing/2014/main" xmlns="" id="{FD1B3A62-01C0-42BD-98E9-3E6390DF81DF}"/>
+                <a16:creationId xmlns="" xmlns:a16="http://schemas.microsoft.com/office/drawing/2014/main" id="{FD1B3A62-01C0-42BD-98E9-3E6390DF81DF}"/>
               </a:ext>
             </a:extLst>
           </p:cNvPr>
@@ -6524,7 +6524,7 @@
           <p:cNvPr id="3" name="Content Placeholder 2">
             <a:extLst>
               <a:ext uri="{FF2B5EF4-FFF2-40B4-BE49-F238E27FC236}">
-                <a16:creationId xmlns:a16="http://schemas.microsoft.com/office/drawing/2014/main" xmlns="" id="{1A73EBAF-5CC7-4858-9716-3C65EE0DA794}"/>
+                <a16:creationId xmlns="" xmlns:a16="http://schemas.microsoft.com/office/drawing/2014/main" id="{1A73EBAF-5CC7-4858-9716-3C65EE0DA794}"/>
               </a:ext>
             </a:extLst>
           </p:cNvPr>
@@ -6558,7 +6558,7 @@
           <p:cNvPr id="21" name="Group 20">
             <a:extLst>
               <a:ext uri="{FF2B5EF4-FFF2-40B4-BE49-F238E27FC236}">
-                <a16:creationId xmlns:a16="http://schemas.microsoft.com/office/drawing/2014/main" xmlns="" id="{8F921A97-963E-421A-B56B-BD8146171A30}"/>
+                <a16:creationId xmlns="" xmlns:a16="http://schemas.microsoft.com/office/drawing/2014/main" id="{8F921A97-963E-421A-B56B-BD8146171A30}"/>
               </a:ext>
             </a:extLst>
           </p:cNvPr>
@@ -6578,7 +6578,7 @@
             <p:cNvPr id="6" name="Arrow: Curved Left 5">
               <a:extLst>
                 <a:ext uri="{FF2B5EF4-FFF2-40B4-BE49-F238E27FC236}">
-                  <a16:creationId xmlns:a16="http://schemas.microsoft.com/office/drawing/2014/main" xmlns="" id="{09B887B1-DF79-42AF-927C-7AFEB95AE5A5}"/>
+                  <a16:creationId xmlns="" xmlns:a16="http://schemas.microsoft.com/office/drawing/2014/main" id="{09B887B1-DF79-42AF-927C-7AFEB95AE5A5}"/>
                 </a:ext>
               </a:extLst>
             </p:cNvPr>
@@ -6636,7 +6636,7 @@
             <p:cNvPr id="8" name="Arrow: Curved Left 7">
               <a:extLst>
                 <a:ext uri="{FF2B5EF4-FFF2-40B4-BE49-F238E27FC236}">
-                  <a16:creationId xmlns:a16="http://schemas.microsoft.com/office/drawing/2014/main" xmlns="" id="{336D464C-8C3B-47F3-AA22-C184D3DA504A}"/>
+                  <a16:creationId xmlns="" xmlns:a16="http://schemas.microsoft.com/office/drawing/2014/main" id="{336D464C-8C3B-47F3-AA22-C184D3DA504A}"/>
                 </a:ext>
               </a:extLst>
             </p:cNvPr>
@@ -6692,7 +6692,7 @@
             <p:cNvPr id="10" name="Rectangle 9">
               <a:extLst>
                 <a:ext uri="{FF2B5EF4-FFF2-40B4-BE49-F238E27FC236}">
-                  <a16:creationId xmlns:a16="http://schemas.microsoft.com/office/drawing/2014/main" xmlns="" id="{36942E7F-C513-4000-A7D5-7ED847131CA5}"/>
+                  <a16:creationId xmlns="" xmlns:a16="http://schemas.microsoft.com/office/drawing/2014/main" id="{36942E7F-C513-4000-A7D5-7ED847131CA5}"/>
                 </a:ext>
               </a:extLst>
             </p:cNvPr>
@@ -6751,7 +6751,7 @@
             <p:cNvPr id="11" name="Rectangle 10">
               <a:extLst>
                 <a:ext uri="{FF2B5EF4-FFF2-40B4-BE49-F238E27FC236}">
-                  <a16:creationId xmlns:a16="http://schemas.microsoft.com/office/drawing/2014/main" xmlns="" id="{5133CD7D-83B9-467B-AD1B-D84B8739D430}"/>
+                  <a16:creationId xmlns="" xmlns:a16="http://schemas.microsoft.com/office/drawing/2014/main" id="{5133CD7D-83B9-467B-AD1B-D84B8739D430}"/>
                 </a:ext>
               </a:extLst>
             </p:cNvPr>
@@ -6815,7 +6815,7 @@
             <p:cNvPr id="12" name="Rectangle 11">
               <a:extLst>
                 <a:ext uri="{FF2B5EF4-FFF2-40B4-BE49-F238E27FC236}">
-                  <a16:creationId xmlns:a16="http://schemas.microsoft.com/office/drawing/2014/main" xmlns="" id="{B804B82B-E689-492E-BB85-EF39CEAECA91}"/>
+                  <a16:creationId xmlns="" xmlns:a16="http://schemas.microsoft.com/office/drawing/2014/main" id="{B804B82B-E689-492E-BB85-EF39CEAECA91}"/>
                 </a:ext>
               </a:extLst>
             </p:cNvPr>
@@ -6883,7 +6883,7 @@
                 <p:cNvPr id="14" name="TextBox 13">
                   <a:extLst>
                     <a:ext uri="{FF2B5EF4-FFF2-40B4-BE49-F238E27FC236}">
-                      <a16:creationId xmlns:a16="http://schemas.microsoft.com/office/drawing/2014/main" xmlns="" id="{FE7DFB28-6C7F-4CC2-B9A0-E6FCD0B36DB0}"/>
+                      <a16:creationId xmlns="" xmlns:a16="http://schemas.microsoft.com/office/drawing/2014/main" id="{FE7DFB28-6C7F-4CC2-B9A0-E6FCD0B36DB0}"/>
                     </a:ext>
                   </a:extLst>
                 </p:cNvPr>
@@ -7013,7 +7013,7 @@
                 <p:cNvPr id="16" name="TextBox 15">
                   <a:extLst>
                     <a:ext uri="{FF2B5EF4-FFF2-40B4-BE49-F238E27FC236}">
-                      <a16:creationId xmlns:a16="http://schemas.microsoft.com/office/drawing/2014/main" xmlns="" id="{A497C3B0-C6B4-4AF4-B996-10A3B63A35C9}"/>
+                      <a16:creationId xmlns="" xmlns:a16="http://schemas.microsoft.com/office/drawing/2014/main" id="{A497C3B0-C6B4-4AF4-B996-10A3B63A35C9}"/>
                     </a:ext>
                   </a:extLst>
                 </p:cNvPr>
@@ -7115,7 +7115,7 @@
                 <p:cNvPr id="17" name="TextBox 16">
                   <a:extLst>
                     <a:ext uri="{FF2B5EF4-FFF2-40B4-BE49-F238E27FC236}">
-                      <a16:creationId xmlns:a16="http://schemas.microsoft.com/office/drawing/2014/main" xmlns="" id="{D85449E1-91DC-4331-88F6-186931F188FD}"/>
+                      <a16:creationId xmlns="" xmlns:a16="http://schemas.microsoft.com/office/drawing/2014/main" id="{D85449E1-91DC-4331-88F6-186931F188FD}"/>
                     </a:ext>
                   </a:extLst>
                 </p:cNvPr>
@@ -7217,7 +7217,7 @@
                 <p:cNvPr id="18" name="TextBox 17">
                   <a:extLst>
                     <a:ext uri="{FF2B5EF4-FFF2-40B4-BE49-F238E27FC236}">
-                      <a16:creationId xmlns:a16="http://schemas.microsoft.com/office/drawing/2014/main" xmlns="" id="{ACBE0D2A-A958-4220-ACC2-9A15C087815F}"/>
+                      <a16:creationId xmlns="" xmlns:a16="http://schemas.microsoft.com/office/drawing/2014/main" id="{ACBE0D2A-A958-4220-ACC2-9A15C087815F}"/>
                     </a:ext>
                   </a:extLst>
                 </p:cNvPr>
@@ -7347,7 +7347,7 @@
             <p:cNvPr id="19" name="Rectangle 18">
               <a:extLst>
                 <a:ext uri="{FF2B5EF4-FFF2-40B4-BE49-F238E27FC236}">
-                  <a16:creationId xmlns:a16="http://schemas.microsoft.com/office/drawing/2014/main" xmlns="" id="{9CC1A378-EE52-44AA-87A4-6B10CF12423D}"/>
+                  <a16:creationId xmlns="" xmlns:a16="http://schemas.microsoft.com/office/drawing/2014/main" id="{9CC1A378-EE52-44AA-87A4-6B10CF12423D}"/>
                 </a:ext>
               </a:extLst>
             </p:cNvPr>
@@ -7423,7 +7423,7 @@
             <p:cNvPr id="20" name="Rectangle 19">
               <a:extLst>
                 <a:ext uri="{FF2B5EF4-FFF2-40B4-BE49-F238E27FC236}">
-                  <a16:creationId xmlns:a16="http://schemas.microsoft.com/office/drawing/2014/main" xmlns="" id="{7C32FF97-82AB-459F-9A18-E93A14F08605}"/>
+                  <a16:creationId xmlns="" xmlns:a16="http://schemas.microsoft.com/office/drawing/2014/main" id="{7C32FF97-82AB-459F-9A18-E93A14F08605}"/>
                 </a:ext>
               </a:extLst>
             </p:cNvPr>
@@ -7476,7 +7476,7 @@
           <p:cNvPr id="4" name="Slide Number Placeholder 3">
             <a:extLst>
               <a:ext uri="{FF2B5EF4-FFF2-40B4-BE49-F238E27FC236}">
-                <a16:creationId xmlns:a16="http://schemas.microsoft.com/office/drawing/2014/main" xmlns="" id="{E675AE5E-8898-4E79-B312-DCF3854FF1CD}"/>
+                <a16:creationId xmlns="" xmlns:a16="http://schemas.microsoft.com/office/drawing/2014/main" id="{E675AE5E-8898-4E79-B312-DCF3854FF1CD}"/>
               </a:ext>
             </a:extLst>
           </p:cNvPr>
@@ -7542,7 +7542,7 @@
           <p:cNvPr id="2" name="Title 1">
             <a:extLst>
               <a:ext uri="{FF2B5EF4-FFF2-40B4-BE49-F238E27FC236}">
-                <a16:creationId xmlns:a16="http://schemas.microsoft.com/office/drawing/2014/main" xmlns="" id="{832E4AE2-73F3-4A71-A5B1-C4D167002839}"/>
+                <a16:creationId xmlns="" xmlns:a16="http://schemas.microsoft.com/office/drawing/2014/main" id="{832E4AE2-73F3-4A71-A5B1-C4D167002839}"/>
               </a:ext>
             </a:extLst>
           </p:cNvPr>
@@ -7581,7 +7581,7 @@
               <p:cNvPr id="3" name="Content Placeholder 2">
                 <a:extLst>
                   <a:ext uri="{FF2B5EF4-FFF2-40B4-BE49-F238E27FC236}">
-                    <a16:creationId xmlns:a16="http://schemas.microsoft.com/office/drawing/2014/main" xmlns="" id="{FF8BA17E-8FE4-408F-AC39-CBB02FBF5899}"/>
+                    <a16:creationId xmlns="" xmlns:a16="http://schemas.microsoft.com/office/drawing/2014/main" id="{FF8BA17E-8FE4-408F-AC39-CBB02FBF5899}"/>
                   </a:ext>
                 </a:extLst>
               </p:cNvPr>
@@ -8354,7 +8354,7 @@
           <p:cNvPr id="4" name="TextBox 3">
             <a:extLst>
               <a:ext uri="{FF2B5EF4-FFF2-40B4-BE49-F238E27FC236}">
-                <a16:creationId xmlns:a16="http://schemas.microsoft.com/office/drawing/2014/main" xmlns="" id="{7C851503-9ED9-47E6-BB00-56058E135711}"/>
+                <a16:creationId xmlns="" xmlns:a16="http://schemas.microsoft.com/office/drawing/2014/main" id="{7C851503-9ED9-47E6-BB00-56058E135711}"/>
               </a:ext>
             </a:extLst>
           </p:cNvPr>
@@ -8419,7 +8419,7 @@
           <p:cNvPr id="5" name="Slide Number Placeholder 4">
             <a:extLst>
               <a:ext uri="{FF2B5EF4-FFF2-40B4-BE49-F238E27FC236}">
-                <a16:creationId xmlns:a16="http://schemas.microsoft.com/office/drawing/2014/main" xmlns="" id="{687F83C9-054F-44CD-93EB-603CA7CBA1E1}"/>
+                <a16:creationId xmlns="" xmlns:a16="http://schemas.microsoft.com/office/drawing/2014/main" id="{687F83C9-054F-44CD-93EB-603CA7CBA1E1}"/>
               </a:ext>
             </a:extLst>
           </p:cNvPr>
@@ -8556,7 +8556,7 @@
           <p:cNvPr id="2" name="Title 1">
             <a:extLst>
               <a:ext uri="{FF2B5EF4-FFF2-40B4-BE49-F238E27FC236}">
-                <a16:creationId xmlns:a16="http://schemas.microsoft.com/office/drawing/2014/main" xmlns="" id="{3F85E31D-5021-4B9C-A2F6-6670EA453677}"/>
+                <a16:creationId xmlns="" xmlns:a16="http://schemas.microsoft.com/office/drawing/2014/main" id="{3F85E31D-5021-4B9C-A2F6-6670EA453677}"/>
               </a:ext>
             </a:extLst>
           </p:cNvPr>
@@ -8590,7 +8590,7 @@
           <p:cNvPr id="3" name="Content Placeholder 2">
             <a:extLst>
               <a:ext uri="{FF2B5EF4-FFF2-40B4-BE49-F238E27FC236}">
-                <a16:creationId xmlns:a16="http://schemas.microsoft.com/office/drawing/2014/main" xmlns="" id="{28B492CE-B56B-411E-ACCC-F83AC37AA46D}"/>
+                <a16:creationId xmlns="" xmlns:a16="http://schemas.microsoft.com/office/drawing/2014/main" id="{28B492CE-B56B-411E-ACCC-F83AC37AA46D}"/>
               </a:ext>
             </a:extLst>
           </p:cNvPr>
@@ -8635,35 +8635,11 @@
           <a:p>
             <a:r>
               <a:rPr lang="es-419" noProof="0" dirty="0" smtClean="0"/>
-              <a:t>Repetirlo </a:t>
-            </a:r>
-            <a:r>
-              <a:rPr lang="es-419" noProof="0" dirty="0" smtClean="0"/>
-              <a:t>con </a:t>
-            </a:r>
-            <a:r>
-              <a:rPr lang="es-419" noProof="0" dirty="0" smtClean="0"/>
-              <a:t>y={5,4,7} independiente y </a:t>
-            </a:r>
-            <a:r>
-              <a:rPr lang="es-419" noProof="0" dirty="0" smtClean="0"/>
-              <a:t>finalmente</a:t>
+              <a:t>Repetirlo con y={5,4,7} independiente y finalmente</a:t>
             </a:r>
             <a:r>
               <a:rPr lang="es-419" dirty="0" smtClean="0"/>
-              <a:t> </a:t>
-            </a:r>
-            <a:r>
-              <a:rPr lang="es-419" dirty="0" smtClean="0"/>
-              <a:t>crea otra versión de la segunda que es un </a:t>
-            </a:r>
-            <a:r>
-              <a:rPr lang="es-419" dirty="0" smtClean="0"/>
-              <a:t>logaritmo </a:t>
-            </a:r>
-            <a:r>
-              <a:rPr lang="es-419" dirty="0" smtClean="0"/>
-              <a:t>de la verosimilitud</a:t>
+              <a:t> crea otra versión de la segunda que es un logaritmo de la verosimilitud</a:t>
             </a:r>
             <a:r>
               <a:rPr lang="es-419" noProof="0" dirty="0" smtClean="0"/>
@@ -8678,7 +8654,7 @@
           <p:cNvPr id="4" name="Slide Number Placeholder 3">
             <a:extLst>
               <a:ext uri="{FF2B5EF4-FFF2-40B4-BE49-F238E27FC236}">
-                <a16:creationId xmlns:a16="http://schemas.microsoft.com/office/drawing/2014/main" xmlns="" id="{BD9D5B62-D3A3-4A35-8CF4-6C1E2C7FCA0C}"/>
+                <a16:creationId xmlns="" xmlns:a16="http://schemas.microsoft.com/office/drawing/2014/main" id="{BD9D5B62-D3A3-4A35-8CF4-6C1E2C7FCA0C}"/>
               </a:ext>
             </a:extLst>
           </p:cNvPr>
@@ -8773,7 +8749,7 @@
           <p:cNvPr id="2" name="Title 1">
             <a:extLst>
               <a:ext uri="{FF2B5EF4-FFF2-40B4-BE49-F238E27FC236}">
-                <a16:creationId xmlns:a16="http://schemas.microsoft.com/office/drawing/2014/main" xmlns="" id="{DB3311B8-0CB5-41BD-B9C6-E65BF9B5010E}"/>
+                <a16:creationId xmlns="" xmlns:a16="http://schemas.microsoft.com/office/drawing/2014/main" id="{DB3311B8-0CB5-41BD-B9C6-E65BF9B5010E}"/>
               </a:ext>
             </a:extLst>
           </p:cNvPr>
@@ -8802,7 +8778,7 @@
           <p:cNvPr id="3" name="Content Placeholder 2">
             <a:extLst>
               <a:ext uri="{FF2B5EF4-FFF2-40B4-BE49-F238E27FC236}">
-                <a16:creationId xmlns:a16="http://schemas.microsoft.com/office/drawing/2014/main" xmlns="" id="{DA46C4D9-8E78-46D8-B959-3247D862F22C}"/>
+                <a16:creationId xmlns="" xmlns:a16="http://schemas.microsoft.com/office/drawing/2014/main" id="{DA46C4D9-8E78-46D8-B959-3247D862F22C}"/>
               </a:ext>
             </a:extLst>
           </p:cNvPr>
@@ -8949,7 +8925,7 @@
           <p:cNvPr id="4" name="Slide Number Placeholder 3">
             <a:extLst>
               <a:ext uri="{FF2B5EF4-FFF2-40B4-BE49-F238E27FC236}">
-                <a16:creationId xmlns:a16="http://schemas.microsoft.com/office/drawing/2014/main" xmlns="" id="{4BBD4CAD-4687-4CE2-8031-203165E740F6}"/>
+                <a16:creationId xmlns="" xmlns:a16="http://schemas.microsoft.com/office/drawing/2014/main" id="{4BBD4CAD-4687-4CE2-8031-203165E740F6}"/>
               </a:ext>
             </a:extLst>
           </p:cNvPr>
@@ -9213,7 +9189,7 @@
           <p:cNvPr id="2" name="Title 1">
             <a:extLst>
               <a:ext uri="{FF2B5EF4-FFF2-40B4-BE49-F238E27FC236}">
-                <a16:creationId xmlns:a16="http://schemas.microsoft.com/office/drawing/2014/main" xmlns="" id="{D93C4D9F-B390-4411-A659-8F4C31F35C3D}"/>
+                <a16:creationId xmlns="" xmlns:a16="http://schemas.microsoft.com/office/drawing/2014/main" id="{D93C4D9F-B390-4411-A659-8F4C31F35C3D}"/>
               </a:ext>
             </a:extLst>
           </p:cNvPr>
@@ -9242,7 +9218,7 @@
           <p:cNvPr id="3" name="Content Placeholder 2">
             <a:extLst>
               <a:ext uri="{FF2B5EF4-FFF2-40B4-BE49-F238E27FC236}">
-                <a16:creationId xmlns:a16="http://schemas.microsoft.com/office/drawing/2014/main" xmlns="" id="{4C0195F5-51A8-4953-90B5-7B4796165D32}"/>
+                <a16:creationId xmlns="" xmlns:a16="http://schemas.microsoft.com/office/drawing/2014/main" id="{4C0195F5-51A8-4953-90B5-7B4796165D32}"/>
               </a:ext>
             </a:extLst>
           </p:cNvPr>
@@ -9336,7 +9312,7 @@
           <p:cNvPr id="4" name="Slide Number Placeholder 3">
             <a:extLst>
               <a:ext uri="{FF2B5EF4-FFF2-40B4-BE49-F238E27FC236}">
-                <a16:creationId xmlns:a16="http://schemas.microsoft.com/office/drawing/2014/main" xmlns="" id="{5D16BDA1-6E7A-4204-98A7-E532BAD50AC0}"/>
+                <a16:creationId xmlns="" xmlns:a16="http://schemas.microsoft.com/office/drawing/2014/main" id="{5D16BDA1-6E7A-4204-98A7-E532BAD50AC0}"/>
               </a:ext>
             </a:extLst>
           </p:cNvPr>
@@ -9365,7 +9341,7 @@
           <p:cNvPr id="8" name="Object 7">
             <a:extLst>
               <a:ext uri="{FF2B5EF4-FFF2-40B4-BE49-F238E27FC236}">
-                <a16:creationId xmlns:a16="http://schemas.microsoft.com/office/drawing/2014/main" xmlns="" id="{3D933AA6-3CA4-48B7-8B31-A6372A48D17C}"/>
+                <a16:creationId xmlns="" xmlns:a16="http://schemas.microsoft.com/office/drawing/2014/main" id="{3D933AA6-3CA4-48B7-8B31-A6372A48D17C}"/>
               </a:ext>
             </a:extLst>
           </p:cNvPr>
@@ -9384,7 +9360,7 @@
           <a:graphicData uri="http://schemas.openxmlformats.org/presentationml/2006/ole">
             <mc:AlternateContent xmlns:mc="http://schemas.openxmlformats.org/markup-compatibility/2006">
               <mc:Choice xmlns:v="urn:schemas-microsoft-com:vml" Requires="v">
-                <p:oleObj spid="_x0000_s6260" name="Equation" r:id="rId3" imgW="2831760" imgH="1904760" progId="Equation.DSMT4">
+                <p:oleObj spid="_x0000_s6264" name="Equation" r:id="rId3" imgW="2831760" imgH="1904760" progId="Equation.DSMT4">
                   <p:embed/>
                 </p:oleObj>
               </mc:Choice>
@@ -9396,7 +9372,7 @@
                       <p:cNvPr id="8" name="Object 7">
                         <a:extLst>
                           <a:ext uri="{FF2B5EF4-FFF2-40B4-BE49-F238E27FC236}">
-                            <a16:creationId xmlns:a16="http://schemas.microsoft.com/office/drawing/2014/main" xmlns="" id="{3D933AA6-3CA4-48B7-8B31-A6372A48D17C}"/>
+                            <a16:creationId xmlns="" xmlns:a16="http://schemas.microsoft.com/office/drawing/2014/main" id="{3D933AA6-3CA4-48B7-8B31-A6372A48D17C}"/>
                           </a:ext>
                         </a:extLst>
                       </p:cNvPr>
@@ -9430,7 +9406,7 @@
           <p:cNvPr id="11" name="TextBox 10">
             <a:extLst>
               <a:ext uri="{FF2B5EF4-FFF2-40B4-BE49-F238E27FC236}">
-                <a16:creationId xmlns:a16="http://schemas.microsoft.com/office/drawing/2014/main" xmlns="" id="{F3519081-56D8-4D6D-8914-2508D3432FBF}"/>
+                <a16:creationId xmlns="" xmlns:a16="http://schemas.microsoft.com/office/drawing/2014/main" id="{F3519081-56D8-4D6D-8914-2508D3432FBF}"/>
               </a:ext>
             </a:extLst>
           </p:cNvPr>
@@ -9465,7 +9441,7 @@
           <p:cNvPr id="12" name="Object 11">
             <a:extLst>
               <a:ext uri="{FF2B5EF4-FFF2-40B4-BE49-F238E27FC236}">
-                <a16:creationId xmlns:a16="http://schemas.microsoft.com/office/drawing/2014/main" xmlns="" id="{42F47534-6BB7-482C-BFF7-E22E91606A29}"/>
+                <a16:creationId xmlns="" xmlns:a16="http://schemas.microsoft.com/office/drawing/2014/main" id="{42F47534-6BB7-482C-BFF7-E22E91606A29}"/>
               </a:ext>
             </a:extLst>
           </p:cNvPr>
@@ -9484,7 +9460,7 @@
           <a:graphicData uri="http://schemas.openxmlformats.org/presentationml/2006/ole">
             <mc:AlternateContent xmlns:mc="http://schemas.openxmlformats.org/markup-compatibility/2006">
               <mc:Choice xmlns:v="urn:schemas-microsoft-com:vml" Requires="v">
-                <p:oleObj spid="_x0000_s6261" name="Equation" r:id="rId5" imgW="1028520" imgH="965160" progId="Equation.DSMT4">
+                <p:oleObj spid="_x0000_s6265" name="Equation" r:id="rId5" imgW="1028520" imgH="965160" progId="Equation.DSMT4">
                   <p:embed/>
                 </p:oleObj>
               </mc:Choice>
@@ -9496,7 +9472,7 @@
                       <p:cNvPr id="12" name="Object 11">
                         <a:extLst>
                           <a:ext uri="{FF2B5EF4-FFF2-40B4-BE49-F238E27FC236}">
-                            <a16:creationId xmlns:a16="http://schemas.microsoft.com/office/drawing/2014/main" xmlns="" id="{42F47534-6BB7-482C-BFF7-E22E91606A29}"/>
+                            <a16:creationId xmlns="" xmlns:a16="http://schemas.microsoft.com/office/drawing/2014/main" id="{42F47534-6BB7-482C-BFF7-E22E91606A29}"/>
                           </a:ext>
                         </a:extLst>
                       </p:cNvPr>
@@ -9567,7 +9543,7 @@
           <p:cNvPr id="2" name="Title 1">
             <a:extLst>
               <a:ext uri="{FF2B5EF4-FFF2-40B4-BE49-F238E27FC236}">
-                <a16:creationId xmlns:a16="http://schemas.microsoft.com/office/drawing/2014/main" xmlns="" id="{D93C4D9F-B390-4411-A659-8F4C31F35C3D}"/>
+                <a16:creationId xmlns="" xmlns:a16="http://schemas.microsoft.com/office/drawing/2014/main" id="{D93C4D9F-B390-4411-A659-8F4C31F35C3D}"/>
               </a:ext>
             </a:extLst>
           </p:cNvPr>
@@ -9596,7 +9572,7 @@
           <p:cNvPr id="3" name="Content Placeholder 2">
             <a:extLst>
               <a:ext uri="{FF2B5EF4-FFF2-40B4-BE49-F238E27FC236}">
-                <a16:creationId xmlns:a16="http://schemas.microsoft.com/office/drawing/2014/main" xmlns="" id="{4C0195F5-51A8-4953-90B5-7B4796165D32}"/>
+                <a16:creationId xmlns="" xmlns:a16="http://schemas.microsoft.com/office/drawing/2014/main" id="{4C0195F5-51A8-4953-90B5-7B4796165D32}"/>
               </a:ext>
             </a:extLst>
           </p:cNvPr>
@@ -9762,7 +9738,7 @@
           <p:cNvPr id="4" name="Slide Number Placeholder 3">
             <a:extLst>
               <a:ext uri="{FF2B5EF4-FFF2-40B4-BE49-F238E27FC236}">
-                <a16:creationId xmlns:a16="http://schemas.microsoft.com/office/drawing/2014/main" xmlns="" id="{5D16BDA1-6E7A-4204-98A7-E532BAD50AC0}"/>
+                <a16:creationId xmlns="" xmlns:a16="http://schemas.microsoft.com/office/drawing/2014/main" id="{5D16BDA1-6E7A-4204-98A7-E532BAD50AC0}"/>
               </a:ext>
             </a:extLst>
           </p:cNvPr>
@@ -9791,7 +9767,7 @@
           <p:cNvPr id="11" name="TextBox 10">
             <a:extLst>
               <a:ext uri="{FF2B5EF4-FFF2-40B4-BE49-F238E27FC236}">
-                <a16:creationId xmlns:a16="http://schemas.microsoft.com/office/drawing/2014/main" xmlns="" id="{F3519081-56D8-4D6D-8914-2508D3432FBF}"/>
+                <a16:creationId xmlns="" xmlns:a16="http://schemas.microsoft.com/office/drawing/2014/main" id="{F3519081-56D8-4D6D-8914-2508D3432FBF}"/>
               </a:ext>
             </a:extLst>
           </p:cNvPr>
@@ -9826,7 +9802,7 @@
           <p:cNvPr id="12" name="Object 11">
             <a:extLst>
               <a:ext uri="{FF2B5EF4-FFF2-40B4-BE49-F238E27FC236}">
-                <a16:creationId xmlns:a16="http://schemas.microsoft.com/office/drawing/2014/main" xmlns="" id="{42F47534-6BB7-482C-BFF7-E22E91606A29}"/>
+                <a16:creationId xmlns="" xmlns:a16="http://schemas.microsoft.com/office/drawing/2014/main" id="{42F47534-6BB7-482C-BFF7-E22E91606A29}"/>
               </a:ext>
             </a:extLst>
           </p:cNvPr>
@@ -9849,7 +9825,7 @@
           <a:graphicData uri="http://schemas.openxmlformats.org/presentationml/2006/ole">
             <mc:AlternateContent xmlns:mc="http://schemas.openxmlformats.org/markup-compatibility/2006">
               <mc:Choice xmlns:v="urn:schemas-microsoft-com:vml" Requires="v">
-                <p:oleObj spid="_x0000_s7284" name="Equation" r:id="rId3" imgW="1028520" imgH="965160" progId="Equation.DSMT4">
+                <p:oleObj spid="_x0000_s7288" name="Equation" r:id="rId3" imgW="1028520" imgH="965160" progId="Equation.DSMT4">
                   <p:embed/>
                 </p:oleObj>
               </mc:Choice>
@@ -9861,7 +9837,7 @@
                       <p:cNvPr id="12" name="Object 11">
                         <a:extLst>
                           <a:ext uri="{FF2B5EF4-FFF2-40B4-BE49-F238E27FC236}">
-                            <a16:creationId xmlns:a16="http://schemas.microsoft.com/office/drawing/2014/main" xmlns="" id="{42F47534-6BB7-482C-BFF7-E22E91606A29}"/>
+                            <a16:creationId xmlns="" xmlns:a16="http://schemas.microsoft.com/office/drawing/2014/main" id="{42F47534-6BB7-482C-BFF7-E22E91606A29}"/>
                           </a:ext>
                         </a:extLst>
                       </p:cNvPr>
@@ -9895,7 +9871,7 @@
           <p:cNvPr id="9" name="Object 8">
             <a:extLst>
               <a:ext uri="{FF2B5EF4-FFF2-40B4-BE49-F238E27FC236}">
-                <a16:creationId xmlns:a16="http://schemas.microsoft.com/office/drawing/2014/main" xmlns="" id="{BBB81E51-8CAC-4532-A30F-E7FA0F55279C}"/>
+                <a16:creationId xmlns="" xmlns:a16="http://schemas.microsoft.com/office/drawing/2014/main" id="{BBB81E51-8CAC-4532-A30F-E7FA0F55279C}"/>
               </a:ext>
             </a:extLst>
           </p:cNvPr>
@@ -9914,7 +9890,7 @@
           <a:graphicData uri="http://schemas.openxmlformats.org/presentationml/2006/ole">
             <mc:AlternateContent xmlns:mc="http://schemas.openxmlformats.org/markup-compatibility/2006">
               <mc:Choice xmlns:v="urn:schemas-microsoft-com:vml" Requires="v">
-                <p:oleObj spid="_x0000_s7285" name="Equation" r:id="rId5" imgW="1739880" imgH="533160" progId="Equation.DSMT4">
+                <p:oleObj spid="_x0000_s7289" name="Equation" r:id="rId5" imgW="1739880" imgH="533160" progId="Equation.DSMT4">
                   <p:embed/>
                 </p:oleObj>
               </mc:Choice>
@@ -9926,7 +9902,7 @@
                       <p:cNvPr id="9" name="Object 8">
                         <a:extLst>
                           <a:ext uri="{FF2B5EF4-FFF2-40B4-BE49-F238E27FC236}">
-                            <a16:creationId xmlns:a16="http://schemas.microsoft.com/office/drawing/2014/main" xmlns="" id="{BBB81E51-8CAC-4532-A30F-E7FA0F55279C}"/>
+                            <a16:creationId xmlns="" xmlns:a16="http://schemas.microsoft.com/office/drawing/2014/main" id="{BBB81E51-8CAC-4532-A30F-E7FA0F55279C}"/>
                           </a:ext>
                         </a:extLst>
                       </p:cNvPr>
@@ -10131,7 +10107,7 @@
           <p:cNvPr id="2" name="Title 1">
             <a:extLst>
               <a:ext uri="{FF2B5EF4-FFF2-40B4-BE49-F238E27FC236}">
-                <a16:creationId xmlns:a16="http://schemas.microsoft.com/office/drawing/2014/main" xmlns="" id="{D93C4D9F-B390-4411-A659-8F4C31F35C3D}"/>
+                <a16:creationId xmlns="" xmlns:a16="http://schemas.microsoft.com/office/drawing/2014/main" id="{D93C4D9F-B390-4411-A659-8F4C31F35C3D}"/>
               </a:ext>
             </a:extLst>
           </p:cNvPr>
@@ -10160,7 +10136,7 @@
           <p:cNvPr id="3" name="Content Placeholder 2">
             <a:extLst>
               <a:ext uri="{FF2B5EF4-FFF2-40B4-BE49-F238E27FC236}">
-                <a16:creationId xmlns:a16="http://schemas.microsoft.com/office/drawing/2014/main" xmlns="" id="{4C0195F5-51A8-4953-90B5-7B4796165D32}"/>
+                <a16:creationId xmlns="" xmlns:a16="http://schemas.microsoft.com/office/drawing/2014/main" id="{4C0195F5-51A8-4953-90B5-7B4796165D32}"/>
               </a:ext>
             </a:extLst>
           </p:cNvPr>
@@ -10217,7 +10193,7 @@
           <p:cNvPr id="4" name="Slide Number Placeholder 3">
             <a:extLst>
               <a:ext uri="{FF2B5EF4-FFF2-40B4-BE49-F238E27FC236}">
-                <a16:creationId xmlns:a16="http://schemas.microsoft.com/office/drawing/2014/main" xmlns="" id="{5D16BDA1-6E7A-4204-98A7-E532BAD50AC0}"/>
+                <a16:creationId xmlns="" xmlns:a16="http://schemas.microsoft.com/office/drawing/2014/main" id="{5D16BDA1-6E7A-4204-98A7-E532BAD50AC0}"/>
               </a:ext>
             </a:extLst>
           </p:cNvPr>
@@ -10246,7 +10222,7 @@
           <p:cNvPr id="7" name="Picture 6">
             <a:extLst>
               <a:ext uri="{FF2B5EF4-FFF2-40B4-BE49-F238E27FC236}">
-                <a16:creationId xmlns:a16="http://schemas.microsoft.com/office/drawing/2014/main" xmlns="" id="{FEA162F8-F1E7-4D75-BBC5-F01A21D554AA}"/>
+                <a16:creationId xmlns="" xmlns:a16="http://schemas.microsoft.com/office/drawing/2014/main" id="{FEA162F8-F1E7-4D75-BBC5-F01A21D554AA}"/>
               </a:ext>
             </a:extLst>
           </p:cNvPr>
@@ -10319,7 +10295,7 @@
           <p:cNvPr id="2" name="Title 1">
             <a:extLst>
               <a:ext uri="{FF2B5EF4-FFF2-40B4-BE49-F238E27FC236}">
-                <a16:creationId xmlns:a16="http://schemas.microsoft.com/office/drawing/2014/main" xmlns="" id="{3F85E31D-5021-4B9C-A2F6-6670EA453677}"/>
+                <a16:creationId xmlns="" xmlns:a16="http://schemas.microsoft.com/office/drawing/2014/main" id="{3F85E31D-5021-4B9C-A2F6-6670EA453677}"/>
               </a:ext>
             </a:extLst>
           </p:cNvPr>
@@ -10348,7 +10324,7 @@
           <p:cNvPr id="3" name="Content Placeholder 2">
             <a:extLst>
               <a:ext uri="{FF2B5EF4-FFF2-40B4-BE49-F238E27FC236}">
-                <a16:creationId xmlns:a16="http://schemas.microsoft.com/office/drawing/2014/main" xmlns="" id="{28B492CE-B56B-411E-ACCC-F83AC37AA46D}"/>
+                <a16:creationId xmlns="" xmlns:a16="http://schemas.microsoft.com/office/drawing/2014/main" id="{28B492CE-B56B-411E-ACCC-F83AC37AA46D}"/>
               </a:ext>
             </a:extLst>
           </p:cNvPr>
@@ -10415,7 +10391,7 @@
           <p:cNvPr id="4" name="Slide Number Placeholder 3">
             <a:extLst>
               <a:ext uri="{FF2B5EF4-FFF2-40B4-BE49-F238E27FC236}">
-                <a16:creationId xmlns:a16="http://schemas.microsoft.com/office/drawing/2014/main" xmlns="" id="{EC538D91-6F8B-42BB-A135-BD948D230469}"/>
+                <a16:creationId xmlns="" xmlns:a16="http://schemas.microsoft.com/office/drawing/2014/main" id="{EC538D91-6F8B-42BB-A135-BD948D230469}"/>
               </a:ext>
             </a:extLst>
           </p:cNvPr>
@@ -10481,7 +10457,7 @@
           <p:cNvPr id="2" name="Title 1">
             <a:extLst>
               <a:ext uri="{FF2B5EF4-FFF2-40B4-BE49-F238E27FC236}">
-                <a16:creationId xmlns:a16="http://schemas.microsoft.com/office/drawing/2014/main" xmlns="" id="{8C2C8A96-85A4-4FC4-B33C-A44B37007557}"/>
+                <a16:creationId xmlns="" xmlns:a16="http://schemas.microsoft.com/office/drawing/2014/main" id="{8C2C8A96-85A4-4FC4-B33C-A44B37007557}"/>
               </a:ext>
             </a:extLst>
           </p:cNvPr>
@@ -10526,7 +10502,7 @@
           <p:cNvPr id="3" name="Content Placeholder 2">
             <a:extLst>
               <a:ext uri="{FF2B5EF4-FFF2-40B4-BE49-F238E27FC236}">
-                <a16:creationId xmlns:a16="http://schemas.microsoft.com/office/drawing/2014/main" xmlns="" id="{8AE79BED-0639-40D3-8E92-030D2742C4EC}"/>
+                <a16:creationId xmlns="" xmlns:a16="http://schemas.microsoft.com/office/drawing/2014/main" id="{8AE79BED-0639-40D3-8E92-030D2742C4EC}"/>
               </a:ext>
             </a:extLst>
           </p:cNvPr>
@@ -10583,7 +10559,7 @@
           <p:cNvPr id="4" name="Slide Number Placeholder 3">
             <a:extLst>
               <a:ext uri="{FF2B5EF4-FFF2-40B4-BE49-F238E27FC236}">
-                <a16:creationId xmlns:a16="http://schemas.microsoft.com/office/drawing/2014/main" xmlns="" id="{E6A8618B-B9B1-4A31-9BEE-0CC8E029A095}"/>
+                <a16:creationId xmlns="" xmlns:a16="http://schemas.microsoft.com/office/drawing/2014/main" id="{E6A8618B-B9B1-4A31-9BEE-0CC8E029A095}"/>
               </a:ext>
             </a:extLst>
           </p:cNvPr>
@@ -10649,7 +10625,7 @@
           <p:cNvPr id="3" name="Content Placeholder 2">
             <a:extLst>
               <a:ext uri="{FF2B5EF4-FFF2-40B4-BE49-F238E27FC236}">
-                <a16:creationId xmlns:a16="http://schemas.microsoft.com/office/drawing/2014/main" xmlns="" id="{6D46622B-CEA1-41A3-B30B-DD972286CF5D}"/>
+                <a16:creationId xmlns="" xmlns:a16="http://schemas.microsoft.com/office/drawing/2014/main" id="{6D46622B-CEA1-41A3-B30B-DD972286CF5D}"/>
               </a:ext>
             </a:extLst>
           </p:cNvPr>
@@ -10682,15 +10658,7 @@
             </a:r>
             <a:r>
               <a:rPr lang="es-419" sz="3200" noProof="0" dirty="0" smtClean="0"/>
-              <a:t> y calcular </a:t>
-            </a:r>
-            <a:r>
-              <a:rPr lang="es-419" sz="3200" noProof="0" dirty="0" smtClean="0"/>
-              <a:t>proporciones para </a:t>
-            </a:r>
-            <a:r>
-              <a:rPr lang="es-419" sz="3200" noProof="0" dirty="0" smtClean="0"/>
-              <a:t>aproximar probabilidades </a:t>
+              <a:t> y calcular proporciones para aproximar probabilidades </a:t>
             </a:r>
           </a:p>
           <a:p>
@@ -10770,7 +10738,7 @@
           <p:cNvPr id="4" name="Slide Number Placeholder 3">
             <a:extLst>
               <a:ext uri="{FF2B5EF4-FFF2-40B4-BE49-F238E27FC236}">
-                <a16:creationId xmlns:a16="http://schemas.microsoft.com/office/drawing/2014/main" xmlns="" id="{4F8E0057-45FA-40E8-80E1-8629D6245349}"/>
+                <a16:creationId xmlns="" xmlns:a16="http://schemas.microsoft.com/office/drawing/2014/main" id="{4F8E0057-45FA-40E8-80E1-8629D6245349}"/>
               </a:ext>
             </a:extLst>
           </p:cNvPr>
@@ -10799,7 +10767,7 @@
           <p:cNvPr id="5" name="Title 1">
             <a:extLst>
               <a:ext uri="{FF2B5EF4-FFF2-40B4-BE49-F238E27FC236}">
-                <a16:creationId xmlns:a16="http://schemas.microsoft.com/office/drawing/2014/main" xmlns="" id="{66E33811-B0FD-489C-B843-E5B167520896}"/>
+                <a16:creationId xmlns="" xmlns:a16="http://schemas.microsoft.com/office/drawing/2014/main" id="{66E33811-B0FD-489C-B843-E5B167520896}"/>
               </a:ext>
             </a:extLst>
           </p:cNvPr>
@@ -10964,7 +10932,7 @@
               <p:cNvPr id="3" name="Content Placeholder 2">
                 <a:extLst>
                   <a:ext uri="{FF2B5EF4-FFF2-40B4-BE49-F238E27FC236}">
-                    <a16:creationId xmlns:a16="http://schemas.microsoft.com/office/drawing/2014/main" xmlns="" id="{6D46622B-CEA1-41A3-B30B-DD972286CF5D}"/>
+                    <a16:creationId xmlns="" xmlns:a16="http://schemas.microsoft.com/office/drawing/2014/main" id="{6D46622B-CEA1-41A3-B30B-DD972286CF5D}"/>
                   </a:ext>
                 </a:extLst>
               </p:cNvPr>
@@ -11279,7 +11247,7 @@
           <p:cNvPr id="4" name="Slide Number Placeholder 3">
             <a:extLst>
               <a:ext uri="{FF2B5EF4-FFF2-40B4-BE49-F238E27FC236}">
-                <a16:creationId xmlns:a16="http://schemas.microsoft.com/office/drawing/2014/main" xmlns="" id="{4F8E0057-45FA-40E8-80E1-8629D6245349}"/>
+                <a16:creationId xmlns="" xmlns:a16="http://schemas.microsoft.com/office/drawing/2014/main" id="{4F8E0057-45FA-40E8-80E1-8629D6245349}"/>
               </a:ext>
             </a:extLst>
           </p:cNvPr>
@@ -11308,7 +11276,7 @@
           <p:cNvPr id="5" name="Title 1">
             <a:extLst>
               <a:ext uri="{FF2B5EF4-FFF2-40B4-BE49-F238E27FC236}">
-                <a16:creationId xmlns:a16="http://schemas.microsoft.com/office/drawing/2014/main" xmlns="" id="{66E33811-B0FD-489C-B843-E5B167520896}"/>
+                <a16:creationId xmlns="" xmlns:a16="http://schemas.microsoft.com/office/drawing/2014/main" id="{66E33811-B0FD-489C-B843-E5B167520896}"/>
               </a:ext>
             </a:extLst>
           </p:cNvPr>
@@ -11491,7 +11459,7 @@
           <p:cNvPr id="3" name="Content Placeholder 2">
             <a:extLst>
               <a:ext uri="{FF2B5EF4-FFF2-40B4-BE49-F238E27FC236}">
-                <a16:creationId xmlns:a16="http://schemas.microsoft.com/office/drawing/2014/main" xmlns="" id="{6D46622B-CEA1-41A3-B30B-DD972286CF5D}"/>
+                <a16:creationId xmlns="" xmlns:a16="http://schemas.microsoft.com/office/drawing/2014/main" id="{6D46622B-CEA1-41A3-B30B-DD972286CF5D}"/>
               </a:ext>
             </a:extLst>
           </p:cNvPr>
@@ -11723,7 +11691,7 @@
           <p:cNvPr id="4" name="Slide Number Placeholder 3">
             <a:extLst>
               <a:ext uri="{FF2B5EF4-FFF2-40B4-BE49-F238E27FC236}">
-                <a16:creationId xmlns:a16="http://schemas.microsoft.com/office/drawing/2014/main" xmlns="" id="{4F8E0057-45FA-40E8-80E1-8629D6245349}"/>
+                <a16:creationId xmlns="" xmlns:a16="http://schemas.microsoft.com/office/drawing/2014/main" id="{4F8E0057-45FA-40E8-80E1-8629D6245349}"/>
               </a:ext>
             </a:extLst>
           </p:cNvPr>
@@ -11752,7 +11720,7 @@
           <p:cNvPr id="5" name="Title 1">
             <a:extLst>
               <a:ext uri="{FF2B5EF4-FFF2-40B4-BE49-F238E27FC236}">
-                <a16:creationId xmlns:a16="http://schemas.microsoft.com/office/drawing/2014/main" xmlns="" id="{66E33811-B0FD-489C-B843-E5B167520896}"/>
+                <a16:creationId xmlns="" xmlns:a16="http://schemas.microsoft.com/office/drawing/2014/main" id="{66E33811-B0FD-489C-B843-E5B167520896}"/>
               </a:ext>
             </a:extLst>
           </p:cNvPr>
@@ -11794,7 +11762,7 @@
           <p:cNvPr id="7" name="Picture 6">
             <a:extLst>
               <a:ext uri="{FF2B5EF4-FFF2-40B4-BE49-F238E27FC236}">
-                <a16:creationId xmlns:a16="http://schemas.microsoft.com/office/drawing/2014/main" xmlns="" id="{D24148C8-B659-4C24-BD25-895A9A7580C7}"/>
+                <a16:creationId xmlns="" xmlns:a16="http://schemas.microsoft.com/office/drawing/2014/main" id="{D24148C8-B659-4C24-BD25-895A9A7580C7}"/>
               </a:ext>
             </a:extLst>
           </p:cNvPr>
@@ -11823,7 +11791,7 @@
           <p:cNvPr id="8" name="TextBox 7">
             <a:extLst>
               <a:ext uri="{FF2B5EF4-FFF2-40B4-BE49-F238E27FC236}">
-                <a16:creationId xmlns:a16="http://schemas.microsoft.com/office/drawing/2014/main" xmlns="" id="{D0DF48DE-C95B-4011-A946-57368046EB12}"/>
+                <a16:creationId xmlns="" xmlns:a16="http://schemas.microsoft.com/office/drawing/2014/main" id="{D0DF48DE-C95B-4011-A946-57368046EB12}"/>
               </a:ext>
             </a:extLst>
           </p:cNvPr>
@@ -11863,7 +11831,7 @@
           <p:cNvPr id="9" name="Straight Arrow Connector 8">
             <a:extLst>
               <a:ext uri="{FF2B5EF4-FFF2-40B4-BE49-F238E27FC236}">
-                <a16:creationId xmlns:a16="http://schemas.microsoft.com/office/drawing/2014/main" xmlns="" id="{2F77CF73-EE82-4717-B439-E2689E8B01B4}"/>
+                <a16:creationId xmlns="" xmlns:a16="http://schemas.microsoft.com/office/drawing/2014/main" id="{2F77CF73-EE82-4717-B439-E2689E8B01B4}"/>
               </a:ext>
             </a:extLst>
           </p:cNvPr>
@@ -11905,7 +11873,7 @@
           <p:cNvPr id="12" name="TextBox 11">
             <a:extLst>
               <a:ext uri="{FF2B5EF4-FFF2-40B4-BE49-F238E27FC236}">
-                <a16:creationId xmlns:a16="http://schemas.microsoft.com/office/drawing/2014/main" xmlns="" id="{4B13278B-8E35-460F-A394-9EDEF0703AB3}"/>
+                <a16:creationId xmlns="" xmlns:a16="http://schemas.microsoft.com/office/drawing/2014/main" id="{4B13278B-8E35-460F-A394-9EDEF0703AB3}"/>
               </a:ext>
             </a:extLst>
           </p:cNvPr>
@@ -11953,7 +11921,7 @@
           <p:cNvPr id="13" name="Straight Arrow Connector 12">
             <a:extLst>
               <a:ext uri="{FF2B5EF4-FFF2-40B4-BE49-F238E27FC236}">
-                <a16:creationId xmlns:a16="http://schemas.microsoft.com/office/drawing/2014/main" xmlns="" id="{E35575D6-C11C-4F3D-85F3-ACF2EC719556}"/>
+                <a16:creationId xmlns="" xmlns:a16="http://schemas.microsoft.com/office/drawing/2014/main" id="{E35575D6-C11C-4F3D-85F3-ACF2EC719556}"/>
               </a:ext>
             </a:extLst>
           </p:cNvPr>
@@ -11995,7 +11963,7 @@
           <p:cNvPr id="21" name="TextBox 20">
             <a:extLst>
               <a:ext uri="{FF2B5EF4-FFF2-40B4-BE49-F238E27FC236}">
-                <a16:creationId xmlns:a16="http://schemas.microsoft.com/office/drawing/2014/main" xmlns="" id="{AA109070-F78E-450F-BB94-11AF6654236E}"/>
+                <a16:creationId xmlns="" xmlns:a16="http://schemas.microsoft.com/office/drawing/2014/main" id="{AA109070-F78E-450F-BB94-11AF6654236E}"/>
               </a:ext>
             </a:extLst>
           </p:cNvPr>
@@ -12051,7 +12019,7 @@
           <p:cNvPr id="22" name="Straight Arrow Connector 21">
             <a:extLst>
               <a:ext uri="{FF2B5EF4-FFF2-40B4-BE49-F238E27FC236}">
-                <a16:creationId xmlns:a16="http://schemas.microsoft.com/office/drawing/2014/main" xmlns="" id="{634EA646-252E-466E-A77B-7E931497DFFF}"/>
+                <a16:creationId xmlns="" xmlns:a16="http://schemas.microsoft.com/office/drawing/2014/main" id="{634EA646-252E-466E-A77B-7E931497DFFF}"/>
               </a:ext>
             </a:extLst>
           </p:cNvPr>
@@ -12131,7 +12099,7 @@
               <p:cNvPr id="3" name="Content Placeholder 2">
                 <a:extLst>
                   <a:ext uri="{FF2B5EF4-FFF2-40B4-BE49-F238E27FC236}">
-                    <a16:creationId xmlns:a16="http://schemas.microsoft.com/office/drawing/2014/main" xmlns="" id="{6D46622B-CEA1-41A3-B30B-DD972286CF5D}"/>
+                    <a16:creationId xmlns="" xmlns:a16="http://schemas.microsoft.com/office/drawing/2014/main" id="{6D46622B-CEA1-41A3-B30B-DD972286CF5D}"/>
                   </a:ext>
                 </a:extLst>
               </p:cNvPr>
@@ -12454,7 +12422,7 @@
           <p:cNvPr id="4" name="Slide Number Placeholder 3">
             <a:extLst>
               <a:ext uri="{FF2B5EF4-FFF2-40B4-BE49-F238E27FC236}">
-                <a16:creationId xmlns:a16="http://schemas.microsoft.com/office/drawing/2014/main" xmlns="" id="{4F8E0057-45FA-40E8-80E1-8629D6245349}"/>
+                <a16:creationId xmlns="" xmlns:a16="http://schemas.microsoft.com/office/drawing/2014/main" id="{4F8E0057-45FA-40E8-80E1-8629D6245349}"/>
               </a:ext>
             </a:extLst>
           </p:cNvPr>
@@ -12483,7 +12451,7 @@
           <p:cNvPr id="5" name="Title 1">
             <a:extLst>
               <a:ext uri="{FF2B5EF4-FFF2-40B4-BE49-F238E27FC236}">
-                <a16:creationId xmlns:a16="http://schemas.microsoft.com/office/drawing/2014/main" xmlns="" id="{66E33811-B0FD-489C-B843-E5B167520896}"/>
+                <a16:creationId xmlns="" xmlns:a16="http://schemas.microsoft.com/office/drawing/2014/main" id="{66E33811-B0FD-489C-B843-E5B167520896}"/>
               </a:ext>
             </a:extLst>
           </p:cNvPr>
@@ -12574,7 +12542,7 @@
           <p:cNvPr id="3" name="Content Placeholder 2">
             <a:extLst>
               <a:ext uri="{FF2B5EF4-FFF2-40B4-BE49-F238E27FC236}">
-                <a16:creationId xmlns:a16="http://schemas.microsoft.com/office/drawing/2014/main" xmlns="" id="{6D46622B-CEA1-41A3-B30B-DD972286CF5D}"/>
+                <a16:creationId xmlns="" xmlns:a16="http://schemas.microsoft.com/office/drawing/2014/main" id="{6D46622B-CEA1-41A3-B30B-DD972286CF5D}"/>
               </a:ext>
             </a:extLst>
           </p:cNvPr>
@@ -13040,7 +13008,7 @@
           <p:cNvPr id="4" name="Slide Number Placeholder 3">
             <a:extLst>
               <a:ext uri="{FF2B5EF4-FFF2-40B4-BE49-F238E27FC236}">
-                <a16:creationId xmlns:a16="http://schemas.microsoft.com/office/drawing/2014/main" xmlns="" id="{4F8E0057-45FA-40E8-80E1-8629D6245349}"/>
+                <a16:creationId xmlns="" xmlns:a16="http://schemas.microsoft.com/office/drawing/2014/main" id="{4F8E0057-45FA-40E8-80E1-8629D6245349}"/>
               </a:ext>
             </a:extLst>
           </p:cNvPr>
@@ -13069,7 +13037,7 @@
           <p:cNvPr id="5" name="Title 1">
             <a:extLst>
               <a:ext uri="{FF2B5EF4-FFF2-40B4-BE49-F238E27FC236}">
-                <a16:creationId xmlns:a16="http://schemas.microsoft.com/office/drawing/2014/main" xmlns="" id="{66E33811-B0FD-489C-B843-E5B167520896}"/>
+                <a16:creationId xmlns="" xmlns:a16="http://schemas.microsoft.com/office/drawing/2014/main" id="{66E33811-B0FD-489C-B843-E5B167520896}"/>
               </a:ext>
             </a:extLst>
           </p:cNvPr>
@@ -13115,7 +13083,7 @@
           <p:cNvPr id="8" name="TextBox 7">
             <a:extLst>
               <a:ext uri="{FF2B5EF4-FFF2-40B4-BE49-F238E27FC236}">
-                <a16:creationId xmlns:a16="http://schemas.microsoft.com/office/drawing/2014/main" xmlns="" id="{D0DF48DE-C95B-4011-A946-57368046EB12}"/>
+                <a16:creationId xmlns="" xmlns:a16="http://schemas.microsoft.com/office/drawing/2014/main" id="{D0DF48DE-C95B-4011-A946-57368046EB12}"/>
               </a:ext>
             </a:extLst>
           </p:cNvPr>
@@ -13155,7 +13123,7 @@
           <p:cNvPr id="9" name="Straight Arrow Connector 8">
             <a:extLst>
               <a:ext uri="{FF2B5EF4-FFF2-40B4-BE49-F238E27FC236}">
-                <a16:creationId xmlns:a16="http://schemas.microsoft.com/office/drawing/2014/main" xmlns="" id="{2F77CF73-EE82-4717-B439-E2689E8B01B4}"/>
+                <a16:creationId xmlns="" xmlns:a16="http://schemas.microsoft.com/office/drawing/2014/main" id="{2F77CF73-EE82-4717-B439-E2689E8B01B4}"/>
               </a:ext>
             </a:extLst>
           </p:cNvPr>
@@ -13197,7 +13165,7 @@
           <p:cNvPr id="12" name="TextBox 11">
             <a:extLst>
               <a:ext uri="{FF2B5EF4-FFF2-40B4-BE49-F238E27FC236}">
-                <a16:creationId xmlns:a16="http://schemas.microsoft.com/office/drawing/2014/main" xmlns="" id="{4B13278B-8E35-460F-A394-9EDEF0703AB3}"/>
+                <a16:creationId xmlns="" xmlns:a16="http://schemas.microsoft.com/office/drawing/2014/main" id="{4B13278B-8E35-460F-A394-9EDEF0703AB3}"/>
               </a:ext>
             </a:extLst>
           </p:cNvPr>
@@ -13245,7 +13213,7 @@
           <p:cNvPr id="13" name="Straight Arrow Connector 12">
             <a:extLst>
               <a:ext uri="{FF2B5EF4-FFF2-40B4-BE49-F238E27FC236}">
-                <a16:creationId xmlns:a16="http://schemas.microsoft.com/office/drawing/2014/main" xmlns="" id="{E35575D6-C11C-4F3D-85F3-ACF2EC719556}"/>
+                <a16:creationId xmlns="" xmlns:a16="http://schemas.microsoft.com/office/drawing/2014/main" id="{E35575D6-C11C-4F3D-85F3-ACF2EC719556}"/>
               </a:ext>
             </a:extLst>
           </p:cNvPr>
@@ -13287,7 +13255,7 @@
           <p:cNvPr id="21" name="TextBox 20">
             <a:extLst>
               <a:ext uri="{FF2B5EF4-FFF2-40B4-BE49-F238E27FC236}">
-                <a16:creationId xmlns:a16="http://schemas.microsoft.com/office/drawing/2014/main" xmlns="" id="{AA109070-F78E-450F-BB94-11AF6654236E}"/>
+                <a16:creationId xmlns="" xmlns:a16="http://schemas.microsoft.com/office/drawing/2014/main" id="{AA109070-F78E-450F-BB94-11AF6654236E}"/>
               </a:ext>
             </a:extLst>
           </p:cNvPr>
@@ -13336,7 +13304,7 @@
           <p:cNvPr id="22" name="Straight Arrow Connector 21">
             <a:extLst>
               <a:ext uri="{FF2B5EF4-FFF2-40B4-BE49-F238E27FC236}">
-                <a16:creationId xmlns:a16="http://schemas.microsoft.com/office/drawing/2014/main" xmlns="" id="{634EA646-252E-466E-A77B-7E931497DFFF}"/>
+                <a16:creationId xmlns="" xmlns:a16="http://schemas.microsoft.com/office/drawing/2014/main" id="{634EA646-252E-466E-A77B-7E931497DFFF}"/>
               </a:ext>
             </a:extLst>
           </p:cNvPr>
@@ -13377,7 +13345,7 @@
           <p:cNvPr id="14" name="Straight Arrow Connector 13">
             <a:extLst>
               <a:ext uri="{FF2B5EF4-FFF2-40B4-BE49-F238E27FC236}">
-                <a16:creationId xmlns:a16="http://schemas.microsoft.com/office/drawing/2014/main" xmlns="" id="{77B7F16A-48EC-4E48-9E43-AE922F6ADDB6}"/>
+                <a16:creationId xmlns="" xmlns:a16="http://schemas.microsoft.com/office/drawing/2014/main" id="{77B7F16A-48EC-4E48-9E43-AE922F6ADDB6}"/>
               </a:ext>
             </a:extLst>
           </p:cNvPr>
@@ -13418,7 +13386,7 @@
           <p:cNvPr id="26" name="TextBox 25">
             <a:extLst>
               <a:ext uri="{FF2B5EF4-FFF2-40B4-BE49-F238E27FC236}">
-                <a16:creationId xmlns:a16="http://schemas.microsoft.com/office/drawing/2014/main" xmlns="" id="{FBD6011D-8473-4ED1-BEC9-2D848F46E6FD}"/>
+                <a16:creationId xmlns="" xmlns:a16="http://schemas.microsoft.com/office/drawing/2014/main" id="{FBD6011D-8473-4ED1-BEC9-2D848F46E6FD}"/>
               </a:ext>
             </a:extLst>
           </p:cNvPr>
@@ -13477,7 +13445,7 @@
           <p:cNvPr id="27" name="Rectangle 26">
             <a:extLst>
               <a:ext uri="{FF2B5EF4-FFF2-40B4-BE49-F238E27FC236}">
-                <a16:creationId xmlns:a16="http://schemas.microsoft.com/office/drawing/2014/main" xmlns="" id="{B327F648-598E-413A-AF98-BEFC294C92A2}"/>
+                <a16:creationId xmlns="" xmlns:a16="http://schemas.microsoft.com/office/drawing/2014/main" id="{B327F648-598E-413A-AF98-BEFC294C92A2}"/>
               </a:ext>
             </a:extLst>
           </p:cNvPr>
@@ -13529,7 +13497,7 @@
           <p:cNvPr id="28" name="TextBox 27">
             <a:extLst>
               <a:ext uri="{FF2B5EF4-FFF2-40B4-BE49-F238E27FC236}">
-                <a16:creationId xmlns:a16="http://schemas.microsoft.com/office/drawing/2014/main" xmlns="" id="{496FE541-6DCA-4B0C-ABDA-9E22EA26F7EB}"/>
+                <a16:creationId xmlns="" xmlns:a16="http://schemas.microsoft.com/office/drawing/2014/main" id="{496FE541-6DCA-4B0C-ABDA-9E22EA26F7EB}"/>
               </a:ext>
             </a:extLst>
           </p:cNvPr>
@@ -13618,7 +13586,7 @@
           <p:cNvPr id="4" name="Slide Number Placeholder 3">
             <a:extLst>
               <a:ext uri="{FF2B5EF4-FFF2-40B4-BE49-F238E27FC236}">
-                <a16:creationId xmlns:a16="http://schemas.microsoft.com/office/drawing/2014/main" xmlns="" id="{4F8E0057-45FA-40E8-80E1-8629D6245349}"/>
+                <a16:creationId xmlns="" xmlns:a16="http://schemas.microsoft.com/office/drawing/2014/main" id="{4F8E0057-45FA-40E8-80E1-8629D6245349}"/>
               </a:ext>
             </a:extLst>
           </p:cNvPr>
@@ -13647,7 +13615,7 @@
           <p:cNvPr id="5" name="Title 1">
             <a:extLst>
               <a:ext uri="{FF2B5EF4-FFF2-40B4-BE49-F238E27FC236}">
-                <a16:creationId xmlns:a16="http://schemas.microsoft.com/office/drawing/2014/main" xmlns="" id="{66E33811-B0FD-489C-B843-E5B167520896}"/>
+                <a16:creationId xmlns="" xmlns:a16="http://schemas.microsoft.com/office/drawing/2014/main" id="{66E33811-B0FD-489C-B843-E5B167520896}"/>
               </a:ext>
             </a:extLst>
           </p:cNvPr>
@@ -13689,7 +13657,7 @@
           <p:cNvPr id="28" name="TextBox 27">
             <a:extLst>
               <a:ext uri="{FF2B5EF4-FFF2-40B4-BE49-F238E27FC236}">
-                <a16:creationId xmlns:a16="http://schemas.microsoft.com/office/drawing/2014/main" xmlns="" id="{496FE541-6DCA-4B0C-ABDA-9E22EA26F7EB}"/>
+                <a16:creationId xmlns="" xmlns:a16="http://schemas.microsoft.com/office/drawing/2014/main" id="{496FE541-6DCA-4B0C-ABDA-9E22EA26F7EB}"/>
               </a:ext>
             </a:extLst>
           </p:cNvPr>
@@ -13729,7 +13697,7 @@
           <p:cNvPr id="2" name="Picture 1">
             <a:extLst>
               <a:ext uri="{FF2B5EF4-FFF2-40B4-BE49-F238E27FC236}">
-                <a16:creationId xmlns:a16="http://schemas.microsoft.com/office/drawing/2014/main" xmlns="" id="{0BA8A766-9918-44B9-AC99-21A862509B1D}"/>
+                <a16:creationId xmlns="" xmlns:a16="http://schemas.microsoft.com/office/drawing/2014/main" id="{0BA8A766-9918-44B9-AC99-21A862509B1D}"/>
               </a:ext>
             </a:extLst>
           </p:cNvPr>
@@ -13758,7 +13726,7 @@
           <p:cNvPr id="11" name="Picture 10">
             <a:extLst>
               <a:ext uri="{FF2B5EF4-FFF2-40B4-BE49-F238E27FC236}">
-                <a16:creationId xmlns:a16="http://schemas.microsoft.com/office/drawing/2014/main" xmlns="" id="{DDEA50F0-4C06-4046-95A1-C7C326BA2947}"/>
+                <a16:creationId xmlns="" xmlns:a16="http://schemas.microsoft.com/office/drawing/2014/main" id="{DDEA50F0-4C06-4046-95A1-C7C326BA2947}"/>
               </a:ext>
             </a:extLst>
           </p:cNvPr>
@@ -13787,7 +13755,7 @@
           <p:cNvPr id="19" name="TextBox 18">
             <a:extLst>
               <a:ext uri="{FF2B5EF4-FFF2-40B4-BE49-F238E27FC236}">
-                <a16:creationId xmlns:a16="http://schemas.microsoft.com/office/drawing/2014/main" xmlns="" id="{32A65B8A-7C74-4921-9F73-13EB5A2119AA}"/>
+                <a16:creationId xmlns="" xmlns:a16="http://schemas.microsoft.com/office/drawing/2014/main" id="{32A65B8A-7C74-4921-9F73-13EB5A2119AA}"/>
               </a:ext>
             </a:extLst>
           </p:cNvPr>
@@ -13840,7 +13808,7 @@
           <p:cNvPr id="26" name="TextBox 25">
             <a:extLst>
               <a:ext uri="{FF2B5EF4-FFF2-40B4-BE49-F238E27FC236}">
-                <a16:creationId xmlns:a16="http://schemas.microsoft.com/office/drawing/2014/main" xmlns="" id="{FBD6011D-8473-4ED1-BEC9-2D848F46E6FD}"/>
+                <a16:creationId xmlns="" xmlns:a16="http://schemas.microsoft.com/office/drawing/2014/main" id="{FBD6011D-8473-4ED1-BEC9-2D848F46E6FD}"/>
               </a:ext>
             </a:extLst>
           </p:cNvPr>
@@ -14073,7 +14041,7 @@
           <p:cNvPr id="4" name="Slide Number Placeholder 3">
             <a:extLst>
               <a:ext uri="{FF2B5EF4-FFF2-40B4-BE49-F238E27FC236}">
-                <a16:creationId xmlns:a16="http://schemas.microsoft.com/office/drawing/2014/main" xmlns="" id="{4F8E0057-45FA-40E8-80E1-8629D6245349}"/>
+                <a16:creationId xmlns="" xmlns:a16="http://schemas.microsoft.com/office/drawing/2014/main" id="{4F8E0057-45FA-40E8-80E1-8629D6245349}"/>
               </a:ext>
             </a:extLst>
           </p:cNvPr>
@@ -14102,7 +14070,7 @@
           <p:cNvPr id="5" name="Title 1">
             <a:extLst>
               <a:ext uri="{FF2B5EF4-FFF2-40B4-BE49-F238E27FC236}">
-                <a16:creationId xmlns:a16="http://schemas.microsoft.com/office/drawing/2014/main" xmlns="" id="{66E33811-B0FD-489C-B843-E5B167520896}"/>
+                <a16:creationId xmlns="" xmlns:a16="http://schemas.microsoft.com/office/drawing/2014/main" id="{66E33811-B0FD-489C-B843-E5B167520896}"/>
               </a:ext>
             </a:extLst>
           </p:cNvPr>
@@ -14144,7 +14112,7 @@
           <p:cNvPr id="10" name="Content Placeholder 2">
             <a:extLst>
               <a:ext uri="{FF2B5EF4-FFF2-40B4-BE49-F238E27FC236}">
-                <a16:creationId xmlns:a16="http://schemas.microsoft.com/office/drawing/2014/main" xmlns="" id="{0DB8661B-166B-4B44-835E-B733EE08DF8A}"/>
+                <a16:creationId xmlns="" xmlns:a16="http://schemas.microsoft.com/office/drawing/2014/main" id="{0DB8661B-166B-4B44-835E-B733EE08DF8A}"/>
               </a:ext>
             </a:extLst>
           </p:cNvPr>
@@ -14185,14 +14153,7 @@
                 <a:latin typeface="Courier New" panose="02070309020205020404" pitchFamily="49" charset="0"/>
                 <a:cs typeface="Courier New" panose="02070309020205020404" pitchFamily="49" charset="0"/>
               </a:rPr>
-              <a:t>c*f(new</a:t>
-            </a:r>
-            <a:r>
-              <a:rPr lang="es-419" sz="3200" noProof="0" dirty="0" smtClean="0">
-                <a:latin typeface="Courier New" panose="02070309020205020404" pitchFamily="49" charset="0"/>
-                <a:cs typeface="Courier New" panose="02070309020205020404" pitchFamily="49" charset="0"/>
-              </a:rPr>
-              <a:t>)/(c*f(x[i-1]))</a:t>
+              <a:t>c*f(new)/(c*f(x[i-1]))</a:t>
             </a:r>
             <a:endParaRPr lang="es-419" sz="3200" noProof="0" dirty="0" smtClean="0"/>
           </a:p>
@@ -14277,7 +14238,7 @@
           <p:cNvPr id="12" name="TextBox 11">
             <a:extLst>
               <a:ext uri="{FF2B5EF4-FFF2-40B4-BE49-F238E27FC236}">
-                <a16:creationId xmlns:a16="http://schemas.microsoft.com/office/drawing/2014/main" xmlns="" id="{AA6BD271-109A-43C0-AA1D-2FEE0AB58646}"/>
+                <a16:creationId xmlns="" xmlns:a16="http://schemas.microsoft.com/office/drawing/2014/main" id="{AA6BD271-109A-43C0-AA1D-2FEE0AB58646}"/>
               </a:ext>
             </a:extLst>
           </p:cNvPr>
@@ -14563,7 +14524,7 @@
           <p:cNvPr id="3" name="Content Placeholder 2">
             <a:extLst>
               <a:ext uri="{FF2B5EF4-FFF2-40B4-BE49-F238E27FC236}">
-                <a16:creationId xmlns:a16="http://schemas.microsoft.com/office/drawing/2014/main" xmlns="" id="{6D46622B-CEA1-41A3-B30B-DD972286CF5D}"/>
+                <a16:creationId xmlns="" xmlns:a16="http://schemas.microsoft.com/office/drawing/2014/main" id="{6D46622B-CEA1-41A3-B30B-DD972286CF5D}"/>
               </a:ext>
             </a:extLst>
           </p:cNvPr>
@@ -14936,7 +14897,7 @@
           <p:cNvPr id="4" name="Slide Number Placeholder 3">
             <a:extLst>
               <a:ext uri="{FF2B5EF4-FFF2-40B4-BE49-F238E27FC236}">
-                <a16:creationId xmlns:a16="http://schemas.microsoft.com/office/drawing/2014/main" xmlns="" id="{4F8E0057-45FA-40E8-80E1-8629D6245349}"/>
+                <a16:creationId xmlns="" xmlns:a16="http://schemas.microsoft.com/office/drawing/2014/main" id="{4F8E0057-45FA-40E8-80E1-8629D6245349}"/>
               </a:ext>
             </a:extLst>
           </p:cNvPr>
@@ -14965,7 +14926,7 @@
           <p:cNvPr id="5" name="Title 1">
             <a:extLst>
               <a:ext uri="{FF2B5EF4-FFF2-40B4-BE49-F238E27FC236}">
-                <a16:creationId xmlns:a16="http://schemas.microsoft.com/office/drawing/2014/main" xmlns="" id="{66E33811-B0FD-489C-B843-E5B167520896}"/>
+                <a16:creationId xmlns="" xmlns:a16="http://schemas.microsoft.com/office/drawing/2014/main" id="{66E33811-B0FD-489C-B843-E5B167520896}"/>
               </a:ext>
             </a:extLst>
           </p:cNvPr>
@@ -15114,7 +15075,7 @@
           <p:cNvPr id="2" name="Title 1">
             <a:extLst>
               <a:ext uri="{FF2B5EF4-FFF2-40B4-BE49-F238E27FC236}">
-                <a16:creationId xmlns:a16="http://schemas.microsoft.com/office/drawing/2014/main" xmlns="" id="{956FFBD8-BE2A-4487-841C-B5DD764D1996}"/>
+                <a16:creationId xmlns="" xmlns:a16="http://schemas.microsoft.com/office/drawing/2014/main" id="{956FFBD8-BE2A-4487-841C-B5DD764D1996}"/>
               </a:ext>
             </a:extLst>
           </p:cNvPr>
@@ -15155,7 +15116,7 @@
           <p:cNvPr id="3" name="Content Placeholder 2">
             <a:extLst>
               <a:ext uri="{FF2B5EF4-FFF2-40B4-BE49-F238E27FC236}">
-                <a16:creationId xmlns:a16="http://schemas.microsoft.com/office/drawing/2014/main" xmlns="" id="{B47262FF-E998-4343-ADAF-24438E7BCCED}"/>
+                <a16:creationId xmlns="" xmlns:a16="http://schemas.microsoft.com/office/drawing/2014/main" id="{B47262FF-E998-4343-ADAF-24438E7BCCED}"/>
               </a:ext>
             </a:extLst>
           </p:cNvPr>
@@ -15264,7 +15225,7 @@
           <p:cNvPr id="4" name="Slide Number Placeholder 3">
             <a:extLst>
               <a:ext uri="{FF2B5EF4-FFF2-40B4-BE49-F238E27FC236}">
-                <a16:creationId xmlns:a16="http://schemas.microsoft.com/office/drawing/2014/main" xmlns="" id="{B1ACB5B6-3459-47DE-9828-4FDA82228513}"/>
+                <a16:creationId xmlns="" xmlns:a16="http://schemas.microsoft.com/office/drawing/2014/main" id="{B1ACB5B6-3459-47DE-9828-4FDA82228513}"/>
               </a:ext>
             </a:extLst>
           </p:cNvPr>
@@ -15330,7 +15291,7 @@
           <p:cNvPr id="2" name="Title 1">
             <a:extLst>
               <a:ext uri="{FF2B5EF4-FFF2-40B4-BE49-F238E27FC236}">
-                <a16:creationId xmlns:a16="http://schemas.microsoft.com/office/drawing/2014/main" xmlns="" id="{1938EEE1-16A1-4461-966D-58E6B7F960D5}"/>
+                <a16:creationId xmlns="" xmlns:a16="http://schemas.microsoft.com/office/drawing/2014/main" id="{1938EEE1-16A1-4461-966D-58E6B7F960D5}"/>
               </a:ext>
             </a:extLst>
           </p:cNvPr>
@@ -15359,7 +15320,7 @@
           <p:cNvPr id="3" name="Content Placeholder 2">
             <a:extLst>
               <a:ext uri="{FF2B5EF4-FFF2-40B4-BE49-F238E27FC236}">
-                <a16:creationId xmlns:a16="http://schemas.microsoft.com/office/drawing/2014/main" xmlns="" id="{16909E00-9561-4D80-9B05-66AD8C463F11}"/>
+                <a16:creationId xmlns="" xmlns:a16="http://schemas.microsoft.com/office/drawing/2014/main" id="{16909E00-9561-4D80-9B05-66AD8C463F11}"/>
               </a:ext>
             </a:extLst>
           </p:cNvPr>
@@ -15434,7 +15395,7 @@
           <p:cNvPr id="4" name="Slide Number Placeholder 3">
             <a:extLst>
               <a:ext uri="{FF2B5EF4-FFF2-40B4-BE49-F238E27FC236}">
-                <a16:creationId xmlns:a16="http://schemas.microsoft.com/office/drawing/2014/main" xmlns="" id="{CB84EEA5-6A5B-41AD-A657-0FB9D664CBD4}"/>
+                <a16:creationId xmlns="" xmlns:a16="http://schemas.microsoft.com/office/drawing/2014/main" id="{CB84EEA5-6A5B-41AD-A657-0FB9D664CBD4}"/>
               </a:ext>
             </a:extLst>
           </p:cNvPr>
@@ -15524,7 +15485,7 @@
           <p:cNvPr id="2" name="Title 1">
             <a:extLst>
               <a:ext uri="{FF2B5EF4-FFF2-40B4-BE49-F238E27FC236}">
-                <a16:creationId xmlns:a16="http://schemas.microsoft.com/office/drawing/2014/main" xmlns="" id="{FCBFC5CE-BEBE-4178-A0B5-F030F3C46F4F}"/>
+                <a16:creationId xmlns="" xmlns:a16="http://schemas.microsoft.com/office/drawing/2014/main" id="{FCBFC5CE-BEBE-4178-A0B5-F030F3C46F4F}"/>
               </a:ext>
             </a:extLst>
           </p:cNvPr>
@@ -15557,7 +15518,7 @@
           <p:cNvPr id="3" name="Content Placeholder 2">
             <a:extLst>
               <a:ext uri="{FF2B5EF4-FFF2-40B4-BE49-F238E27FC236}">
-                <a16:creationId xmlns:a16="http://schemas.microsoft.com/office/drawing/2014/main" xmlns="" id="{0A016C73-5DDF-46EE-ACD4-1B95CD8285D4}"/>
+                <a16:creationId xmlns="" xmlns:a16="http://schemas.microsoft.com/office/drawing/2014/main" id="{0A016C73-5DDF-46EE-ACD4-1B95CD8285D4}"/>
               </a:ext>
             </a:extLst>
           </p:cNvPr>
@@ -15582,7 +15543,7 @@
           <p:cNvPr id="4" name="Slide Number Placeholder 3">
             <a:extLst>
               <a:ext uri="{FF2B5EF4-FFF2-40B4-BE49-F238E27FC236}">
-                <a16:creationId xmlns:a16="http://schemas.microsoft.com/office/drawing/2014/main" xmlns="" id="{9EC15119-7A83-4B50-8E95-42B54138CF67}"/>
+                <a16:creationId xmlns="" xmlns:a16="http://schemas.microsoft.com/office/drawing/2014/main" id="{9EC15119-7A83-4B50-8E95-42B54138CF67}"/>
               </a:ext>
             </a:extLst>
           </p:cNvPr>
@@ -15648,7 +15609,7 @@
           <p:cNvPr id="2" name="Title 1">
             <a:extLst>
               <a:ext uri="{FF2B5EF4-FFF2-40B4-BE49-F238E27FC236}">
-                <a16:creationId xmlns:a16="http://schemas.microsoft.com/office/drawing/2014/main" xmlns="" id="{FCBFC5CE-BEBE-4178-A0B5-F030F3C46F4F}"/>
+                <a16:creationId xmlns="" xmlns:a16="http://schemas.microsoft.com/office/drawing/2014/main" id="{FCBFC5CE-BEBE-4178-A0B5-F030F3C46F4F}"/>
               </a:ext>
             </a:extLst>
           </p:cNvPr>
@@ -15677,7 +15638,7 @@
           <p:cNvPr id="3" name="Content Placeholder 2">
             <a:extLst>
               <a:ext uri="{FF2B5EF4-FFF2-40B4-BE49-F238E27FC236}">
-                <a16:creationId xmlns:a16="http://schemas.microsoft.com/office/drawing/2014/main" xmlns="" id="{0A016C73-5DDF-46EE-ACD4-1B95CD8285D4}"/>
+                <a16:creationId xmlns="" xmlns:a16="http://schemas.microsoft.com/office/drawing/2014/main" id="{0A016C73-5DDF-46EE-ACD4-1B95CD8285D4}"/>
               </a:ext>
             </a:extLst>
           </p:cNvPr>
@@ -15779,15 +15740,15 @@
               <a:t>Estima 95% </a:t>
             </a:r>
             <a:r>
-              <a:rPr lang="es-419" noProof="0" dirty="0" err="1" smtClean="0"/>
+              <a:rPr lang="es-419" i="1" noProof="0" dirty="0" err="1" smtClean="0"/>
               <a:t>credible</a:t>
             </a:r>
             <a:r>
-              <a:rPr lang="es-419" noProof="0" dirty="0" smtClean="0"/>
+              <a:rPr lang="es-419" i="1" noProof="0" dirty="0" smtClean="0"/>
               <a:t> </a:t>
             </a:r>
             <a:r>
-              <a:rPr lang="es-419" noProof="0" dirty="0" err="1" smtClean="0"/>
+              <a:rPr lang="es-419" i="1" noProof="0" dirty="0" err="1" smtClean="0"/>
               <a:t>interval</a:t>
             </a:r>
             <a:r>
@@ -15807,7 +15768,7 @@
           <p:cNvPr id="4" name="Slide Number Placeholder 3">
             <a:extLst>
               <a:ext uri="{FF2B5EF4-FFF2-40B4-BE49-F238E27FC236}">
-                <a16:creationId xmlns:a16="http://schemas.microsoft.com/office/drawing/2014/main" xmlns="" id="{9EC15119-7A83-4B50-8E95-42B54138CF67}"/>
+                <a16:creationId xmlns="" xmlns:a16="http://schemas.microsoft.com/office/drawing/2014/main" id="{9EC15119-7A83-4B50-8E95-42B54138CF67}"/>
               </a:ext>
             </a:extLst>
           </p:cNvPr>
@@ -15836,7 +15797,7 @@
           <p:cNvPr id="5" name="Object 4">
             <a:extLst>
               <a:ext uri="{FF2B5EF4-FFF2-40B4-BE49-F238E27FC236}">
-                <a16:creationId xmlns:a16="http://schemas.microsoft.com/office/drawing/2014/main" xmlns="" id="{3D933AA6-3CA4-48B7-8B31-A6372A48D17C}"/>
+                <a16:creationId xmlns="" xmlns:a16="http://schemas.microsoft.com/office/drawing/2014/main" id="{3D933AA6-3CA4-48B7-8B31-A6372A48D17C}"/>
               </a:ext>
             </a:extLst>
           </p:cNvPr>
@@ -15859,7 +15820,7 @@
           <a:graphicData uri="http://schemas.openxmlformats.org/presentationml/2006/ole">
             <mc:AlternateContent xmlns:mc="http://schemas.openxmlformats.org/markup-compatibility/2006">
               <mc:Choice xmlns:v="urn:schemas-microsoft-com:vml" Requires="v">
-                <p:oleObj spid="_x0000_s8339" name="Equation" r:id="rId3" imgW="1726920" imgH="672840" progId="Equation.DSMT4">
+                <p:oleObj spid="_x0000_s8345" name="Equation" r:id="rId3" imgW="1726920" imgH="672840" progId="Equation.DSMT4">
                   <p:embed/>
                 </p:oleObj>
               </mc:Choice>
@@ -15871,7 +15832,7 @@
                       <p:cNvPr id="8" name="Object 7">
                         <a:extLst>
                           <a:ext uri="{FF2B5EF4-FFF2-40B4-BE49-F238E27FC236}">
-                            <a16:creationId xmlns:a16="http://schemas.microsoft.com/office/drawing/2014/main" xmlns="" id="{3D933AA6-3CA4-48B7-8B31-A6372A48D17C}"/>
+                            <a16:creationId xmlns="" xmlns:a16="http://schemas.microsoft.com/office/drawing/2014/main" id="{3D933AA6-3CA4-48B7-8B31-A6372A48D17C}"/>
                           </a:ext>
                         </a:extLst>
                       </p:cNvPr>
@@ -15905,7 +15866,7 @@
           <p:cNvPr id="6" name="Object 5">
             <a:extLst>
               <a:ext uri="{FF2B5EF4-FFF2-40B4-BE49-F238E27FC236}">
-                <a16:creationId xmlns:a16="http://schemas.microsoft.com/office/drawing/2014/main" xmlns="" id="{42F47534-6BB7-482C-BFF7-E22E91606A29}"/>
+                <a16:creationId xmlns="" xmlns:a16="http://schemas.microsoft.com/office/drawing/2014/main" id="{42F47534-6BB7-482C-BFF7-E22E91606A29}"/>
               </a:ext>
             </a:extLst>
           </p:cNvPr>
@@ -15928,7 +15889,7 @@
           <a:graphicData uri="http://schemas.openxmlformats.org/presentationml/2006/ole">
             <mc:AlternateContent xmlns:mc="http://schemas.openxmlformats.org/markup-compatibility/2006">
               <mc:Choice xmlns:v="urn:schemas-microsoft-com:vml" Requires="v">
-                <p:oleObj spid="_x0000_s8340" name="Equation" r:id="rId5" imgW="1028520" imgH="965160" progId="Equation.DSMT4">
+                <p:oleObj spid="_x0000_s8346" name="Equation" r:id="rId5" imgW="1028520" imgH="965160" progId="Equation.DSMT4">
                   <p:embed/>
                 </p:oleObj>
               </mc:Choice>
@@ -15940,7 +15901,7 @@
                       <p:cNvPr id="12" name="Object 11">
                         <a:extLst>
                           <a:ext uri="{FF2B5EF4-FFF2-40B4-BE49-F238E27FC236}">
-                            <a16:creationId xmlns:a16="http://schemas.microsoft.com/office/drawing/2014/main" xmlns="" id="{42F47534-6BB7-482C-BFF7-E22E91606A29}"/>
+                            <a16:creationId xmlns="" xmlns:a16="http://schemas.microsoft.com/office/drawing/2014/main" id="{42F47534-6BB7-482C-BFF7-E22E91606A29}"/>
                           </a:ext>
                         </a:extLst>
                       </p:cNvPr>
@@ -15974,7 +15935,7 @@
           <p:cNvPr id="7" name="Object 6">
             <a:extLst>
               <a:ext uri="{FF2B5EF4-FFF2-40B4-BE49-F238E27FC236}">
-                <a16:creationId xmlns:a16="http://schemas.microsoft.com/office/drawing/2014/main" xmlns="" id="{BBB81E51-8CAC-4532-A30F-E7FA0F55279C}"/>
+                <a16:creationId xmlns="" xmlns:a16="http://schemas.microsoft.com/office/drawing/2014/main" id="{BBB81E51-8CAC-4532-A30F-E7FA0F55279C}"/>
               </a:ext>
             </a:extLst>
           </p:cNvPr>
@@ -15997,7 +15958,7 @@
           <a:graphicData uri="http://schemas.openxmlformats.org/presentationml/2006/ole">
             <mc:AlternateContent xmlns:mc="http://schemas.openxmlformats.org/markup-compatibility/2006">
               <mc:Choice xmlns:v="urn:schemas-microsoft-com:vml" Requires="v">
-                <p:oleObj spid="_x0000_s8341" name="Equation" r:id="rId7" imgW="1231560" imgH="241200" progId="Equation.DSMT4">
+                <p:oleObj spid="_x0000_s8347" name="Equation" r:id="rId7" imgW="1231560" imgH="241200" progId="Equation.DSMT4">
                   <p:embed/>
                 </p:oleObj>
               </mc:Choice>
@@ -16009,7 +15970,7 @@
                       <p:cNvPr id="9" name="Object 8">
                         <a:extLst>
                           <a:ext uri="{FF2B5EF4-FFF2-40B4-BE49-F238E27FC236}">
-                            <a16:creationId xmlns:a16="http://schemas.microsoft.com/office/drawing/2014/main" xmlns="" id="{BBB81E51-8CAC-4532-A30F-E7FA0F55279C}"/>
+                            <a16:creationId xmlns="" xmlns:a16="http://schemas.microsoft.com/office/drawing/2014/main" id="{BBB81E51-8CAC-4532-A30F-E7FA0F55279C}"/>
                           </a:ext>
                         </a:extLst>
                       </p:cNvPr>
@@ -16080,7 +16041,7 @@
           <p:cNvPr id="2" name="Title 1">
             <a:extLst>
               <a:ext uri="{FF2B5EF4-FFF2-40B4-BE49-F238E27FC236}">
-                <a16:creationId xmlns:a16="http://schemas.microsoft.com/office/drawing/2014/main" xmlns="" id="{C976E5B5-F024-4D7C-9711-9BEA5F3AA682}"/>
+                <a16:creationId xmlns="" xmlns:a16="http://schemas.microsoft.com/office/drawing/2014/main" id="{C976E5B5-F024-4D7C-9711-9BEA5F3AA682}"/>
               </a:ext>
             </a:extLst>
           </p:cNvPr>
@@ -16109,7 +16070,7 @@
           <p:cNvPr id="3" name="Content Placeholder 2">
             <a:extLst>
               <a:ext uri="{FF2B5EF4-FFF2-40B4-BE49-F238E27FC236}">
-                <a16:creationId xmlns:a16="http://schemas.microsoft.com/office/drawing/2014/main" xmlns="" id="{B674CA99-AD0B-472B-BD2F-AF6AA7DE490B}"/>
+                <a16:creationId xmlns="" xmlns:a16="http://schemas.microsoft.com/office/drawing/2014/main" id="{B674CA99-AD0B-472B-BD2F-AF6AA7DE490B}"/>
               </a:ext>
             </a:extLst>
           </p:cNvPr>
@@ -16313,7 +16274,7 @@
           <p:cNvPr id="4" name="Slide Number Placeholder 3">
             <a:extLst>
               <a:ext uri="{FF2B5EF4-FFF2-40B4-BE49-F238E27FC236}">
-                <a16:creationId xmlns:a16="http://schemas.microsoft.com/office/drawing/2014/main" xmlns="" id="{6F6CFCEE-97D6-460E-9635-2B1BFC0C65FA}"/>
+                <a16:creationId xmlns="" xmlns:a16="http://schemas.microsoft.com/office/drawing/2014/main" id="{6F6CFCEE-97D6-460E-9635-2B1BFC0C65FA}"/>
               </a:ext>
             </a:extLst>
           </p:cNvPr>
@@ -16379,7 +16340,7 @@
           <p:cNvPr id="2" name="Title 1">
             <a:extLst>
               <a:ext uri="{FF2B5EF4-FFF2-40B4-BE49-F238E27FC236}">
-                <a16:creationId xmlns:a16="http://schemas.microsoft.com/office/drawing/2014/main" xmlns="" id="{C7F9C6A9-2B24-4EE8-BDE5-563962F2581F}"/>
+                <a16:creationId xmlns="" xmlns:a16="http://schemas.microsoft.com/office/drawing/2014/main" id="{C7F9C6A9-2B24-4EE8-BDE5-563962F2581F}"/>
               </a:ext>
             </a:extLst>
           </p:cNvPr>
@@ -16412,7 +16373,7 @@
           <p:cNvPr id="3" name="Content Placeholder 2">
             <a:extLst>
               <a:ext uri="{FF2B5EF4-FFF2-40B4-BE49-F238E27FC236}">
-                <a16:creationId xmlns:a16="http://schemas.microsoft.com/office/drawing/2014/main" xmlns="" id="{121D4267-FEEA-40F5-B8A4-58F96222096E}"/>
+                <a16:creationId xmlns="" xmlns:a16="http://schemas.microsoft.com/office/drawing/2014/main" id="{121D4267-FEEA-40F5-B8A4-58F96222096E}"/>
               </a:ext>
             </a:extLst>
           </p:cNvPr>
@@ -16545,7 +16506,7 @@
           <p:cNvPr id="4" name="Slide Number Placeholder 3">
             <a:extLst>
               <a:ext uri="{FF2B5EF4-FFF2-40B4-BE49-F238E27FC236}">
-                <a16:creationId xmlns:a16="http://schemas.microsoft.com/office/drawing/2014/main" xmlns="" id="{454C7E0C-0413-4B5A-BFAB-E85F4692A1AB}"/>
+                <a16:creationId xmlns="" xmlns:a16="http://schemas.microsoft.com/office/drawing/2014/main" id="{454C7E0C-0413-4B5A-BFAB-E85F4692A1AB}"/>
               </a:ext>
             </a:extLst>
           </p:cNvPr>
@@ -16574,7 +16535,7 @@
           <p:cNvPr id="5" name="Object 4">
             <a:extLst>
               <a:ext uri="{FF2B5EF4-FFF2-40B4-BE49-F238E27FC236}">
-                <a16:creationId xmlns:a16="http://schemas.microsoft.com/office/drawing/2014/main" xmlns="" id="{1A5D4530-6651-4EBB-8385-AC8644111CC2}"/>
+                <a16:creationId xmlns="" xmlns:a16="http://schemas.microsoft.com/office/drawing/2014/main" id="{1A5D4530-6651-4EBB-8385-AC8644111CC2}"/>
               </a:ext>
             </a:extLst>
           </p:cNvPr>
@@ -16593,7 +16554,7 @@
           <a:graphicData uri="http://schemas.openxmlformats.org/presentationml/2006/ole">
             <mc:AlternateContent xmlns:mc="http://schemas.openxmlformats.org/markup-compatibility/2006">
               <mc:Choice xmlns:v="urn:schemas-microsoft-com:vml" Requires="v">
-                <p:oleObj spid="_x0000_s4169" name="Equation" r:id="rId3" imgW="2387520" imgH="419040" progId="Equation.DSMT4">
+                <p:oleObj spid="_x0000_s4171" name="Equation" r:id="rId3" imgW="2387520" imgH="419040" progId="Equation.DSMT4">
                   <p:embed/>
                 </p:oleObj>
               </mc:Choice>
@@ -16670,7 +16631,7 @@
           <p:cNvPr id="2" name="Title 1">
             <a:extLst>
               <a:ext uri="{FF2B5EF4-FFF2-40B4-BE49-F238E27FC236}">
-                <a16:creationId xmlns:a16="http://schemas.microsoft.com/office/drawing/2014/main" xmlns="" id="{80F7DCC6-71E1-4DF2-97AA-E5A8DB3F1534}"/>
+                <a16:creationId xmlns="" xmlns:a16="http://schemas.microsoft.com/office/drawing/2014/main" id="{80F7DCC6-71E1-4DF2-97AA-E5A8DB3F1534}"/>
               </a:ext>
             </a:extLst>
           </p:cNvPr>
@@ -16703,7 +16664,7 @@
           <p:cNvPr id="3" name="Content Placeholder 2">
             <a:extLst>
               <a:ext uri="{FF2B5EF4-FFF2-40B4-BE49-F238E27FC236}">
-                <a16:creationId xmlns:a16="http://schemas.microsoft.com/office/drawing/2014/main" xmlns="" id="{E40E67CA-8C31-40FF-A936-8803BCFAF8B3}"/>
+                <a16:creationId xmlns="" xmlns:a16="http://schemas.microsoft.com/office/drawing/2014/main" id="{E40E67CA-8C31-40FF-A936-8803BCFAF8B3}"/>
               </a:ext>
             </a:extLst>
           </p:cNvPr>
@@ -16829,7 +16790,7 @@
           <p:cNvPr id="4" name="Slide Number Placeholder 3">
             <a:extLst>
               <a:ext uri="{FF2B5EF4-FFF2-40B4-BE49-F238E27FC236}">
-                <a16:creationId xmlns:a16="http://schemas.microsoft.com/office/drawing/2014/main" xmlns="" id="{C3F490B8-41BF-42A2-859F-AC4D17B02629}"/>
+                <a16:creationId xmlns="" xmlns:a16="http://schemas.microsoft.com/office/drawing/2014/main" id="{C3F490B8-41BF-42A2-859F-AC4D17B02629}"/>
               </a:ext>
             </a:extLst>
           </p:cNvPr>
@@ -16895,7 +16856,7 @@
           <p:cNvPr id="2" name="Title 1">
             <a:extLst>
               <a:ext uri="{FF2B5EF4-FFF2-40B4-BE49-F238E27FC236}">
-                <a16:creationId xmlns:a16="http://schemas.microsoft.com/office/drawing/2014/main" xmlns="" id="{E58841CB-F12A-49AE-A0F6-FC905252F346}"/>
+                <a16:creationId xmlns="" xmlns:a16="http://schemas.microsoft.com/office/drawing/2014/main" id="{E58841CB-F12A-49AE-A0F6-FC905252F346}"/>
               </a:ext>
             </a:extLst>
           </p:cNvPr>
@@ -16932,7 +16893,7 @@
           <p:cNvPr id="4" name="Slide Number Placeholder 3">
             <a:extLst>
               <a:ext uri="{FF2B5EF4-FFF2-40B4-BE49-F238E27FC236}">
-                <a16:creationId xmlns:a16="http://schemas.microsoft.com/office/drawing/2014/main" xmlns="" id="{28183925-41CE-45AE-9C75-56FB10A283D7}"/>
+                <a16:creationId xmlns="" xmlns:a16="http://schemas.microsoft.com/office/drawing/2014/main" id="{28183925-41CE-45AE-9C75-56FB10A283D7}"/>
               </a:ext>
             </a:extLst>
           </p:cNvPr>
@@ -16961,7 +16922,7 @@
           <p:cNvPr id="7" name="Table 6">
             <a:extLst>
               <a:ext uri="{FF2B5EF4-FFF2-40B4-BE49-F238E27FC236}">
-                <a16:creationId xmlns:a16="http://schemas.microsoft.com/office/drawing/2014/main" xmlns="" id="{5A715EBA-BA67-4106-AD2E-72C266A592B8}"/>
+                <a16:creationId xmlns="" xmlns:a16="http://schemas.microsoft.com/office/drawing/2014/main" id="{5A715EBA-BA67-4106-AD2E-72C266A592B8}"/>
               </a:ext>
             </a:extLst>
           </p:cNvPr>
@@ -16986,21 +16947,21 @@
                 <a:gridCol w="2085975">
                   <a:extLst>
                     <a:ext uri="{9D8B030D-6E8A-4147-A177-3AD203B41FA5}">
-                      <a16:colId xmlns:a16="http://schemas.microsoft.com/office/drawing/2014/main" xmlns="" val="1489099423"/>
+                      <a16:colId xmlns="" xmlns:a16="http://schemas.microsoft.com/office/drawing/2014/main" val="1489099423"/>
                     </a:ext>
                   </a:extLst>
                 </a:gridCol>
                 <a:gridCol w="2847975">
                   <a:extLst>
                     <a:ext uri="{9D8B030D-6E8A-4147-A177-3AD203B41FA5}">
-                      <a16:colId xmlns:a16="http://schemas.microsoft.com/office/drawing/2014/main" xmlns="" val="2143065116"/>
+                      <a16:colId xmlns="" xmlns:a16="http://schemas.microsoft.com/office/drawing/2014/main" val="2143065116"/>
                     </a:ext>
                   </a:extLst>
                 </a:gridCol>
                 <a:gridCol w="3438525">
                   <a:extLst>
                     <a:ext uri="{9D8B030D-6E8A-4147-A177-3AD203B41FA5}">
-                      <a16:colId xmlns:a16="http://schemas.microsoft.com/office/drawing/2014/main" xmlns="" val="2806201724"/>
+                      <a16:colId xmlns="" xmlns:a16="http://schemas.microsoft.com/office/drawing/2014/main" val="2806201724"/>
                     </a:ext>
                   </a:extLst>
                 </a:gridCol>
@@ -17045,7 +17006,7 @@
                 </a:tc>
                 <a:extLst>
                   <a:ext uri="{0D108BD9-81ED-4DB2-BD59-A6C34878D82A}">
-                    <a16:rowId xmlns:a16="http://schemas.microsoft.com/office/drawing/2014/main" xmlns="" val="2756381196"/>
+                    <a16:rowId xmlns="" xmlns:a16="http://schemas.microsoft.com/office/drawing/2014/main" val="2756381196"/>
                   </a:ext>
                 </a:extLst>
               </a:tr>
@@ -17103,7 +17064,7 @@
                 </a:tc>
                 <a:extLst>
                   <a:ext uri="{0D108BD9-81ED-4DB2-BD59-A6C34878D82A}">
-                    <a16:rowId xmlns:a16="http://schemas.microsoft.com/office/drawing/2014/main" xmlns="" val="477521452"/>
+                    <a16:rowId xmlns="" xmlns:a16="http://schemas.microsoft.com/office/drawing/2014/main" val="477521452"/>
                   </a:ext>
                 </a:extLst>
               </a:tr>
@@ -17149,7 +17110,7 @@
                 </a:tc>
                 <a:extLst>
                   <a:ext uri="{0D108BD9-81ED-4DB2-BD59-A6C34878D82A}">
-                    <a16:rowId xmlns:a16="http://schemas.microsoft.com/office/drawing/2014/main" xmlns="" val="4186324477"/>
+                    <a16:rowId xmlns="" xmlns:a16="http://schemas.microsoft.com/office/drawing/2014/main" val="4186324477"/>
                   </a:ext>
                 </a:extLst>
               </a:tr>
@@ -17195,7 +17156,7 @@
                 </a:tc>
                 <a:extLst>
                   <a:ext uri="{0D108BD9-81ED-4DB2-BD59-A6C34878D82A}">
-                    <a16:rowId xmlns:a16="http://schemas.microsoft.com/office/drawing/2014/main" xmlns="" val="2886965010"/>
+                    <a16:rowId xmlns="" xmlns:a16="http://schemas.microsoft.com/office/drawing/2014/main" val="2886965010"/>
                   </a:ext>
                 </a:extLst>
               </a:tr>
@@ -17241,7 +17202,7 @@
                 </a:tc>
                 <a:extLst>
                   <a:ext uri="{0D108BD9-81ED-4DB2-BD59-A6C34878D82A}">
-                    <a16:rowId xmlns:a16="http://schemas.microsoft.com/office/drawing/2014/main" xmlns="" val="965711301"/>
+                    <a16:rowId xmlns="" xmlns:a16="http://schemas.microsoft.com/office/drawing/2014/main" val="965711301"/>
                   </a:ext>
                 </a:extLst>
               </a:tr>
@@ -17287,7 +17248,7 @@
                 </a:tc>
                 <a:extLst>
                   <a:ext uri="{0D108BD9-81ED-4DB2-BD59-A6C34878D82A}">
-                    <a16:rowId xmlns:a16="http://schemas.microsoft.com/office/drawing/2014/main" xmlns="" val="2667989358"/>
+                    <a16:rowId xmlns="" xmlns:a16="http://schemas.microsoft.com/office/drawing/2014/main" val="2667989358"/>
                   </a:ext>
                 </a:extLst>
               </a:tr>
@@ -17300,7 +17261,7 @@
           <p:cNvPr id="8" name="TextBox 7">
             <a:extLst>
               <a:ext uri="{FF2B5EF4-FFF2-40B4-BE49-F238E27FC236}">
-                <a16:creationId xmlns:a16="http://schemas.microsoft.com/office/drawing/2014/main" xmlns="" id="{4D1BDB25-B765-4988-8C88-9403DF8C9D40}"/>
+                <a16:creationId xmlns="" xmlns:a16="http://schemas.microsoft.com/office/drawing/2014/main" id="{4D1BDB25-B765-4988-8C88-9403DF8C9D40}"/>
               </a:ext>
             </a:extLst>
           </p:cNvPr>
@@ -17372,7 +17333,7 @@
           <p:cNvPr id="2" name="Title 1">
             <a:extLst>
               <a:ext uri="{FF2B5EF4-FFF2-40B4-BE49-F238E27FC236}">
-                <a16:creationId xmlns:a16="http://schemas.microsoft.com/office/drawing/2014/main" xmlns="" id="{8C55C254-BC36-4A04-AFEA-41B3912E23CE}"/>
+                <a16:creationId xmlns="" xmlns:a16="http://schemas.microsoft.com/office/drawing/2014/main" id="{8C55C254-BC36-4A04-AFEA-41B3912E23CE}"/>
               </a:ext>
             </a:extLst>
           </p:cNvPr>
@@ -17401,7 +17362,7 @@
           <p:cNvPr id="3" name="Content Placeholder 2">
             <a:extLst>
               <a:ext uri="{FF2B5EF4-FFF2-40B4-BE49-F238E27FC236}">
-                <a16:creationId xmlns:a16="http://schemas.microsoft.com/office/drawing/2014/main" xmlns="" id="{98825B73-670B-47B8-9AEF-873D89CA6C67}"/>
+                <a16:creationId xmlns="" xmlns:a16="http://schemas.microsoft.com/office/drawing/2014/main" id="{98825B73-670B-47B8-9AEF-873D89CA6C67}"/>
               </a:ext>
             </a:extLst>
           </p:cNvPr>
@@ -17481,7 +17442,7 @@
           <p:cNvPr id="4" name="Slide Number Placeholder 3">
             <a:extLst>
               <a:ext uri="{FF2B5EF4-FFF2-40B4-BE49-F238E27FC236}">
-                <a16:creationId xmlns:a16="http://schemas.microsoft.com/office/drawing/2014/main" xmlns="" id="{416B2EE1-1618-4B97-8C5E-68CCFAECB68A}"/>
+                <a16:creationId xmlns="" xmlns:a16="http://schemas.microsoft.com/office/drawing/2014/main" id="{416B2EE1-1618-4B97-8C5E-68CCFAECB68A}"/>
               </a:ext>
             </a:extLst>
           </p:cNvPr>
@@ -17547,7 +17508,7 @@
           <p:cNvPr id="2" name="Title 1">
             <a:extLst>
               <a:ext uri="{FF2B5EF4-FFF2-40B4-BE49-F238E27FC236}">
-                <a16:creationId xmlns:a16="http://schemas.microsoft.com/office/drawing/2014/main" xmlns="" id="{8C55C254-BC36-4A04-AFEA-41B3912E23CE}"/>
+                <a16:creationId xmlns="" xmlns:a16="http://schemas.microsoft.com/office/drawing/2014/main" id="{8C55C254-BC36-4A04-AFEA-41B3912E23CE}"/>
               </a:ext>
             </a:extLst>
           </p:cNvPr>
@@ -17576,7 +17537,7 @@
           <p:cNvPr id="3" name="Content Placeholder 2">
             <a:extLst>
               <a:ext uri="{FF2B5EF4-FFF2-40B4-BE49-F238E27FC236}">
-                <a16:creationId xmlns:a16="http://schemas.microsoft.com/office/drawing/2014/main" xmlns="" id="{98825B73-670B-47B8-9AEF-873D89CA6C67}"/>
+                <a16:creationId xmlns="" xmlns:a16="http://schemas.microsoft.com/office/drawing/2014/main" id="{98825B73-670B-47B8-9AEF-873D89CA6C67}"/>
               </a:ext>
             </a:extLst>
           </p:cNvPr>
@@ -17690,7 +17651,7 @@
           <p:cNvPr id="4" name="Slide Number Placeholder 3">
             <a:extLst>
               <a:ext uri="{FF2B5EF4-FFF2-40B4-BE49-F238E27FC236}">
-                <a16:creationId xmlns:a16="http://schemas.microsoft.com/office/drawing/2014/main" xmlns="" id="{416B2EE1-1618-4B97-8C5E-68CCFAECB68A}"/>
+                <a16:creationId xmlns="" xmlns:a16="http://schemas.microsoft.com/office/drawing/2014/main" id="{416B2EE1-1618-4B97-8C5E-68CCFAECB68A}"/>
               </a:ext>
             </a:extLst>
           </p:cNvPr>
